--- a/How to write a first draft.pptx
+++ b/How to write a first draft.pptx
@@ -707,7 +707,7 @@
           </a:lstStyle>
           <a:p>
             <a:r>
-              <a:rPr lang="en-US" smtClean="0"/>
+              <a:rPr lang="en-US"/>
               <a:t>Click to edit Master title style</a:t>
             </a:r>
             <a:endParaRPr lang="en-US" dirty="0"/>
@@ -827,7 +827,7 @@
           </a:lstStyle>
           <a:p>
             <a:r>
-              <a:rPr lang="en-US" smtClean="0"/>
+              <a:rPr lang="en-US"/>
               <a:t>Click to edit Master subtitle style</a:t>
             </a:r>
             <a:endParaRPr lang="en-US" dirty="0"/>
@@ -851,7 +851,7 @@
           <a:p>
             <a:fld id="{B471556D-98F7-48AF-ABE6-F1BBFDB1AC6C}" type="datetimeFigureOut">
               <a:rPr lang="en-GB" smtClean="0"/>
-              <a:t>22/03/2022</a:t>
+              <a:t>16/04/2025</a:t>
             </a:fld>
             <a:endParaRPr lang="en-GB"/>
           </a:p>
@@ -893,7 +893,7 @@
           <a:p>
             <a:fld id="{E4551A10-5F7C-4F10-8DBC-5109A8F0AC03}" type="slidenum">
               <a:rPr lang="en-GB" smtClean="0"/>
-              <a:t>‹#›</a:t>
+              <a:t>‹N°›</a:t>
             </a:fld>
             <a:endParaRPr lang="en-GB"/>
           </a:p>
@@ -956,7 +956,7 @@
           </a:lstStyle>
           <a:p>
             <a:r>
-              <a:rPr lang="en-US" smtClean="0"/>
+              <a:rPr lang="en-US"/>
               <a:t>Click to edit Master title style</a:t>
             </a:r>
             <a:endParaRPr lang="en-US" dirty="0"/>
@@ -1079,7 +1079,7 @@
           <a:p>
             <a:pPr lvl="0"/>
             <a:r>
-              <a:rPr lang="en-US" smtClean="0"/>
+              <a:rPr lang="en-US"/>
               <a:t>Edit Master text styles</a:t>
             </a:r>
           </a:p>
@@ -1102,7 +1102,7 @@
           <a:p>
             <a:fld id="{B471556D-98F7-48AF-ABE6-F1BBFDB1AC6C}" type="datetimeFigureOut">
               <a:rPr lang="en-GB" smtClean="0"/>
-              <a:t>22/03/2022</a:t>
+              <a:t>16/04/2025</a:t>
             </a:fld>
             <a:endParaRPr lang="en-GB"/>
           </a:p>
@@ -1144,7 +1144,7 @@
           <a:p>
             <a:fld id="{E4551A10-5F7C-4F10-8DBC-5109A8F0AC03}" type="slidenum">
               <a:rPr lang="en-GB" smtClean="0"/>
-              <a:t>‹#›</a:t>
+              <a:t>‹N°›</a:t>
             </a:fld>
             <a:endParaRPr lang="en-GB"/>
           </a:p>
@@ -1207,7 +1207,7 @@
           </a:lstStyle>
           <a:p>
             <a:r>
-              <a:rPr lang="en-US" smtClean="0"/>
+              <a:rPr lang="en-US"/>
               <a:t>Click to edit Master title style</a:t>
             </a:r>
             <a:endParaRPr lang="en-US" dirty="0"/>
@@ -1271,7 +1271,7 @@
           <a:p>
             <a:pPr lvl="0"/>
             <a:r>
-              <a:rPr lang="en-US" smtClean="0"/>
+              <a:rPr lang="en-US"/>
               <a:t>Edit Master text styles</a:t>
             </a:r>
           </a:p>
@@ -1393,7 +1393,7 @@
           <a:p>
             <a:pPr lvl="0"/>
             <a:r>
-              <a:rPr lang="en-US" smtClean="0"/>
+              <a:rPr lang="en-US"/>
               <a:t>Edit Master text styles</a:t>
             </a:r>
           </a:p>
@@ -1416,7 +1416,7 @@
           <a:p>
             <a:fld id="{B471556D-98F7-48AF-ABE6-F1BBFDB1AC6C}" type="datetimeFigureOut">
               <a:rPr lang="en-GB" smtClean="0"/>
-              <a:t>22/03/2022</a:t>
+              <a:t>16/04/2025</a:t>
             </a:fld>
             <a:endParaRPr lang="en-GB"/>
           </a:p>
@@ -1458,7 +1458,7 @@
           <a:p>
             <a:fld id="{E4551A10-5F7C-4F10-8DBC-5109A8F0AC03}" type="slidenum">
               <a:rPr lang="en-GB" smtClean="0"/>
-              <a:t>‹#›</a:t>
+              <a:t>‹N°›</a:t>
             </a:fld>
             <a:endParaRPr lang="en-GB"/>
           </a:p>
@@ -1611,7 +1611,7 @@
           </a:lstStyle>
           <a:p>
             <a:r>
-              <a:rPr lang="en-US" smtClean="0"/>
+              <a:rPr lang="en-US"/>
               <a:t>Click to edit Master title style</a:t>
             </a:r>
             <a:endParaRPr lang="en-US" dirty="0"/>
@@ -1734,7 +1734,7 @@
           <a:p>
             <a:pPr lvl="0"/>
             <a:r>
-              <a:rPr lang="en-US" smtClean="0"/>
+              <a:rPr lang="en-US"/>
               <a:t>Edit Master text styles</a:t>
             </a:r>
           </a:p>
@@ -1757,7 +1757,7 @@
           <a:p>
             <a:fld id="{B471556D-98F7-48AF-ABE6-F1BBFDB1AC6C}" type="datetimeFigureOut">
               <a:rPr lang="en-GB" smtClean="0"/>
-              <a:t>22/03/2022</a:t>
+              <a:t>16/04/2025</a:t>
             </a:fld>
             <a:endParaRPr lang="en-GB"/>
           </a:p>
@@ -1799,7 +1799,7 @@
           <a:p>
             <a:fld id="{E4551A10-5F7C-4F10-8DBC-5109A8F0AC03}" type="slidenum">
               <a:rPr lang="en-GB" smtClean="0"/>
-              <a:t>‹#›</a:t>
+              <a:t>‹N°›</a:t>
             </a:fld>
             <a:endParaRPr lang="en-GB"/>
           </a:p>
@@ -1862,7 +1862,7 @@
           </a:lstStyle>
           <a:p>
             <a:r>
-              <a:rPr lang="en-US" smtClean="0"/>
+              <a:rPr lang="en-US"/>
               <a:t>Click to edit Master title style</a:t>
             </a:r>
             <a:endParaRPr lang="en-US" dirty="0"/>
@@ -1926,7 +1926,7 @@
           <a:p>
             <a:pPr lvl="0"/>
             <a:r>
-              <a:rPr lang="en-US" smtClean="0"/>
+              <a:rPr lang="en-US"/>
               <a:t>Edit Master text styles</a:t>
             </a:r>
           </a:p>
@@ -2048,7 +2048,7 @@
           <a:p>
             <a:pPr lvl="0"/>
             <a:r>
-              <a:rPr lang="en-US" smtClean="0"/>
+              <a:rPr lang="en-US"/>
               <a:t>Edit Master text styles</a:t>
             </a:r>
           </a:p>
@@ -2071,7 +2071,7 @@
           <a:p>
             <a:fld id="{B471556D-98F7-48AF-ABE6-F1BBFDB1AC6C}" type="datetimeFigureOut">
               <a:rPr lang="en-GB" smtClean="0"/>
-              <a:t>22/03/2022</a:t>
+              <a:t>16/04/2025</a:t>
             </a:fld>
             <a:endParaRPr lang="en-GB"/>
           </a:p>
@@ -2113,7 +2113,7 @@
           <a:p>
             <a:fld id="{E4551A10-5F7C-4F10-8DBC-5109A8F0AC03}" type="slidenum">
               <a:rPr lang="en-GB" smtClean="0"/>
-              <a:t>‹#›</a:t>
+              <a:t>‹N°›</a:t>
             </a:fld>
             <a:endParaRPr lang="en-GB"/>
           </a:p>
@@ -2258,7 +2258,7 @@
           </a:lstStyle>
           <a:p>
             <a:r>
-              <a:rPr lang="en-US" smtClean="0"/>
+              <a:rPr lang="en-US"/>
               <a:t>Click to edit Master title style</a:t>
             </a:r>
             <a:endParaRPr lang="en-US" dirty="0"/>
@@ -2319,7 +2319,7 @@
           <a:p>
             <a:pPr lvl="0"/>
             <a:r>
-              <a:rPr lang="en-US" smtClean="0"/>
+              <a:rPr lang="en-US"/>
               <a:t>Edit Master text styles</a:t>
             </a:r>
           </a:p>
@@ -2441,7 +2441,7 @@
           <a:p>
             <a:pPr lvl="0"/>
             <a:r>
-              <a:rPr lang="en-US" smtClean="0"/>
+              <a:rPr lang="en-US"/>
               <a:t>Edit Master text styles</a:t>
             </a:r>
           </a:p>
@@ -2464,7 +2464,7 @@
           <a:p>
             <a:fld id="{B471556D-98F7-48AF-ABE6-F1BBFDB1AC6C}" type="datetimeFigureOut">
               <a:rPr lang="en-GB" smtClean="0"/>
-              <a:t>22/03/2022</a:t>
+              <a:t>16/04/2025</a:t>
             </a:fld>
             <a:endParaRPr lang="en-GB"/>
           </a:p>
@@ -2506,7 +2506,7 @@
           <a:p>
             <a:fld id="{E4551A10-5F7C-4F10-8DBC-5109A8F0AC03}" type="slidenum">
               <a:rPr lang="en-GB" smtClean="0"/>
-              <a:t>‹#›</a:t>
+              <a:t>‹N°›</a:t>
             </a:fld>
             <a:endParaRPr lang="en-GB"/>
           </a:p>
@@ -2558,7 +2558,7 @@
           <a:lstStyle/>
           <a:p>
             <a:r>
-              <a:rPr lang="en-US" smtClean="0"/>
+              <a:rPr lang="en-US"/>
               <a:t>Click to edit Master title style</a:t>
             </a:r>
             <a:endParaRPr lang="en-US" dirty="0"/>
@@ -2582,35 +2582,35 @@
           <a:p>
             <a:pPr lvl="0"/>
             <a:r>
-              <a:rPr lang="en-US" smtClean="0"/>
+              <a:rPr lang="en-US"/>
               <a:t>Edit Master text styles</a:t>
             </a:r>
           </a:p>
           <a:p>
             <a:pPr lvl="1"/>
             <a:r>
-              <a:rPr lang="en-US" smtClean="0"/>
+              <a:rPr lang="en-US"/>
               <a:t>Second level</a:t>
             </a:r>
           </a:p>
           <a:p>
             <a:pPr lvl="2"/>
             <a:r>
-              <a:rPr lang="en-US" smtClean="0"/>
+              <a:rPr lang="en-US"/>
               <a:t>Third level</a:t>
             </a:r>
           </a:p>
           <a:p>
             <a:pPr lvl="3"/>
             <a:r>
-              <a:rPr lang="en-US" smtClean="0"/>
+              <a:rPr lang="en-US"/>
               <a:t>Fourth level</a:t>
             </a:r>
           </a:p>
           <a:p>
             <a:pPr lvl="4"/>
             <a:r>
-              <a:rPr lang="en-US" smtClean="0"/>
+              <a:rPr lang="en-US"/>
               <a:t>Fifth level</a:t>
             </a:r>
             <a:endParaRPr lang="en-US" dirty="0"/>
@@ -2634,7 +2634,7 @@
           <a:p>
             <a:fld id="{B471556D-98F7-48AF-ABE6-F1BBFDB1AC6C}" type="datetimeFigureOut">
               <a:rPr lang="en-GB" smtClean="0"/>
-              <a:t>22/03/2022</a:t>
+              <a:t>16/04/2025</a:t>
             </a:fld>
             <a:endParaRPr lang="en-GB"/>
           </a:p>
@@ -2676,7 +2676,7 @@
           <a:p>
             <a:fld id="{E4551A10-5F7C-4F10-8DBC-5109A8F0AC03}" type="slidenum">
               <a:rPr lang="en-GB" smtClean="0"/>
-              <a:t>‹#›</a:t>
+              <a:t>‹N°›</a:t>
             </a:fld>
             <a:endParaRPr lang="en-GB"/>
           </a:p>
@@ -2733,7 +2733,7 @@
           <a:lstStyle/>
           <a:p>
             <a:r>
-              <a:rPr lang="en-US" smtClean="0"/>
+              <a:rPr lang="en-US"/>
               <a:t>Click to edit Master title style</a:t>
             </a:r>
             <a:endParaRPr lang="en-US" dirty="0"/>
@@ -2762,35 +2762,35 @@
           <a:p>
             <a:pPr lvl="0"/>
             <a:r>
-              <a:rPr lang="en-US" smtClean="0"/>
+              <a:rPr lang="en-US"/>
               <a:t>Edit Master text styles</a:t>
             </a:r>
           </a:p>
           <a:p>
             <a:pPr lvl="1"/>
             <a:r>
-              <a:rPr lang="en-US" smtClean="0"/>
+              <a:rPr lang="en-US"/>
               <a:t>Second level</a:t>
             </a:r>
           </a:p>
           <a:p>
             <a:pPr lvl="2"/>
             <a:r>
-              <a:rPr lang="en-US" smtClean="0"/>
+              <a:rPr lang="en-US"/>
               <a:t>Third level</a:t>
             </a:r>
           </a:p>
           <a:p>
             <a:pPr lvl="3"/>
             <a:r>
-              <a:rPr lang="en-US" smtClean="0"/>
+              <a:rPr lang="en-US"/>
               <a:t>Fourth level</a:t>
             </a:r>
           </a:p>
           <a:p>
             <a:pPr lvl="4"/>
             <a:r>
-              <a:rPr lang="en-US" smtClean="0"/>
+              <a:rPr lang="en-US"/>
               <a:t>Fifth level</a:t>
             </a:r>
             <a:endParaRPr lang="en-US" dirty="0"/>
@@ -2814,7 +2814,7 @@
           <a:p>
             <a:fld id="{B471556D-98F7-48AF-ABE6-F1BBFDB1AC6C}" type="datetimeFigureOut">
               <a:rPr lang="en-GB" smtClean="0"/>
-              <a:t>22/03/2022</a:t>
+              <a:t>16/04/2025</a:t>
             </a:fld>
             <a:endParaRPr lang="en-GB"/>
           </a:p>
@@ -2856,7 +2856,7 @@
           <a:p>
             <a:fld id="{E4551A10-5F7C-4F10-8DBC-5109A8F0AC03}" type="slidenum">
               <a:rPr lang="en-GB" smtClean="0"/>
-              <a:t>‹#›</a:t>
+              <a:t>‹N°›</a:t>
             </a:fld>
             <a:endParaRPr lang="en-GB"/>
           </a:p>
@@ -2914,7 +2914,7 @@
           </a:lstStyle>
           <a:p>
             <a:r>
-              <a:rPr lang="en-US" smtClean="0"/>
+              <a:rPr lang="en-US"/>
               <a:t>Click to edit Master title style</a:t>
             </a:r>
             <a:endParaRPr lang="en-US" dirty="0"/>
@@ -2938,35 +2938,35 @@
           <a:p>
             <a:pPr lvl="0"/>
             <a:r>
-              <a:rPr lang="en-US" smtClean="0"/>
+              <a:rPr lang="en-US"/>
               <a:t>Edit Master text styles</a:t>
             </a:r>
           </a:p>
           <a:p>
             <a:pPr lvl="1"/>
             <a:r>
-              <a:rPr lang="en-US" smtClean="0"/>
+              <a:rPr lang="en-US"/>
               <a:t>Second level</a:t>
             </a:r>
           </a:p>
           <a:p>
             <a:pPr lvl="2"/>
             <a:r>
-              <a:rPr lang="en-US" smtClean="0"/>
+              <a:rPr lang="en-US"/>
               <a:t>Third level</a:t>
             </a:r>
           </a:p>
           <a:p>
             <a:pPr lvl="3"/>
             <a:r>
-              <a:rPr lang="en-US" smtClean="0"/>
+              <a:rPr lang="en-US"/>
               <a:t>Fourth level</a:t>
             </a:r>
           </a:p>
           <a:p>
             <a:pPr lvl="4"/>
             <a:r>
-              <a:rPr lang="en-US" smtClean="0"/>
+              <a:rPr lang="en-US"/>
               <a:t>Fifth level</a:t>
             </a:r>
             <a:endParaRPr lang="en-US" dirty="0"/>
@@ -2990,7 +2990,7 @@
           <a:p>
             <a:fld id="{B471556D-98F7-48AF-ABE6-F1BBFDB1AC6C}" type="datetimeFigureOut">
               <a:rPr lang="en-GB" smtClean="0"/>
-              <a:t>22/03/2022</a:t>
+              <a:t>16/04/2025</a:t>
             </a:fld>
             <a:endParaRPr lang="en-GB"/>
           </a:p>
@@ -3032,7 +3032,7 @@
           <a:p>
             <a:fld id="{E4551A10-5F7C-4F10-8DBC-5109A8F0AC03}" type="slidenum">
               <a:rPr lang="en-GB" smtClean="0"/>
-              <a:t>‹#›</a:t>
+              <a:t>‹N°›</a:t>
             </a:fld>
             <a:endParaRPr lang="en-GB"/>
           </a:p>
@@ -3093,7 +3093,7 @@
           </a:lstStyle>
           <a:p>
             <a:r>
-              <a:rPr lang="en-US" smtClean="0"/>
+              <a:rPr lang="en-US"/>
               <a:t>Click to edit Master title style</a:t>
             </a:r>
             <a:endParaRPr lang="en-US" dirty="0"/>
@@ -3214,7 +3214,7 @@
           <a:p>
             <a:pPr lvl="0"/>
             <a:r>
-              <a:rPr lang="en-US" smtClean="0"/>
+              <a:rPr lang="en-US"/>
               <a:t>Edit Master text styles</a:t>
             </a:r>
           </a:p>
@@ -3237,7 +3237,7 @@
           <a:p>
             <a:fld id="{B471556D-98F7-48AF-ABE6-F1BBFDB1AC6C}" type="datetimeFigureOut">
               <a:rPr lang="en-GB" smtClean="0"/>
-              <a:t>22/03/2022</a:t>
+              <a:t>16/04/2025</a:t>
             </a:fld>
             <a:endParaRPr lang="en-GB"/>
           </a:p>
@@ -3279,7 +3279,7 @@
           <a:p>
             <a:fld id="{E4551A10-5F7C-4F10-8DBC-5109A8F0AC03}" type="slidenum">
               <a:rPr lang="en-GB" smtClean="0"/>
-              <a:t>‹#›</a:t>
+              <a:t>‹N°›</a:t>
             </a:fld>
             <a:endParaRPr lang="en-GB"/>
           </a:p>
@@ -3331,7 +3331,7 @@
           <a:lstStyle/>
           <a:p>
             <a:r>
-              <a:rPr lang="en-US" smtClean="0"/>
+              <a:rPr lang="en-US"/>
               <a:t>Click to edit Master title style</a:t>
             </a:r>
             <a:endParaRPr lang="en-US" dirty="0"/>
@@ -3360,35 +3360,35 @@
           <a:p>
             <a:pPr lvl="0"/>
             <a:r>
-              <a:rPr lang="en-US" smtClean="0"/>
+              <a:rPr lang="en-US"/>
               <a:t>Edit Master text styles</a:t>
             </a:r>
           </a:p>
           <a:p>
             <a:pPr lvl="1"/>
             <a:r>
-              <a:rPr lang="en-US" smtClean="0"/>
+              <a:rPr lang="en-US"/>
               <a:t>Second level</a:t>
             </a:r>
           </a:p>
           <a:p>
             <a:pPr lvl="2"/>
             <a:r>
-              <a:rPr lang="en-US" smtClean="0"/>
+              <a:rPr lang="en-US"/>
               <a:t>Third level</a:t>
             </a:r>
           </a:p>
           <a:p>
             <a:pPr lvl="3"/>
             <a:r>
-              <a:rPr lang="en-US" smtClean="0"/>
+              <a:rPr lang="en-US"/>
               <a:t>Fourth level</a:t>
             </a:r>
           </a:p>
           <a:p>
             <a:pPr lvl="4"/>
             <a:r>
-              <a:rPr lang="en-US" smtClean="0"/>
+              <a:rPr lang="en-US"/>
               <a:t>Fifth level</a:t>
             </a:r>
             <a:endParaRPr lang="en-US" dirty="0"/>
@@ -3417,35 +3417,35 @@
           <a:p>
             <a:pPr lvl="0"/>
             <a:r>
-              <a:rPr lang="en-US" smtClean="0"/>
+              <a:rPr lang="en-US"/>
               <a:t>Edit Master text styles</a:t>
             </a:r>
           </a:p>
           <a:p>
             <a:pPr lvl="1"/>
             <a:r>
-              <a:rPr lang="en-US" smtClean="0"/>
+              <a:rPr lang="en-US"/>
               <a:t>Second level</a:t>
             </a:r>
           </a:p>
           <a:p>
             <a:pPr lvl="2"/>
             <a:r>
-              <a:rPr lang="en-US" smtClean="0"/>
+              <a:rPr lang="en-US"/>
               <a:t>Third level</a:t>
             </a:r>
           </a:p>
           <a:p>
             <a:pPr lvl="3"/>
             <a:r>
-              <a:rPr lang="en-US" smtClean="0"/>
+              <a:rPr lang="en-US"/>
               <a:t>Fourth level</a:t>
             </a:r>
           </a:p>
           <a:p>
             <a:pPr lvl="4"/>
             <a:r>
-              <a:rPr lang="en-US" smtClean="0"/>
+              <a:rPr lang="en-US"/>
               <a:t>Fifth level</a:t>
             </a:r>
             <a:endParaRPr lang="en-US" dirty="0"/>
@@ -3469,7 +3469,7 @@
           <a:p>
             <a:fld id="{B471556D-98F7-48AF-ABE6-F1BBFDB1AC6C}" type="datetimeFigureOut">
               <a:rPr lang="en-GB" smtClean="0"/>
-              <a:t>22/03/2022</a:t>
+              <a:t>16/04/2025</a:t>
             </a:fld>
             <a:endParaRPr lang="en-GB"/>
           </a:p>
@@ -3511,7 +3511,7 @@
           <a:p>
             <a:fld id="{E4551A10-5F7C-4F10-8DBC-5109A8F0AC03}" type="slidenum">
               <a:rPr lang="en-GB" smtClean="0"/>
-              <a:t>‹#›</a:t>
+              <a:t>‹N°›</a:t>
             </a:fld>
             <a:endParaRPr lang="en-GB"/>
           </a:p>
@@ -3567,7 +3567,7 @@
           </a:lstStyle>
           <a:p>
             <a:r>
-              <a:rPr lang="en-US" smtClean="0"/>
+              <a:rPr lang="en-US"/>
               <a:t>Click to edit Master title style</a:t>
             </a:r>
             <a:endParaRPr lang="en-US" dirty="0"/>
@@ -3635,7 +3635,7 @@
           <a:p>
             <a:pPr lvl="0"/>
             <a:r>
-              <a:rPr lang="en-US" smtClean="0"/>
+              <a:rPr lang="en-US"/>
               <a:t>Edit Master text styles</a:t>
             </a:r>
           </a:p>
@@ -3665,35 +3665,35 @@
           <a:p>
             <a:pPr lvl="0"/>
             <a:r>
-              <a:rPr lang="en-US" smtClean="0"/>
+              <a:rPr lang="en-US"/>
               <a:t>Edit Master text styles</a:t>
             </a:r>
           </a:p>
           <a:p>
             <a:pPr lvl="1"/>
             <a:r>
-              <a:rPr lang="en-US" smtClean="0"/>
+              <a:rPr lang="en-US"/>
               <a:t>Second level</a:t>
             </a:r>
           </a:p>
           <a:p>
             <a:pPr lvl="2"/>
             <a:r>
-              <a:rPr lang="en-US" smtClean="0"/>
+              <a:rPr lang="en-US"/>
               <a:t>Third level</a:t>
             </a:r>
           </a:p>
           <a:p>
             <a:pPr lvl="3"/>
             <a:r>
-              <a:rPr lang="en-US" smtClean="0"/>
+              <a:rPr lang="en-US"/>
               <a:t>Fourth level</a:t>
             </a:r>
           </a:p>
           <a:p>
             <a:pPr lvl="4"/>
             <a:r>
-              <a:rPr lang="en-US" smtClean="0"/>
+              <a:rPr lang="en-US"/>
               <a:t>Fifth level</a:t>
             </a:r>
             <a:endParaRPr lang="en-US" dirty="0"/>
@@ -3761,7 +3761,7 @@
           <a:p>
             <a:pPr lvl="0"/>
             <a:r>
-              <a:rPr lang="en-US" smtClean="0"/>
+              <a:rPr lang="en-US"/>
               <a:t>Edit Master text styles</a:t>
             </a:r>
           </a:p>
@@ -3791,35 +3791,35 @@
           <a:p>
             <a:pPr lvl="0"/>
             <a:r>
-              <a:rPr lang="en-US" smtClean="0"/>
+              <a:rPr lang="en-US"/>
               <a:t>Edit Master text styles</a:t>
             </a:r>
           </a:p>
           <a:p>
             <a:pPr lvl="1"/>
             <a:r>
-              <a:rPr lang="en-US" smtClean="0"/>
+              <a:rPr lang="en-US"/>
               <a:t>Second level</a:t>
             </a:r>
           </a:p>
           <a:p>
             <a:pPr lvl="2"/>
             <a:r>
-              <a:rPr lang="en-US" smtClean="0"/>
+              <a:rPr lang="en-US"/>
               <a:t>Third level</a:t>
             </a:r>
           </a:p>
           <a:p>
             <a:pPr lvl="3"/>
             <a:r>
-              <a:rPr lang="en-US" smtClean="0"/>
+              <a:rPr lang="en-US"/>
               <a:t>Fourth level</a:t>
             </a:r>
           </a:p>
           <a:p>
             <a:pPr lvl="4"/>
             <a:r>
-              <a:rPr lang="en-US" smtClean="0"/>
+              <a:rPr lang="en-US"/>
               <a:t>Fifth level</a:t>
             </a:r>
             <a:endParaRPr lang="en-US" dirty="0"/>
@@ -3843,7 +3843,7 @@
           <a:p>
             <a:fld id="{B471556D-98F7-48AF-ABE6-F1BBFDB1AC6C}" type="datetimeFigureOut">
               <a:rPr lang="en-GB" smtClean="0"/>
-              <a:t>22/03/2022</a:t>
+              <a:t>16/04/2025</a:t>
             </a:fld>
             <a:endParaRPr lang="en-GB"/>
           </a:p>
@@ -3885,7 +3885,7 @@
           <a:p>
             <a:fld id="{E4551A10-5F7C-4F10-8DBC-5109A8F0AC03}" type="slidenum">
               <a:rPr lang="en-GB" smtClean="0"/>
-              <a:t>‹#›</a:t>
+              <a:t>‹N°›</a:t>
             </a:fld>
             <a:endParaRPr lang="en-GB"/>
           </a:p>
@@ -3942,7 +3942,7 @@
           <a:lstStyle/>
           <a:p>
             <a:r>
-              <a:rPr lang="en-US" smtClean="0"/>
+              <a:rPr lang="en-US"/>
               <a:t>Click to edit Master title style</a:t>
             </a:r>
             <a:endParaRPr lang="en-US" dirty="0"/>
@@ -3966,7 +3966,7 @@
           <a:p>
             <a:fld id="{B471556D-98F7-48AF-ABE6-F1BBFDB1AC6C}" type="datetimeFigureOut">
               <a:rPr lang="en-GB" smtClean="0"/>
-              <a:t>22/03/2022</a:t>
+              <a:t>16/04/2025</a:t>
             </a:fld>
             <a:endParaRPr lang="en-GB"/>
           </a:p>
@@ -4008,7 +4008,7 @@
           <a:p>
             <a:fld id="{E4551A10-5F7C-4F10-8DBC-5109A8F0AC03}" type="slidenum">
               <a:rPr lang="en-GB" smtClean="0"/>
-              <a:t>‹#›</a:t>
+              <a:t>‹N°›</a:t>
             </a:fld>
             <a:endParaRPr lang="en-GB"/>
           </a:p>
@@ -4061,7 +4061,7 @@
           <a:p>
             <a:fld id="{B471556D-98F7-48AF-ABE6-F1BBFDB1AC6C}" type="datetimeFigureOut">
               <a:rPr lang="en-GB" smtClean="0"/>
-              <a:t>22/03/2022</a:t>
+              <a:t>16/04/2025</a:t>
             </a:fld>
             <a:endParaRPr lang="en-GB"/>
           </a:p>
@@ -4103,7 +4103,7 @@
           <a:p>
             <a:fld id="{E4551A10-5F7C-4F10-8DBC-5109A8F0AC03}" type="slidenum">
               <a:rPr lang="en-GB" smtClean="0"/>
-              <a:t>‹#›</a:t>
+              <a:t>‹N°›</a:t>
             </a:fld>
             <a:endParaRPr lang="en-GB"/>
           </a:p>
@@ -4166,7 +4166,7 @@
           </a:lstStyle>
           <a:p>
             <a:r>
-              <a:rPr lang="en-US" smtClean="0"/>
+              <a:rPr lang="en-US"/>
               <a:t>Click to edit Master title style</a:t>
             </a:r>
             <a:endParaRPr lang="en-US" dirty="0"/>
@@ -4197,35 +4197,35 @@
           <a:p>
             <a:pPr lvl="0"/>
             <a:r>
-              <a:rPr lang="en-US" smtClean="0"/>
+              <a:rPr lang="en-US"/>
               <a:t>Edit Master text styles</a:t>
             </a:r>
           </a:p>
           <a:p>
             <a:pPr lvl="1"/>
             <a:r>
-              <a:rPr lang="en-US" smtClean="0"/>
+              <a:rPr lang="en-US"/>
               <a:t>Second level</a:t>
             </a:r>
           </a:p>
           <a:p>
             <a:pPr lvl="2"/>
             <a:r>
-              <a:rPr lang="en-US" smtClean="0"/>
+              <a:rPr lang="en-US"/>
               <a:t>Third level</a:t>
             </a:r>
           </a:p>
           <a:p>
             <a:pPr lvl="3"/>
             <a:r>
-              <a:rPr lang="en-US" smtClean="0"/>
+              <a:rPr lang="en-US"/>
               <a:t>Fourth level</a:t>
             </a:r>
           </a:p>
           <a:p>
             <a:pPr lvl="4"/>
             <a:r>
-              <a:rPr lang="en-US" smtClean="0"/>
+              <a:rPr lang="en-US"/>
               <a:t>Fifth level</a:t>
             </a:r>
             <a:endParaRPr lang="en-US" dirty="0"/>
@@ -4293,7 +4293,7 @@
           <a:p>
             <a:pPr lvl="0"/>
             <a:r>
-              <a:rPr lang="en-US" smtClean="0"/>
+              <a:rPr lang="en-US"/>
               <a:t>Edit Master text styles</a:t>
             </a:r>
           </a:p>
@@ -4316,7 +4316,7 @@
           <a:p>
             <a:fld id="{B471556D-98F7-48AF-ABE6-F1BBFDB1AC6C}" type="datetimeFigureOut">
               <a:rPr lang="en-GB" smtClean="0"/>
-              <a:t>22/03/2022</a:t>
+              <a:t>16/04/2025</a:t>
             </a:fld>
             <a:endParaRPr lang="en-GB"/>
           </a:p>
@@ -4358,7 +4358,7 @@
           <a:p>
             <a:fld id="{E4551A10-5F7C-4F10-8DBC-5109A8F0AC03}" type="slidenum">
               <a:rPr lang="en-GB" smtClean="0"/>
-              <a:t>‹#›</a:t>
+              <a:t>‹N°›</a:t>
             </a:fld>
             <a:endParaRPr lang="en-GB"/>
           </a:p>
@@ -4421,7 +4421,7 @@
           </a:lstStyle>
           <a:p>
             <a:r>
-              <a:rPr lang="en-US" smtClean="0"/>
+              <a:rPr lang="en-US"/>
               <a:t>Click to edit Master title style</a:t>
             </a:r>
             <a:endParaRPr lang="en-US" dirty="0"/>
@@ -4488,7 +4488,7 @@
           </a:lstStyle>
           <a:p>
             <a:r>
-              <a:rPr lang="en-US" smtClean="0"/>
+              <a:rPr lang="en-US"/>
               <a:t>Click icon to add picture</a:t>
             </a:r>
             <a:endParaRPr lang="en-US" dirty="0"/>
@@ -4556,7 +4556,7 @@
           <a:p>
             <a:pPr lvl="0"/>
             <a:r>
-              <a:rPr lang="en-US" smtClean="0"/>
+              <a:rPr lang="en-US"/>
               <a:t>Edit Master text styles</a:t>
             </a:r>
           </a:p>
@@ -4579,7 +4579,7 @@
           <a:p>
             <a:fld id="{B471556D-98F7-48AF-ABE6-F1BBFDB1AC6C}" type="datetimeFigureOut">
               <a:rPr lang="en-GB" smtClean="0"/>
-              <a:t>22/03/2022</a:t>
+              <a:t>16/04/2025</a:t>
             </a:fld>
             <a:endParaRPr lang="en-GB"/>
           </a:p>
@@ -4621,7 +4621,7 @@
           <a:p>
             <a:fld id="{E4551A10-5F7C-4F10-8DBC-5109A8F0AC03}" type="slidenum">
               <a:rPr lang="en-GB" smtClean="0"/>
-              <a:t>‹#›</a:t>
+              <a:t>‹N°›</a:t>
             </a:fld>
             <a:endParaRPr lang="en-GB"/>
           </a:p>
@@ -5218,7 +5218,7 @@
           <a:lstStyle/>
           <a:p>
             <a:r>
-              <a:rPr lang="en-US" smtClean="0"/>
+              <a:rPr lang="en-US"/>
               <a:t>Click to edit Master title style</a:t>
             </a:r>
             <a:endParaRPr lang="en-US" dirty="0"/>
@@ -5252,35 +5252,35 @@
           <a:p>
             <a:pPr lvl="0"/>
             <a:r>
-              <a:rPr lang="en-US" smtClean="0"/>
+              <a:rPr lang="en-US"/>
               <a:t>Edit Master text styles</a:t>
             </a:r>
           </a:p>
           <a:p>
             <a:pPr lvl="1"/>
             <a:r>
-              <a:rPr lang="en-US" smtClean="0"/>
+              <a:rPr lang="en-US"/>
               <a:t>Second level</a:t>
             </a:r>
           </a:p>
           <a:p>
             <a:pPr lvl="2"/>
             <a:r>
-              <a:rPr lang="en-US" smtClean="0"/>
+              <a:rPr lang="en-US"/>
               <a:t>Third level</a:t>
             </a:r>
           </a:p>
           <a:p>
             <a:pPr lvl="3"/>
             <a:r>
-              <a:rPr lang="en-US" smtClean="0"/>
+              <a:rPr lang="en-US"/>
               <a:t>Fourth level</a:t>
             </a:r>
           </a:p>
           <a:p>
             <a:pPr lvl="4"/>
             <a:r>
-              <a:rPr lang="en-US" smtClean="0"/>
+              <a:rPr lang="en-US"/>
               <a:t>Fifth level</a:t>
             </a:r>
             <a:endParaRPr lang="en-US" dirty="0"/>
@@ -5322,7 +5322,7 @@
           <a:p>
             <a:fld id="{B471556D-98F7-48AF-ABE6-F1BBFDB1AC6C}" type="datetimeFigureOut">
               <a:rPr lang="en-GB" smtClean="0"/>
-              <a:t>22/03/2022</a:t>
+              <a:t>16/04/2025</a:t>
             </a:fld>
             <a:endParaRPr lang="en-GB"/>
           </a:p>
@@ -5398,7 +5398,7 @@
           <a:p>
             <a:fld id="{E4551A10-5F7C-4F10-8DBC-5109A8F0AC03}" type="slidenum">
               <a:rPr lang="en-GB" smtClean="0"/>
-              <a:t>‹#›</a:t>
+              <a:t>‹N°›</a:t>
             </a:fld>
             <a:endParaRPr lang="en-GB"/>
           </a:p>
@@ -5867,19 +5867,19 @@
           <a:lstStyle/>
           <a:p>
             <a:r>
-              <a:rPr lang="fr-FR" dirty="0" smtClean="0"/>
+              <a:rPr lang="fr-FR" dirty="0"/>
               <a:t>How to </a:t>
             </a:r>
             <a:r>
-              <a:rPr lang="fr-FR" dirty="0" err="1" smtClean="0"/>
+              <a:rPr lang="fr-FR" dirty="0" err="1"/>
               <a:t>write</a:t>
             </a:r>
             <a:r>
-              <a:rPr lang="fr-FR" dirty="0" smtClean="0"/>
+              <a:rPr lang="fr-FR" dirty="0"/>
               <a:t> a first </a:t>
             </a:r>
             <a:r>
-              <a:rPr lang="fr-FR" dirty="0" err="1" smtClean="0"/>
+              <a:rPr lang="fr-FR" dirty="0" err="1"/>
               <a:t>draft</a:t>
             </a:r>
             <a:endParaRPr lang="en-GB" dirty="0"/>
@@ -5910,7 +5910,7 @@
           <a:p>
             <a:pPr algn="ctr"/>
             <a:r>
-              <a:rPr lang="fr-FR" sz="2000" dirty="0" smtClean="0"/>
+              <a:rPr lang="fr-FR" sz="2000" dirty="0"/>
               <a:t>Dr Aurore Ponchon</a:t>
             </a:r>
             <a:endParaRPr lang="en-GB" sz="2000" dirty="0"/>
@@ -5949,14 +5949,20 @@
       </p:pic>
       <p:pic>
         <p:nvPicPr>
-          <p:cNvPr id="6" name="Picture 5"/>
+          <p:cNvPr id="7" name="Image 6">
+            <a:extLst>
+              <a:ext uri="{FF2B5EF4-FFF2-40B4-BE49-F238E27FC236}">
+                <a16:creationId xmlns:a16="http://schemas.microsoft.com/office/drawing/2014/main" id="{FF5CB2E5-C332-4BA7-8440-D6B42A62BDC7}"/>
+              </a:ext>
+            </a:extLst>
+          </p:cNvPr>
           <p:cNvPicPr>
             <a:picLocks noChangeAspect="1"/>
           </p:cNvPicPr>
           <p:nvPr/>
         </p:nvPicPr>
         <p:blipFill>
-          <a:blip r:embed="rId3" cstate="print">
+          <a:blip r:embed="rId3">
             <a:extLst>
               <a:ext uri="{28A0092B-C50C-407E-A947-70E740481C1C}">
                 <a14:useLocalDpi xmlns:a14="http://schemas.microsoft.com/office/drawing/2010/main" val="0"/>
@@ -5969,8 +5975,8 @@
         </p:blipFill>
         <p:spPr>
           <a:xfrm>
-            <a:off x="67213" y="5888926"/>
-            <a:ext cx="1744333" cy="969074"/>
+            <a:off x="0" y="5281801"/>
+            <a:ext cx="2356338" cy="1576199"/>
           </a:xfrm>
           <a:prstGeom prst="rect">
             <a:avLst/>
@@ -5987,13 +5993,6 @@
   <p:clrMapOvr>
     <a:masterClrMapping/>
   </p:clrMapOvr>
-  <p:timing>
-    <p:tnLst>
-      <p:par>
-        <p:cTn id="1" dur="indefinite" restart="never" nodeType="tmRoot"/>
-      </p:par>
-    </p:tnLst>
-  </p:timing>
 </p:sld>
 </file>
 
@@ -6032,7 +6031,7 @@
           <a:lstStyle/>
           <a:p>
             <a:r>
-              <a:rPr lang="fr-FR" sz="4800" dirty="0" smtClean="0"/>
+              <a:rPr lang="fr-FR" sz="4800" dirty="0"/>
               <a:t>Discussion</a:t>
             </a:r>
             <a:endParaRPr lang="en-GB" sz="4800" dirty="0"/>
@@ -6062,27 +6061,27 @@
           <a:lstStyle/>
           <a:p>
             <a:r>
-              <a:rPr lang="fr-FR" sz="2400" dirty="0" err="1" smtClean="0"/>
+              <a:rPr lang="fr-FR" sz="2400" dirty="0" err="1"/>
               <a:t>Summarise</a:t>
             </a:r>
             <a:r>
-              <a:rPr lang="fr-FR" sz="2400" dirty="0" smtClean="0"/>
+              <a:rPr lang="fr-FR" sz="2400" dirty="0"/>
               <a:t> </a:t>
             </a:r>
             <a:r>
-              <a:rPr lang="fr-FR" sz="2400" dirty="0" err="1" smtClean="0"/>
+              <a:rPr lang="fr-FR" sz="2400" dirty="0" err="1"/>
               <a:t>what</a:t>
             </a:r>
             <a:r>
-              <a:rPr lang="fr-FR" sz="2400" dirty="0" smtClean="0"/>
+              <a:rPr lang="fr-FR" sz="2400" dirty="0"/>
               <a:t> the objectives of the </a:t>
             </a:r>
             <a:r>
-              <a:rPr lang="fr-FR" sz="2400" dirty="0" err="1" smtClean="0"/>
+              <a:rPr lang="fr-FR" sz="2400" dirty="0" err="1"/>
               <a:t>study</a:t>
             </a:r>
             <a:r>
-              <a:rPr lang="fr-FR" sz="2400" dirty="0" smtClean="0"/>
+              <a:rPr lang="fr-FR" sz="2400" dirty="0"/>
               <a:t> </a:t>
             </a:r>
             <a:r>
@@ -6091,181 +6090,177 @@
             </a:r>
             <a:r>
               <a:rPr lang="fr-FR" sz="2400" dirty="0"/>
-              <a:t> (</a:t>
-            </a:r>
-            <a:r>
-              <a:rPr lang="fr-FR" sz="2400" dirty="0" smtClean="0"/>
-              <a:t>not </a:t>
-            </a:r>
-            <a:r>
-              <a:rPr lang="fr-FR" sz="2400" dirty="0" err="1" smtClean="0"/>
+              <a:t> (not </a:t>
+            </a:r>
+            <a:r>
+              <a:rPr lang="fr-FR" sz="2400" dirty="0" err="1"/>
               <a:t>mandatory</a:t>
             </a:r>
             <a:r>
-              <a:rPr lang="fr-FR" sz="2400" dirty="0" smtClean="0"/>
+              <a:rPr lang="fr-FR" sz="2400" dirty="0"/>
               <a:t>)</a:t>
             </a:r>
           </a:p>
           <a:p>
             <a:r>
-              <a:rPr lang="fr-FR" sz="2400" dirty="0" err="1" smtClean="0"/>
+              <a:rPr lang="fr-FR" sz="2400" dirty="0" err="1"/>
               <a:t>Keep</a:t>
             </a:r>
             <a:r>
-              <a:rPr lang="fr-FR" sz="2400" dirty="0" smtClean="0"/>
+              <a:rPr lang="fr-FR" sz="2400" dirty="0"/>
               <a:t> the </a:t>
             </a:r>
             <a:r>
-              <a:rPr lang="fr-FR" sz="2400" dirty="0" err="1" smtClean="0"/>
+              <a:rPr lang="fr-FR" sz="2400" dirty="0" err="1"/>
               <a:t>same</a:t>
             </a:r>
             <a:r>
-              <a:rPr lang="fr-FR" sz="2400" dirty="0" smtClean="0"/>
+              <a:rPr lang="fr-FR" sz="2400" dirty="0"/>
               <a:t> structure as </a:t>
             </a:r>
             <a:r>
-              <a:rPr lang="fr-FR" sz="2400" dirty="0" err="1" smtClean="0"/>
+              <a:rPr lang="fr-FR" sz="2400" dirty="0" err="1"/>
               <a:t>that</a:t>
             </a:r>
             <a:r>
-              <a:rPr lang="fr-FR" sz="2400" dirty="0" smtClean="0"/>
+              <a:rPr lang="fr-FR" sz="2400" dirty="0"/>
               <a:t> of </a:t>
             </a:r>
             <a:r>
-              <a:rPr lang="fr-FR" sz="2400" dirty="0" err="1" smtClean="0"/>
+              <a:rPr lang="fr-FR" sz="2400" dirty="0" err="1"/>
               <a:t>Results</a:t>
             </a:r>
-            <a:endParaRPr lang="fr-FR" sz="2400" dirty="0" smtClean="0"/>
-          </a:p>
-          <a:p>
-            <a:r>
-              <a:rPr lang="fr-FR" sz="2400" dirty="0" err="1" smtClean="0"/>
+            <a:endParaRPr lang="fr-FR" sz="2400" dirty="0"/>
+          </a:p>
+          <a:p>
+            <a:r>
+              <a:rPr lang="fr-FR" sz="2400" dirty="0" err="1"/>
               <a:t>Explain</a:t>
             </a:r>
             <a:r>
-              <a:rPr lang="fr-FR" sz="2400" dirty="0" smtClean="0"/>
+              <a:rPr lang="fr-FR" sz="2400" dirty="0"/>
               <a:t> ALL </a:t>
             </a:r>
             <a:r>
-              <a:rPr lang="fr-FR" sz="2400" dirty="0" err="1" smtClean="0"/>
+              <a:rPr lang="fr-FR" sz="2400" dirty="0" err="1"/>
               <a:t>your</a:t>
             </a:r>
             <a:r>
-              <a:rPr lang="fr-FR" sz="2400" dirty="0" smtClean="0"/>
+              <a:rPr lang="fr-FR" sz="2400" dirty="0"/>
               <a:t> </a:t>
             </a:r>
             <a:r>
-              <a:rPr lang="fr-FR" sz="2400" dirty="0" err="1" smtClean="0"/>
+              <a:rPr lang="fr-FR" sz="2400" dirty="0" err="1"/>
               <a:t>results</a:t>
             </a:r>
             <a:r>
-              <a:rPr lang="fr-FR" sz="2400" dirty="0" smtClean="0"/>
+              <a:rPr lang="fr-FR" sz="2400" dirty="0"/>
               <a:t>, </a:t>
             </a:r>
             <a:r>
-              <a:rPr lang="fr-FR" sz="2400" dirty="0" err="1" smtClean="0"/>
+              <a:rPr lang="fr-FR" sz="2400" dirty="0" err="1"/>
               <a:t>including</a:t>
             </a:r>
             <a:r>
-              <a:rPr lang="fr-FR" sz="2400" dirty="0" smtClean="0"/>
+              <a:rPr lang="fr-FR" sz="2400" dirty="0"/>
               <a:t> the non-</a:t>
             </a:r>
             <a:r>
-              <a:rPr lang="fr-FR" sz="2400" dirty="0" err="1" smtClean="0"/>
+              <a:rPr lang="fr-FR" sz="2400" dirty="0" err="1"/>
               <a:t>significant</a:t>
             </a:r>
             <a:r>
-              <a:rPr lang="fr-FR" sz="2400" dirty="0" smtClean="0"/>
+              <a:rPr lang="fr-FR" sz="2400" dirty="0"/>
               <a:t> </a:t>
             </a:r>
             <a:r>
-              <a:rPr lang="fr-FR" sz="2400" dirty="0" err="1" smtClean="0"/>
+              <a:rPr lang="fr-FR" sz="2400" dirty="0" err="1"/>
               <a:t>ones</a:t>
             </a:r>
             <a:r>
-              <a:rPr lang="fr-FR" sz="2400" dirty="0" smtClean="0"/>
+              <a:rPr lang="fr-FR" sz="2400" dirty="0"/>
               <a:t> or the </a:t>
             </a:r>
             <a:r>
-              <a:rPr lang="fr-FR" sz="2400" dirty="0" err="1" smtClean="0"/>
+              <a:rPr lang="fr-FR" sz="2400" dirty="0" err="1"/>
               <a:t>ones</a:t>
             </a:r>
             <a:r>
-              <a:rPr lang="fr-FR" sz="2400" dirty="0" smtClean="0"/>
+              <a:rPr lang="fr-FR" sz="2400" dirty="0"/>
               <a:t> </a:t>
             </a:r>
             <a:r>
-              <a:rPr lang="fr-FR" sz="2400" dirty="0" err="1" smtClean="0"/>
+              <a:rPr lang="fr-FR" sz="2400" dirty="0" err="1"/>
               <a:t>going</a:t>
             </a:r>
             <a:r>
-              <a:rPr lang="fr-FR" sz="2400" dirty="0" smtClean="0"/>
+              <a:rPr lang="fr-FR" sz="2400" dirty="0"/>
               <a:t> </a:t>
             </a:r>
             <a:r>
-              <a:rPr lang="fr-FR" sz="2400" dirty="0" err="1" smtClean="0"/>
+              <a:rPr lang="fr-FR" sz="2400" dirty="0" err="1"/>
               <a:t>against</a:t>
             </a:r>
             <a:r>
-              <a:rPr lang="fr-FR" sz="2400" dirty="0" smtClean="0"/>
+              <a:rPr lang="fr-FR" sz="2400" dirty="0"/>
               <a:t> </a:t>
             </a:r>
             <a:r>
-              <a:rPr lang="fr-FR" sz="2400" dirty="0" err="1" smtClean="0"/>
+              <a:rPr lang="fr-FR" sz="2400" dirty="0" err="1"/>
               <a:t>your</a:t>
             </a:r>
             <a:r>
-              <a:rPr lang="fr-FR" sz="2400" dirty="0" smtClean="0"/>
+              <a:rPr lang="fr-FR" sz="2400" dirty="0"/>
               <a:t> </a:t>
             </a:r>
             <a:r>
-              <a:rPr lang="fr-FR" sz="2400" dirty="0" err="1" smtClean="0"/>
+              <a:rPr lang="fr-FR" sz="2400" dirty="0" err="1"/>
               <a:t>predictions</a:t>
             </a:r>
-            <a:endParaRPr lang="fr-FR" sz="2400" dirty="0" smtClean="0"/>
-          </a:p>
-          <a:p>
-            <a:r>
-              <a:rPr lang="fr-FR" sz="2400" dirty="0" smtClean="0"/>
+            <a:endParaRPr lang="fr-FR" sz="2400" dirty="0"/>
+          </a:p>
+          <a:p>
+            <a:r>
+              <a:rPr lang="fr-FR" sz="2400" dirty="0"/>
               <a:t>Relate </a:t>
             </a:r>
             <a:r>
-              <a:rPr lang="fr-FR" sz="2400" dirty="0" err="1" smtClean="0"/>
+              <a:rPr lang="fr-FR" sz="2400" dirty="0" err="1"/>
               <a:t>your</a:t>
             </a:r>
             <a:r>
-              <a:rPr lang="fr-FR" sz="2400" dirty="0" smtClean="0"/>
+              <a:rPr lang="fr-FR" sz="2400" dirty="0"/>
               <a:t> </a:t>
             </a:r>
             <a:r>
-              <a:rPr lang="fr-FR" sz="2400" dirty="0" err="1" smtClean="0"/>
+              <a:rPr lang="fr-FR" sz="2400" dirty="0" err="1"/>
               <a:t>results</a:t>
             </a:r>
             <a:r>
-              <a:rPr lang="fr-FR" sz="2400" dirty="0" smtClean="0"/>
+              <a:rPr lang="fr-FR" sz="2400" dirty="0"/>
               <a:t> to </a:t>
             </a:r>
             <a:r>
-              <a:rPr lang="fr-FR" sz="2400" dirty="0" err="1" smtClean="0"/>
+              <a:rPr lang="fr-FR" sz="2400" dirty="0" err="1"/>
               <a:t>other</a:t>
             </a:r>
             <a:r>
-              <a:rPr lang="fr-FR" sz="2400" dirty="0" smtClean="0"/>
+              <a:rPr lang="fr-FR" sz="2400" dirty="0"/>
               <a:t> </a:t>
             </a:r>
             <a:r>
-              <a:rPr lang="fr-FR" sz="2400" dirty="0" err="1" smtClean="0"/>
+              <a:rPr lang="fr-FR" sz="2400" dirty="0" err="1"/>
               <a:t>studies</a:t>
             </a:r>
             <a:r>
-              <a:rPr lang="fr-FR" sz="2400" dirty="0" smtClean="0"/>
+              <a:rPr lang="fr-FR" sz="2400" dirty="0"/>
               <a:t> or </a:t>
             </a:r>
             <a:r>
-              <a:rPr lang="fr-FR" sz="2400" dirty="0" err="1" smtClean="0"/>
+              <a:rPr lang="fr-FR" sz="2400" dirty="0" err="1"/>
               <a:t>theory</a:t>
             </a:r>
-            <a:endParaRPr lang="fr-FR" sz="2400" dirty="0" smtClean="0"/>
+            <a:endParaRPr lang="fr-FR" sz="2400" dirty="0"/>
           </a:p>
           <a:p>
             <a:r>
@@ -6279,147 +6274,147 @@
           </a:p>
           <a:p>
             <a:r>
-              <a:rPr lang="fr-FR" sz="2400" dirty="0" err="1" smtClean="0"/>
+              <a:rPr lang="fr-FR" sz="2400" dirty="0" err="1"/>
               <a:t>Provide</a:t>
             </a:r>
             <a:r>
-              <a:rPr lang="fr-FR" sz="2400" dirty="0" smtClean="0"/>
+              <a:rPr lang="fr-FR" sz="2400" dirty="0"/>
               <a:t> perspectives for future </a:t>
             </a:r>
             <a:r>
-              <a:rPr lang="fr-FR" sz="2400" dirty="0" err="1" smtClean="0"/>
+              <a:rPr lang="fr-FR" sz="2400" dirty="0" err="1"/>
               <a:t>work</a:t>
             </a:r>
-            <a:endParaRPr lang="fr-FR" sz="2400" dirty="0" smtClean="0"/>
-          </a:p>
-          <a:p>
-            <a:r>
-              <a:rPr lang="fr-FR" sz="2400" dirty="0" err="1" smtClean="0"/>
+            <a:endParaRPr lang="fr-FR" sz="2400" dirty="0"/>
+          </a:p>
+          <a:p>
+            <a:r>
+              <a:rPr lang="fr-FR" sz="2400" dirty="0" err="1"/>
               <a:t>Acknowledge</a:t>
             </a:r>
             <a:r>
-              <a:rPr lang="fr-FR" sz="2400" dirty="0" smtClean="0"/>
+              <a:rPr lang="fr-FR" sz="2400" dirty="0"/>
               <a:t> </a:t>
             </a:r>
             <a:r>
-              <a:rPr lang="fr-FR" sz="2400" dirty="0" err="1" smtClean="0"/>
+              <a:rPr lang="fr-FR" sz="2400" dirty="0" err="1"/>
               <a:t>limits</a:t>
             </a:r>
             <a:r>
-              <a:rPr lang="fr-FR" sz="2400" dirty="0" smtClean="0"/>
+              <a:rPr lang="fr-FR" sz="2400" dirty="0"/>
               <a:t> in </a:t>
             </a:r>
             <a:r>
-              <a:rPr lang="fr-FR" sz="2400" dirty="0" err="1" smtClean="0"/>
+              <a:rPr lang="fr-FR" sz="2400" dirty="0" err="1"/>
               <a:t>your</a:t>
             </a:r>
             <a:r>
-              <a:rPr lang="fr-FR" sz="2400" dirty="0" smtClean="0"/>
+              <a:rPr lang="fr-FR" sz="2400" dirty="0"/>
               <a:t> </a:t>
             </a:r>
             <a:r>
-              <a:rPr lang="fr-FR" sz="2400" dirty="0" err="1" smtClean="0"/>
+              <a:rPr lang="fr-FR" sz="2400" dirty="0" err="1"/>
               <a:t>study</a:t>
             </a:r>
             <a:r>
-              <a:rPr lang="fr-FR" sz="2400" dirty="0" smtClean="0"/>
+              <a:rPr lang="fr-FR" sz="2400" dirty="0"/>
               <a:t> if </a:t>
             </a:r>
             <a:r>
-              <a:rPr lang="fr-FR" sz="2400" dirty="0" err="1" smtClean="0"/>
+              <a:rPr lang="fr-FR" sz="2400" dirty="0" err="1"/>
               <a:t>you</a:t>
             </a:r>
             <a:r>
-              <a:rPr lang="fr-FR" sz="2400" dirty="0" smtClean="0"/>
+              <a:rPr lang="fr-FR" sz="2400" dirty="0"/>
               <a:t> </a:t>
             </a:r>
             <a:r>
-              <a:rPr lang="fr-FR" sz="2400" dirty="0" err="1" smtClean="0"/>
+              <a:rPr lang="fr-FR" sz="2400" dirty="0" err="1"/>
               <a:t>think</a:t>
             </a:r>
             <a:r>
-              <a:rPr lang="fr-FR" sz="2400" dirty="0" smtClean="0"/>
+              <a:rPr lang="fr-FR" sz="2400" dirty="0"/>
               <a:t> </a:t>
             </a:r>
             <a:r>
-              <a:rPr lang="fr-FR" sz="2400" dirty="0" err="1" smtClean="0"/>
+              <a:rPr lang="fr-FR" sz="2400" dirty="0" err="1"/>
               <a:t>you</a:t>
             </a:r>
             <a:r>
-              <a:rPr lang="fr-FR" sz="2400" dirty="0" smtClean="0"/>
+              <a:rPr lang="fr-FR" sz="2400" dirty="0"/>
               <a:t> have </a:t>
             </a:r>
             <a:r>
-              <a:rPr lang="fr-FR" sz="2400" dirty="0" err="1" smtClean="0"/>
+              <a:rPr lang="fr-FR" sz="2400" dirty="0" err="1"/>
               <a:t>some</a:t>
             </a:r>
-            <a:endParaRPr lang="fr-FR" sz="2400" dirty="0" smtClean="0"/>
-          </a:p>
-          <a:p>
-            <a:r>
-              <a:rPr lang="fr-FR" sz="2400" dirty="0" err="1" smtClean="0"/>
+            <a:endParaRPr lang="fr-FR" sz="2400" dirty="0"/>
+          </a:p>
+          <a:p>
+            <a:r>
+              <a:rPr lang="fr-FR" sz="2400" dirty="0" err="1"/>
               <a:t>Don’t</a:t>
             </a:r>
             <a:r>
-              <a:rPr lang="fr-FR" sz="2400" dirty="0" smtClean="0"/>
+              <a:rPr lang="fr-FR" sz="2400" dirty="0"/>
               <a:t> </a:t>
             </a:r>
             <a:r>
-              <a:rPr lang="fr-FR" sz="2400" dirty="0" err="1" smtClean="0"/>
+              <a:rPr lang="fr-FR" sz="2400" dirty="0" err="1"/>
               <a:t>be</a:t>
             </a:r>
             <a:r>
-              <a:rPr lang="fr-FR" sz="2400" dirty="0" smtClean="0"/>
+              <a:rPr lang="fr-FR" sz="2400" dirty="0"/>
               <a:t> </a:t>
             </a:r>
             <a:r>
-              <a:rPr lang="fr-FR" sz="2400" dirty="0" err="1" smtClean="0"/>
+              <a:rPr lang="fr-FR" sz="2400" dirty="0" err="1"/>
               <a:t>scared</a:t>
             </a:r>
             <a:r>
-              <a:rPr lang="fr-FR" sz="2400" dirty="0" smtClean="0"/>
+              <a:rPr lang="fr-FR" sz="2400" dirty="0"/>
               <a:t> of </a:t>
             </a:r>
             <a:r>
-              <a:rPr lang="fr-FR" sz="2400" dirty="0" err="1" smtClean="0"/>
+              <a:rPr lang="fr-FR" sz="2400" dirty="0" err="1"/>
               <a:t>writing</a:t>
             </a:r>
             <a:r>
-              <a:rPr lang="fr-FR" sz="2400" dirty="0" smtClean="0"/>
+              <a:rPr lang="fr-FR" sz="2400" dirty="0"/>
               <a:t> </a:t>
             </a:r>
             <a:r>
-              <a:rPr lang="fr-FR" sz="2400" dirty="0" err="1" smtClean="0"/>
+              <a:rPr lang="fr-FR" sz="2400" dirty="0" err="1"/>
               <a:t>too</a:t>
             </a:r>
             <a:r>
-              <a:rPr lang="fr-FR" sz="2400" dirty="0" smtClean="0"/>
+              <a:rPr lang="fr-FR" sz="2400" dirty="0"/>
               <a:t> </a:t>
             </a:r>
             <a:r>
-              <a:rPr lang="fr-FR" sz="2400" dirty="0" err="1" smtClean="0"/>
+              <a:rPr lang="fr-FR" sz="2400" dirty="0" err="1"/>
               <a:t>much</a:t>
             </a:r>
             <a:r>
-              <a:rPr lang="fr-FR" sz="2400" dirty="0" smtClean="0"/>
+              <a:rPr lang="fr-FR" sz="2400" dirty="0"/>
               <a:t>/off topic</a:t>
             </a:r>
           </a:p>
           <a:p>
             <a:r>
-              <a:rPr lang="fr-FR" sz="2400" dirty="0" err="1" smtClean="0"/>
+              <a:rPr lang="fr-FR" sz="2400" dirty="0" err="1"/>
               <a:t>Ideal</a:t>
             </a:r>
             <a:r>
-              <a:rPr lang="fr-FR" sz="2400" dirty="0" smtClean="0"/>
+              <a:rPr lang="fr-FR" sz="2400" dirty="0"/>
               <a:t> length:3-7 double-</a:t>
             </a:r>
             <a:r>
-              <a:rPr lang="fr-FR" sz="2400" dirty="0" err="1" smtClean="0"/>
+              <a:rPr lang="fr-FR" sz="2400" dirty="0" err="1"/>
               <a:t>spaced</a:t>
             </a:r>
             <a:r>
-              <a:rPr lang="fr-FR" sz="2400" dirty="0" smtClean="0"/>
+              <a:rPr lang="fr-FR" sz="2400" dirty="0"/>
               <a:t> pages</a:t>
             </a:r>
             <a:endParaRPr lang="en-GB" sz="2400" dirty="0"/>
@@ -6948,15 +6943,15 @@
           <a:lstStyle/>
           <a:p>
             <a:r>
-              <a:rPr lang="fr-FR" sz="4400" dirty="0" err="1" smtClean="0"/>
+              <a:rPr lang="fr-FR" sz="4400" dirty="0" err="1"/>
               <a:t>Bibliography</a:t>
             </a:r>
             <a:r>
-              <a:rPr lang="fr-FR" sz="4400" dirty="0" smtClean="0"/>
+              <a:rPr lang="fr-FR" sz="4400" dirty="0"/>
               <a:t>/</a:t>
             </a:r>
             <a:r>
-              <a:rPr lang="fr-FR" sz="4400" dirty="0" err="1" smtClean="0"/>
+              <a:rPr lang="fr-FR" sz="4400" dirty="0" err="1"/>
               <a:t>references</a:t>
             </a:r>
             <a:endParaRPr lang="en-GB" sz="4400" dirty="0"/>
@@ -7016,25 +7011,24 @@
           <a:lstStyle/>
           <a:p>
             <a:r>
-              <a:rPr lang="fr-FR" sz="2400" dirty="0" err="1" smtClean="0"/>
+              <a:rPr lang="fr-FR" sz="2400" dirty="0" err="1"/>
               <a:t>References</a:t>
             </a:r>
             <a:r>
-              <a:rPr lang="fr-FR" sz="2400" dirty="0" smtClean="0"/>
+              <a:rPr lang="fr-FR" sz="2400" dirty="0"/>
               <a:t> </a:t>
             </a:r>
             <a:r>
-              <a:rPr lang="fr-FR" sz="2400" dirty="0" err="1" smtClean="0"/>
+              <a:rPr lang="fr-FR" sz="2400" dirty="0" err="1"/>
               <a:t>written</a:t>
             </a:r>
             <a:r>
-              <a:rPr lang="fr-FR" sz="2400" dirty="0" smtClean="0"/>
+              <a:rPr lang="fr-FR" sz="2400" dirty="0"/>
               <a:t> by hand</a:t>
             </a:r>
+          </a:p>
+          <a:p>
             <a:endParaRPr lang="fr-FR" sz="2400" dirty="0"/>
-          </a:p>
-          <a:p>
-            <a:endParaRPr lang="fr-FR" sz="2400" dirty="0" smtClean="0"/>
           </a:p>
           <a:p>
             <a:pPr marL="0" indent="0">
@@ -7043,15 +7037,15 @@
             <a:endParaRPr lang="fr-FR" sz="2400" dirty="0"/>
           </a:p>
           <a:p>
-            <a:endParaRPr lang="fr-FR" sz="2400" dirty="0" smtClean="0"/>
-          </a:p>
-          <a:p>
-            <a:r>
-              <a:rPr lang="fr-FR" sz="2400" dirty="0" err="1" smtClean="0"/>
+            <a:endParaRPr lang="fr-FR" sz="2400" dirty="0"/>
+          </a:p>
+          <a:p>
+            <a:r>
+              <a:rPr lang="fr-FR" sz="2400" dirty="0" err="1"/>
               <a:t>References</a:t>
             </a:r>
             <a:r>
-              <a:rPr lang="fr-FR" sz="2400" dirty="0" smtClean="0"/>
+              <a:rPr lang="fr-FR" sz="2400" dirty="0"/>
               <a:t> </a:t>
             </a:r>
             <a:r>
@@ -7063,60 +7057,59 @@
               <a:t> </a:t>
             </a:r>
             <a:r>
-              <a:rPr lang="fr-FR" sz="2400" dirty="0" err="1" smtClean="0"/>
+              <a:rPr lang="fr-FR" sz="2400" dirty="0" err="1"/>
               <a:t>with</a:t>
             </a:r>
             <a:r>
-              <a:rPr lang="fr-FR" sz="2400" dirty="0" smtClean="0"/>
+              <a:rPr lang="fr-FR" sz="2400" dirty="0"/>
               <a:t> </a:t>
             </a:r>
             <a:r>
-              <a:rPr lang="fr-FR" sz="2400" dirty="0" err="1" smtClean="0"/>
+              <a:rPr lang="fr-FR" sz="2400" dirty="0" err="1"/>
               <a:t>reference</a:t>
             </a:r>
             <a:r>
-              <a:rPr lang="fr-FR" sz="2400" dirty="0" smtClean="0"/>
+              <a:rPr lang="fr-FR" sz="2400" dirty="0"/>
               <a:t> software (</a:t>
             </a:r>
             <a:r>
-              <a:rPr lang="fr-FR" sz="2400" dirty="0" err="1" smtClean="0"/>
+              <a:rPr lang="fr-FR" sz="2400" dirty="0" err="1"/>
               <a:t>Mendeley</a:t>
             </a:r>
             <a:r>
-              <a:rPr lang="fr-FR" sz="2400" dirty="0" smtClean="0"/>
+              <a:rPr lang="fr-FR" sz="2400" dirty="0"/>
               <a:t>, </a:t>
             </a:r>
             <a:r>
-              <a:rPr lang="fr-FR" sz="2400" dirty="0" err="1" smtClean="0"/>
+              <a:rPr lang="fr-FR" sz="2400" dirty="0" err="1"/>
               <a:t>EndNote</a:t>
             </a:r>
             <a:r>
-              <a:rPr lang="fr-FR" sz="2400" dirty="0" smtClean="0"/>
+              <a:rPr lang="fr-FR" sz="2400" dirty="0"/>
               <a:t>, </a:t>
             </a:r>
             <a:r>
-              <a:rPr lang="fr-FR" sz="2400" dirty="0" err="1" smtClean="0"/>
+              <a:rPr lang="fr-FR" sz="2400" dirty="0" err="1"/>
               <a:t>Zotero</a:t>
             </a:r>
             <a:r>
-              <a:rPr lang="fr-FR" sz="2400" dirty="0" smtClean="0"/>
+              <a:rPr lang="fr-FR" sz="2400" dirty="0"/>
               <a:t>, </a:t>
             </a:r>
             <a:r>
-              <a:rPr lang="fr-FR" sz="2400" dirty="0" err="1" smtClean="0"/>
+              <a:rPr lang="fr-FR" sz="2400" dirty="0" err="1"/>
               <a:t>RefWork</a:t>
             </a:r>
             <a:r>
-              <a:rPr lang="fr-FR" sz="2400" dirty="0" smtClean="0"/>
+              <a:rPr lang="fr-FR" sz="2400" dirty="0"/>
               <a:t>)</a:t>
             </a:r>
-            <a:endParaRPr lang="fr-FR" sz="2400" dirty="0"/>
           </a:p>
           <a:p>
             <a:pPr marL="0" indent="0">
               <a:buNone/>
             </a:pPr>
-            <a:endParaRPr lang="fr-FR" sz="2400" dirty="0" smtClean="0"/>
+            <a:endParaRPr lang="fr-FR" sz="2400" dirty="0"/>
           </a:p>
         </p:txBody>
       </p:sp>
@@ -7299,12 +7292,20 @@
           <a:lstStyle/>
           <a:p>
             <a:r>
-              <a:rPr lang="fr-FR" sz="4400" dirty="0" err="1" smtClean="0"/>
+              <a:rPr lang="fr-FR" sz="4400" dirty="0" err="1"/>
               <a:t>Overcoming</a:t>
             </a:r>
             <a:r>
-              <a:rPr lang="fr-FR" sz="4400" dirty="0" smtClean="0"/>
-              <a:t> the white page syndrome</a:t>
+              <a:rPr lang="fr-FR" sz="4400" dirty="0"/>
+              <a:t> the </a:t>
+            </a:r>
+            <a:r>
+              <a:rPr lang="fr-FR" sz="4400" dirty="0" err="1"/>
+              <a:t>blank</a:t>
+            </a:r>
+            <a:r>
+              <a:rPr lang="fr-FR" sz="4400" dirty="0"/>
+              <a:t> page syndrome</a:t>
             </a:r>
             <a:endParaRPr lang="en-GB" sz="4400" dirty="0"/>
           </a:p>
@@ -7349,13 +7350,6 @@
   <p:clrMapOvr>
     <a:masterClrMapping/>
   </p:clrMapOvr>
-  <p:timing>
-    <p:tnLst>
-      <p:par>
-        <p:cTn id="1" dur="indefinite" restart="never" nodeType="tmRoot"/>
-      </p:par>
-    </p:tnLst>
-  </p:timing>
 </p:sld>
 </file>
 
@@ -7399,24 +7393,20 @@
           <a:lstStyle/>
           <a:p>
             <a:r>
-              <a:rPr lang="fr-FR" sz="4400" dirty="0" err="1" smtClean="0"/>
+              <a:rPr lang="fr-FR" sz="4400" dirty="0" err="1"/>
               <a:t>Overcoming</a:t>
             </a:r>
             <a:r>
-              <a:rPr lang="fr-FR" sz="4400" dirty="0" smtClean="0"/>
+              <a:rPr lang="fr-FR" sz="4400" dirty="0"/>
               <a:t> the </a:t>
             </a:r>
             <a:r>
-              <a:rPr lang="fr-FR" sz="4400" dirty="0" err="1" smtClean="0"/>
+              <a:rPr lang="fr-FR" sz="4400" dirty="0" err="1"/>
               <a:t>blank</a:t>
             </a:r>
             <a:r>
-              <a:rPr lang="fr-FR" sz="4400" dirty="0" smtClean="0"/>
-              <a:t> </a:t>
-            </a:r>
-            <a:r>
-              <a:rPr lang="fr-FR" sz="4400" dirty="0" smtClean="0"/>
-              <a:t>page syndrome</a:t>
+              <a:rPr lang="fr-FR" sz="4400" dirty="0"/>
+              <a:t> page syndrome</a:t>
             </a:r>
             <a:endParaRPr lang="en-GB" sz="4400" dirty="0"/>
           </a:p>
@@ -7445,339 +7435,339 @@
           <a:lstStyle/>
           <a:p>
             <a:r>
-              <a:rPr lang="fr-FR" sz="2800" dirty="0" smtClean="0"/>
+              <a:rPr lang="fr-FR" sz="2800" dirty="0"/>
               <a:t>There </a:t>
             </a:r>
             <a:r>
-              <a:rPr lang="fr-FR" sz="2800" dirty="0" err="1" smtClean="0"/>
+              <a:rPr lang="fr-FR" sz="2800" dirty="0" err="1"/>
               <a:t>is</a:t>
             </a:r>
             <a:r>
-              <a:rPr lang="fr-FR" sz="2800" dirty="0" smtClean="0"/>
+              <a:rPr lang="fr-FR" sz="2800" dirty="0"/>
               <a:t> no </a:t>
             </a:r>
             <a:r>
-              <a:rPr lang="fr-FR" sz="2800" dirty="0" err="1" smtClean="0"/>
+              <a:rPr lang="fr-FR" sz="2800" dirty="0" err="1"/>
               <a:t>proper</a:t>
             </a:r>
             <a:r>
-              <a:rPr lang="fr-FR" sz="2800" dirty="0" smtClean="0"/>
+              <a:rPr lang="fr-FR" sz="2800" dirty="0"/>
               <a:t> </a:t>
             </a:r>
             <a:r>
-              <a:rPr lang="fr-FR" sz="2800" dirty="0" err="1" smtClean="0"/>
+              <a:rPr lang="fr-FR" sz="2800" dirty="0" err="1"/>
               <a:t>way</a:t>
             </a:r>
             <a:r>
-              <a:rPr lang="fr-FR" sz="2800" dirty="0" smtClean="0"/>
+              <a:rPr lang="fr-FR" sz="2800" dirty="0"/>
               <a:t> to </a:t>
             </a:r>
             <a:r>
-              <a:rPr lang="fr-FR" sz="2800" dirty="0" err="1" smtClean="0"/>
+              <a:rPr lang="fr-FR" sz="2800" dirty="0" err="1"/>
               <a:t>write</a:t>
             </a:r>
             <a:r>
-              <a:rPr lang="fr-FR" sz="2800" dirty="0" smtClean="0"/>
+              <a:rPr lang="fr-FR" sz="2800" dirty="0"/>
               <a:t> a </a:t>
             </a:r>
             <a:r>
-              <a:rPr lang="fr-FR" sz="2800" dirty="0" err="1" smtClean="0"/>
+              <a:rPr lang="fr-FR" sz="2800" dirty="0" err="1"/>
               <a:t>paper</a:t>
             </a:r>
             <a:r>
-              <a:rPr lang="fr-FR" sz="2800" dirty="0" smtClean="0"/>
+              <a:rPr lang="fr-FR" sz="2800" dirty="0"/>
               <a:t>. You </a:t>
             </a:r>
             <a:r>
-              <a:rPr lang="fr-FR" sz="2800" dirty="0" err="1" smtClean="0"/>
+              <a:rPr lang="fr-FR" sz="2800" dirty="0" err="1"/>
               <a:t>can</a:t>
             </a:r>
             <a:r>
-              <a:rPr lang="fr-FR" sz="2800" dirty="0" smtClean="0"/>
+              <a:rPr lang="fr-FR" sz="2800" dirty="0"/>
               <a:t> </a:t>
             </a:r>
             <a:r>
-              <a:rPr lang="fr-FR" sz="2800" dirty="0" err="1" smtClean="0"/>
+              <a:rPr lang="fr-FR" sz="2800" dirty="0" err="1"/>
               <a:t>start</a:t>
             </a:r>
             <a:r>
-              <a:rPr lang="fr-FR" sz="2800" dirty="0" smtClean="0"/>
+              <a:rPr lang="fr-FR" sz="2800" dirty="0"/>
               <a:t> </a:t>
             </a:r>
             <a:r>
-              <a:rPr lang="fr-FR" sz="2800" dirty="0" err="1" smtClean="0"/>
+              <a:rPr lang="fr-FR" sz="2800" dirty="0" err="1"/>
               <a:t>wherever</a:t>
             </a:r>
             <a:r>
-              <a:rPr lang="fr-FR" sz="2800" dirty="0" smtClean="0"/>
+              <a:rPr lang="fr-FR" sz="2800" dirty="0"/>
               <a:t> </a:t>
             </a:r>
             <a:r>
-              <a:rPr lang="fr-FR" sz="2800" dirty="0" err="1" smtClean="0"/>
+              <a:rPr lang="fr-FR" sz="2800" dirty="0" err="1"/>
               <a:t>you</a:t>
             </a:r>
             <a:r>
-              <a:rPr lang="fr-FR" sz="2800" dirty="0" smtClean="0"/>
+              <a:rPr lang="fr-FR" sz="2800" dirty="0"/>
               <a:t> </a:t>
             </a:r>
             <a:r>
-              <a:rPr lang="fr-FR" sz="2800" dirty="0" err="1" smtClean="0"/>
+              <a:rPr lang="fr-FR" sz="2800" dirty="0" err="1"/>
               <a:t>want</a:t>
             </a:r>
-            <a:endParaRPr lang="fr-FR" sz="2800" dirty="0" smtClean="0"/>
-          </a:p>
-          <a:p>
-            <a:r>
-              <a:rPr lang="fr-FR" sz="2800" dirty="0" smtClean="0"/>
+            <a:endParaRPr lang="fr-FR" sz="2800" dirty="0"/>
+          </a:p>
+          <a:p>
+            <a:r>
+              <a:rPr lang="fr-FR" sz="2800" dirty="0"/>
               <a:t>You </a:t>
             </a:r>
             <a:r>
-              <a:rPr lang="fr-FR" sz="2800" dirty="0" err="1" smtClean="0"/>
+              <a:rPr lang="fr-FR" sz="2800" dirty="0" err="1"/>
               <a:t>don’t</a:t>
             </a:r>
             <a:r>
-              <a:rPr lang="fr-FR" sz="2800" dirty="0" smtClean="0"/>
+              <a:rPr lang="fr-FR" sz="2800" dirty="0"/>
               <a:t> have to </a:t>
             </a:r>
             <a:r>
-              <a:rPr lang="fr-FR" sz="2800" dirty="0" err="1" smtClean="0"/>
+              <a:rPr lang="fr-FR" sz="2800" dirty="0" err="1"/>
               <a:t>write</a:t>
             </a:r>
             <a:r>
-              <a:rPr lang="fr-FR" sz="2800" dirty="0" smtClean="0"/>
+              <a:rPr lang="fr-FR" sz="2800" dirty="0"/>
               <a:t> </a:t>
             </a:r>
             <a:r>
-              <a:rPr lang="fr-FR" sz="2800" dirty="0" err="1" smtClean="0"/>
+              <a:rPr lang="fr-FR" sz="2800" dirty="0" err="1"/>
               <a:t>paragraphs</a:t>
             </a:r>
             <a:r>
-              <a:rPr lang="fr-FR" sz="2800" dirty="0" smtClean="0"/>
+              <a:rPr lang="fr-FR" sz="2800" dirty="0"/>
               <a:t> in </a:t>
             </a:r>
             <a:r>
-              <a:rPr lang="fr-FR" sz="2800" dirty="0" err="1" smtClean="0"/>
+              <a:rPr lang="fr-FR" sz="2800" dirty="0" err="1"/>
               <a:t>order</a:t>
             </a:r>
             <a:r>
-              <a:rPr lang="fr-FR" sz="2800" dirty="0" smtClean="0"/>
+              <a:rPr lang="fr-FR" sz="2800" dirty="0"/>
               <a:t>. </a:t>
             </a:r>
           </a:p>
           <a:p>
             <a:r>
-              <a:rPr lang="fr-FR" sz="2800" dirty="0" err="1" smtClean="0"/>
+              <a:rPr lang="fr-FR" sz="2800" dirty="0" err="1"/>
               <a:t>Allow</a:t>
             </a:r>
             <a:r>
-              <a:rPr lang="fr-FR" sz="2800" dirty="0" smtClean="0"/>
+              <a:rPr lang="fr-FR" sz="2800" dirty="0"/>
               <a:t> </a:t>
             </a:r>
             <a:r>
-              <a:rPr lang="fr-FR" sz="2800" dirty="0" err="1" smtClean="0"/>
+              <a:rPr lang="fr-FR" sz="2800" dirty="0" err="1"/>
               <a:t>yourself</a:t>
             </a:r>
             <a:r>
-              <a:rPr lang="fr-FR" sz="2800" dirty="0" smtClean="0"/>
+              <a:rPr lang="fr-FR" sz="2800" dirty="0"/>
               <a:t> to </a:t>
             </a:r>
             <a:r>
-              <a:rPr lang="fr-FR" sz="2800" dirty="0" err="1" smtClean="0"/>
+              <a:rPr lang="fr-FR" sz="2800" dirty="0" err="1"/>
               <a:t>be</a:t>
             </a:r>
             <a:r>
-              <a:rPr lang="fr-FR" sz="2800" dirty="0" smtClean="0"/>
+              <a:rPr lang="fr-FR" sz="2800" dirty="0"/>
               <a:t> </a:t>
             </a:r>
             <a:r>
-              <a:rPr lang="fr-FR" sz="2800" dirty="0" err="1" smtClean="0"/>
+              <a:rPr lang="fr-FR" sz="2800" dirty="0" err="1"/>
               <a:t>creative</a:t>
             </a:r>
             <a:r>
-              <a:rPr lang="fr-FR" sz="2800" dirty="0" smtClean="0"/>
+              <a:rPr lang="fr-FR" sz="2800" dirty="0"/>
               <a:t> and </a:t>
             </a:r>
             <a:r>
-              <a:rPr lang="fr-FR" sz="2800" dirty="0" err="1" smtClean="0"/>
+              <a:rPr lang="fr-FR" sz="2800" dirty="0" err="1"/>
               <a:t>bold</a:t>
             </a:r>
-            <a:endParaRPr lang="fr-FR" sz="2800" dirty="0" smtClean="0"/>
-          </a:p>
-          <a:p>
-            <a:r>
-              <a:rPr lang="fr-FR" sz="2800" dirty="0" err="1" smtClean="0"/>
+            <a:endParaRPr lang="fr-FR" sz="2800" dirty="0"/>
+          </a:p>
+          <a:p>
+            <a:r>
+              <a:rPr lang="fr-FR" sz="2800" dirty="0" err="1"/>
               <a:t>Don’t</a:t>
             </a:r>
             <a:r>
-              <a:rPr lang="fr-FR" sz="2800" dirty="0" smtClean="0"/>
+              <a:rPr lang="fr-FR" sz="2800" dirty="0"/>
               <a:t> </a:t>
             </a:r>
             <a:r>
-              <a:rPr lang="fr-FR" sz="2800" dirty="0" err="1" smtClean="0"/>
+              <a:rPr lang="fr-FR" sz="2800" dirty="0" err="1"/>
               <a:t>censor</a:t>
             </a:r>
             <a:r>
-              <a:rPr lang="fr-FR" sz="2800" dirty="0" smtClean="0"/>
+              <a:rPr lang="fr-FR" sz="2800" dirty="0"/>
               <a:t> </a:t>
             </a:r>
             <a:r>
-              <a:rPr lang="fr-FR" sz="2800" dirty="0" err="1" smtClean="0"/>
+              <a:rPr lang="fr-FR" sz="2800" dirty="0" err="1"/>
               <a:t>yourself</a:t>
             </a:r>
             <a:r>
-              <a:rPr lang="fr-FR" sz="2800" dirty="0" smtClean="0"/>
+              <a:rPr lang="fr-FR" sz="2800" dirty="0"/>
               <a:t>, trust </a:t>
             </a:r>
             <a:r>
-              <a:rPr lang="fr-FR" sz="2800" dirty="0" err="1" smtClean="0"/>
+              <a:rPr lang="fr-FR" sz="2800" dirty="0" err="1"/>
               <a:t>your</a:t>
             </a:r>
             <a:r>
-              <a:rPr lang="fr-FR" sz="2800" dirty="0" smtClean="0"/>
+              <a:rPr lang="fr-FR" sz="2800" dirty="0"/>
               <a:t> </a:t>
             </a:r>
             <a:r>
-              <a:rPr lang="fr-FR" sz="2800" dirty="0" err="1" smtClean="0"/>
+              <a:rPr lang="fr-FR" sz="2800" dirty="0" err="1"/>
               <a:t>ideas</a:t>
             </a:r>
             <a:r>
-              <a:rPr lang="fr-FR" sz="2800" dirty="0" smtClean="0"/>
+              <a:rPr lang="fr-FR" sz="2800" dirty="0"/>
               <a:t>. Co-</a:t>
             </a:r>
             <a:r>
-              <a:rPr lang="fr-FR" sz="2800" dirty="0" err="1" smtClean="0"/>
+              <a:rPr lang="fr-FR" sz="2800" dirty="0" err="1"/>
               <a:t>authors</a:t>
             </a:r>
             <a:r>
-              <a:rPr lang="fr-FR" sz="2800" dirty="0" smtClean="0"/>
+              <a:rPr lang="fr-FR" sz="2800" dirty="0"/>
               <a:t> are </a:t>
             </a:r>
             <a:r>
-              <a:rPr lang="fr-FR" sz="2800" dirty="0" err="1" smtClean="0"/>
+              <a:rPr lang="fr-FR" sz="2800" dirty="0" err="1"/>
               <a:t>there</a:t>
             </a:r>
             <a:r>
-              <a:rPr lang="fr-FR" sz="2800" dirty="0" smtClean="0"/>
+              <a:rPr lang="fr-FR" sz="2800" dirty="0"/>
               <a:t> to </a:t>
             </a:r>
             <a:r>
-              <a:rPr lang="fr-FR" sz="2800" dirty="0" err="1" smtClean="0"/>
+              <a:rPr lang="fr-FR" sz="2800" dirty="0" err="1"/>
               <a:t>adjust</a:t>
             </a:r>
             <a:r>
-              <a:rPr lang="fr-FR" sz="2800" dirty="0" smtClean="0"/>
+              <a:rPr lang="fr-FR" sz="2800" dirty="0"/>
               <a:t> </a:t>
             </a:r>
             <a:r>
-              <a:rPr lang="fr-FR" sz="2800" dirty="0" err="1" smtClean="0"/>
+              <a:rPr lang="fr-FR" sz="2800" dirty="0" err="1"/>
               <a:t>your</a:t>
             </a:r>
             <a:r>
-              <a:rPr lang="fr-FR" sz="2800" dirty="0" smtClean="0"/>
+              <a:rPr lang="fr-FR" sz="2800" dirty="0"/>
               <a:t> </a:t>
             </a:r>
             <a:r>
-              <a:rPr lang="fr-FR" sz="2800" dirty="0" err="1" smtClean="0"/>
+              <a:rPr lang="fr-FR" sz="2800" dirty="0" err="1"/>
               <a:t>text</a:t>
             </a:r>
             <a:r>
-              <a:rPr lang="fr-FR" sz="2800" dirty="0" smtClean="0"/>
+              <a:rPr lang="fr-FR" sz="2800" dirty="0"/>
               <a:t> in case </a:t>
             </a:r>
             <a:r>
-              <a:rPr lang="fr-FR" sz="2800" dirty="0" err="1" smtClean="0"/>
+              <a:rPr lang="fr-FR" sz="2800" dirty="0" err="1"/>
               <a:t>you</a:t>
             </a:r>
             <a:r>
-              <a:rPr lang="fr-FR" sz="2800" dirty="0" smtClean="0"/>
+              <a:rPr lang="fr-FR" sz="2800" dirty="0"/>
               <a:t> go in the </a:t>
             </a:r>
             <a:r>
-              <a:rPr lang="fr-FR" sz="2800" dirty="0" err="1" smtClean="0"/>
+              <a:rPr lang="fr-FR" sz="2800" dirty="0" err="1"/>
               <a:t>wrong</a:t>
             </a:r>
             <a:r>
-              <a:rPr lang="fr-FR" sz="2800" dirty="0" smtClean="0"/>
+              <a:rPr lang="fr-FR" sz="2800" dirty="0"/>
               <a:t> direction</a:t>
             </a:r>
           </a:p>
           <a:p>
             <a:r>
-              <a:rPr lang="fr-FR" sz="2800" dirty="0" smtClean="0"/>
+              <a:rPr lang="fr-FR" sz="2800" dirty="0"/>
               <a:t>Most important </a:t>
             </a:r>
             <a:r>
-              <a:rPr lang="fr-FR" sz="2800" dirty="0" err="1" smtClean="0"/>
+              <a:rPr lang="fr-FR" sz="2800" dirty="0" err="1"/>
               <a:t>is</a:t>
             </a:r>
             <a:r>
-              <a:rPr lang="fr-FR" sz="2800" dirty="0" smtClean="0"/>
+              <a:rPr lang="fr-FR" sz="2800" dirty="0"/>
               <a:t> to have </a:t>
             </a:r>
             <a:r>
-              <a:rPr lang="fr-FR" sz="2800" dirty="0" err="1" smtClean="0"/>
+              <a:rPr lang="fr-FR" sz="2800" dirty="0" err="1"/>
               <a:t>some</a:t>
             </a:r>
             <a:r>
-              <a:rPr lang="fr-FR" sz="2800" dirty="0" smtClean="0"/>
+              <a:rPr lang="fr-FR" sz="2800" dirty="0"/>
               <a:t> </a:t>
             </a:r>
             <a:r>
-              <a:rPr lang="fr-FR" sz="2800" dirty="0" err="1" smtClean="0"/>
+              <a:rPr lang="fr-FR" sz="2800" dirty="0" err="1"/>
               <a:t>words</a:t>
             </a:r>
             <a:r>
-              <a:rPr lang="fr-FR" sz="2800" dirty="0" smtClean="0"/>
+              <a:rPr lang="fr-FR" sz="2800" dirty="0"/>
               <a:t> laid down. The more </a:t>
             </a:r>
             <a:r>
-              <a:rPr lang="fr-FR" sz="2800" dirty="0" err="1" smtClean="0"/>
+              <a:rPr lang="fr-FR" sz="2800" dirty="0" err="1"/>
               <a:t>often</a:t>
             </a:r>
             <a:r>
-              <a:rPr lang="fr-FR" sz="2800" dirty="0" smtClean="0"/>
+              <a:rPr lang="fr-FR" sz="2800" dirty="0"/>
               <a:t> </a:t>
             </a:r>
             <a:r>
-              <a:rPr lang="fr-FR" sz="2800" dirty="0" err="1" smtClean="0"/>
+              <a:rPr lang="fr-FR" sz="2800" dirty="0" err="1"/>
               <a:t>you</a:t>
             </a:r>
             <a:r>
-              <a:rPr lang="fr-FR" sz="2800" dirty="0" smtClean="0"/>
+              <a:rPr lang="fr-FR" sz="2800" dirty="0"/>
               <a:t> do </a:t>
             </a:r>
             <a:r>
-              <a:rPr lang="fr-FR" sz="2800" dirty="0" err="1" smtClean="0"/>
+              <a:rPr lang="fr-FR" sz="2800" dirty="0" err="1"/>
               <a:t>it</a:t>
             </a:r>
             <a:r>
-              <a:rPr lang="fr-FR" sz="2800" dirty="0" smtClean="0"/>
+              <a:rPr lang="fr-FR" sz="2800" dirty="0"/>
               <a:t>, the </a:t>
             </a:r>
             <a:r>
-              <a:rPr lang="fr-FR" sz="2800" dirty="0" err="1" smtClean="0"/>
+              <a:rPr lang="fr-FR" sz="2800" dirty="0" err="1"/>
               <a:t>better</a:t>
             </a:r>
             <a:r>
-              <a:rPr lang="fr-FR" sz="2800" dirty="0" smtClean="0"/>
+              <a:rPr lang="fr-FR" sz="2800" dirty="0"/>
               <a:t> </a:t>
             </a:r>
             <a:r>
-              <a:rPr lang="fr-FR" sz="2800" dirty="0" err="1" smtClean="0"/>
+              <a:rPr lang="fr-FR" sz="2800" dirty="0" err="1"/>
               <a:t>you</a:t>
             </a:r>
             <a:r>
-              <a:rPr lang="fr-FR" sz="2800" dirty="0" smtClean="0"/>
+              <a:rPr lang="fr-FR" sz="2800" dirty="0"/>
               <a:t> </a:t>
             </a:r>
             <a:r>
-              <a:rPr lang="fr-FR" sz="2800" dirty="0" err="1" smtClean="0"/>
+              <a:rPr lang="fr-FR" sz="2800" dirty="0" err="1"/>
               <a:t>become</a:t>
             </a:r>
-            <a:endParaRPr lang="fr-FR" sz="2800" dirty="0" smtClean="0"/>
-          </a:p>
-          <a:p>
-            <a:endParaRPr lang="fr-FR" sz="2800" dirty="0" smtClean="0"/>
+            <a:endParaRPr lang="fr-FR" sz="2800" dirty="0"/>
+          </a:p>
+          <a:p>
+            <a:endParaRPr lang="fr-FR" sz="2800" dirty="0"/>
           </a:p>
         </p:txBody>
       </p:sp>
@@ -8089,15 +8079,15 @@
           <a:lstStyle/>
           <a:p>
             <a:r>
-              <a:rPr lang="fr-FR" sz="4800" dirty="0" err="1" smtClean="0"/>
+              <a:rPr lang="fr-FR" sz="4800" dirty="0" err="1"/>
               <a:t>Preparing</a:t>
             </a:r>
             <a:r>
-              <a:rPr lang="fr-FR" sz="4800" dirty="0" smtClean="0"/>
+              <a:rPr lang="fr-FR" sz="4800" dirty="0"/>
               <a:t> for </a:t>
             </a:r>
             <a:r>
-              <a:rPr lang="fr-FR" sz="4800" dirty="0" err="1" smtClean="0"/>
+              <a:rPr lang="fr-FR" sz="4800" dirty="0" err="1"/>
               <a:t>submission</a:t>
             </a:r>
             <a:endParaRPr lang="en-GB" sz="4800" dirty="0"/>
@@ -8127,148 +8117,148 @@
           <a:lstStyle/>
           <a:p>
             <a:r>
-              <a:rPr lang="fr-FR" sz="2400" dirty="0" smtClean="0"/>
+              <a:rPr lang="fr-FR" sz="2400" dirty="0"/>
               <a:t>Check journal style (</a:t>
             </a:r>
             <a:r>
-              <a:rPr lang="fr-FR" sz="2400" dirty="0" err="1" smtClean="0"/>
+              <a:rPr lang="fr-FR" sz="2400" dirty="0" err="1"/>
               <a:t>references</a:t>
             </a:r>
             <a:r>
-              <a:rPr lang="fr-FR" sz="2400" dirty="0" smtClean="0"/>
+              <a:rPr lang="fr-FR" sz="2400" dirty="0"/>
               <a:t> and section </a:t>
             </a:r>
             <a:r>
-              <a:rPr lang="fr-FR" sz="2400" dirty="0" err="1" smtClean="0"/>
+              <a:rPr lang="fr-FR" sz="2400" dirty="0" err="1"/>
               <a:t>titles</a:t>
             </a:r>
             <a:r>
-              <a:rPr lang="fr-FR" sz="2400" dirty="0" smtClean="0"/>
+              <a:rPr lang="fr-FR" sz="2400" dirty="0"/>
               <a:t>)</a:t>
             </a:r>
           </a:p>
           <a:p>
             <a:r>
-              <a:rPr lang="fr-FR" sz="2400" dirty="0" err="1" smtClean="0"/>
+              <a:rPr lang="fr-FR" sz="2400" dirty="0" err="1"/>
               <a:t>Title</a:t>
             </a:r>
             <a:r>
-              <a:rPr lang="fr-FR" sz="2400" dirty="0" smtClean="0"/>
+              <a:rPr lang="fr-FR" sz="2400" dirty="0"/>
               <a:t>, </a:t>
             </a:r>
             <a:r>
-              <a:rPr lang="fr-FR" sz="2400" dirty="0" err="1" smtClean="0"/>
+              <a:rPr lang="fr-FR" sz="2400" dirty="0" err="1"/>
               <a:t>co-authors</a:t>
             </a:r>
             <a:r>
-              <a:rPr lang="fr-FR" sz="2400" dirty="0" smtClean="0"/>
+              <a:rPr lang="fr-FR" sz="2400" dirty="0"/>
               <a:t>, affiliation, </a:t>
             </a:r>
             <a:r>
-              <a:rPr lang="fr-FR" sz="2400" dirty="0" err="1" smtClean="0"/>
+              <a:rPr lang="fr-FR" sz="2400" dirty="0" err="1"/>
               <a:t>author</a:t>
             </a:r>
             <a:r>
-              <a:rPr lang="fr-FR" sz="2400" dirty="0" smtClean="0"/>
+              <a:rPr lang="fr-FR" sz="2400" dirty="0"/>
               <a:t> for correspondance</a:t>
             </a:r>
           </a:p>
           <a:p>
             <a:r>
-              <a:rPr lang="fr-FR" sz="2400" dirty="0" smtClean="0"/>
+              <a:rPr lang="fr-FR" sz="2400" dirty="0"/>
               <a:t>Double </a:t>
             </a:r>
             <a:r>
-              <a:rPr lang="fr-FR" sz="2400" dirty="0" err="1" smtClean="0"/>
+              <a:rPr lang="fr-FR" sz="2400" dirty="0" err="1"/>
               <a:t>spaced</a:t>
             </a:r>
             <a:r>
-              <a:rPr lang="fr-FR" sz="2400" dirty="0" smtClean="0"/>
+              <a:rPr lang="fr-FR" sz="2400" dirty="0"/>
               <a:t> </a:t>
             </a:r>
             <a:r>
-              <a:rPr lang="fr-FR" sz="2400" dirty="0" err="1" smtClean="0"/>
+              <a:rPr lang="fr-FR" sz="2400" dirty="0" err="1"/>
               <a:t>lines</a:t>
             </a:r>
             <a:r>
-              <a:rPr lang="fr-FR" sz="2400" dirty="0" smtClean="0"/>
+              <a:rPr lang="fr-FR" sz="2400" dirty="0"/>
               <a:t>, line and page </a:t>
             </a:r>
             <a:r>
-              <a:rPr lang="fr-FR" sz="2400" dirty="0" err="1" smtClean="0"/>
+              <a:rPr lang="fr-FR" sz="2400" dirty="0" err="1"/>
               <a:t>number</a:t>
             </a:r>
-            <a:endParaRPr lang="fr-FR" sz="2400" dirty="0" smtClean="0"/>
-          </a:p>
-          <a:p>
-            <a:r>
-              <a:rPr lang="fr-FR" sz="2400" dirty="0" smtClean="0"/>
+            <a:endParaRPr lang="fr-FR" sz="2400" dirty="0"/>
+          </a:p>
+          <a:p>
+            <a:r>
+              <a:rPr lang="fr-FR" sz="2400" dirty="0"/>
               <a:t>Check for </a:t>
             </a:r>
             <a:r>
-              <a:rPr lang="fr-FR" sz="2400" dirty="0" err="1" smtClean="0"/>
+              <a:rPr lang="fr-FR" sz="2400" dirty="0" err="1"/>
               <a:t>word</a:t>
             </a:r>
             <a:r>
-              <a:rPr lang="fr-FR" sz="2400" dirty="0" smtClean="0"/>
+              <a:rPr lang="fr-FR" sz="2400" dirty="0"/>
               <a:t> </a:t>
             </a:r>
             <a:r>
-              <a:rPr lang="fr-FR" sz="2400" dirty="0" err="1" smtClean="0"/>
+              <a:rPr lang="fr-FR" sz="2400" dirty="0" err="1"/>
               <a:t>limit</a:t>
             </a:r>
             <a:r>
-              <a:rPr lang="fr-FR" sz="2400" dirty="0" smtClean="0"/>
+              <a:rPr lang="fr-FR" sz="2400" dirty="0"/>
               <a:t> (abstract and main </a:t>
             </a:r>
             <a:r>
-              <a:rPr lang="fr-FR" sz="2400" dirty="0" err="1" smtClean="0"/>
+              <a:rPr lang="fr-FR" sz="2400" dirty="0" err="1"/>
               <a:t>text</a:t>
             </a:r>
             <a:r>
-              <a:rPr lang="fr-FR" sz="2400" dirty="0" smtClean="0"/>
+              <a:rPr lang="fr-FR" sz="2400" dirty="0"/>
               <a:t>)</a:t>
             </a:r>
           </a:p>
           <a:p>
             <a:r>
-              <a:rPr lang="fr-FR" sz="2400" dirty="0" err="1" smtClean="0"/>
+              <a:rPr lang="fr-FR" sz="2400" dirty="0" err="1"/>
               <a:t>Send</a:t>
             </a:r>
             <a:r>
-              <a:rPr lang="fr-FR" sz="2400" dirty="0" smtClean="0"/>
+              <a:rPr lang="fr-FR" sz="2400" dirty="0"/>
               <a:t> </a:t>
             </a:r>
             <a:r>
-              <a:rPr lang="fr-FR" sz="2400" dirty="0" err="1" smtClean="0"/>
+              <a:rPr lang="fr-FR" sz="2400" dirty="0" err="1"/>
               <a:t>your</a:t>
             </a:r>
             <a:r>
-              <a:rPr lang="fr-FR" sz="2400" dirty="0" smtClean="0"/>
+              <a:rPr lang="fr-FR" sz="2400" dirty="0"/>
               <a:t> </a:t>
             </a:r>
             <a:r>
-              <a:rPr lang="fr-FR" sz="2400" dirty="0" err="1" smtClean="0"/>
+              <a:rPr lang="fr-FR" sz="2400" dirty="0" err="1"/>
               <a:t>draft</a:t>
             </a:r>
             <a:r>
-              <a:rPr lang="fr-FR" sz="2400" dirty="0" smtClean="0"/>
+              <a:rPr lang="fr-FR" sz="2400" dirty="0"/>
               <a:t> to </a:t>
             </a:r>
             <a:r>
-              <a:rPr lang="fr-FR" sz="2400" dirty="0" err="1" smtClean="0"/>
+              <a:rPr lang="fr-FR" sz="2400" dirty="0" err="1"/>
               <a:t>co-authors</a:t>
             </a:r>
             <a:r>
-              <a:rPr lang="fr-FR" sz="2400" dirty="0" smtClean="0"/>
+              <a:rPr lang="fr-FR" sz="2400" dirty="0"/>
               <a:t> </a:t>
             </a:r>
             <a:r>
-              <a:rPr lang="fr-FR" sz="2400" dirty="0" err="1" smtClean="0"/>
+              <a:rPr lang="fr-FR" sz="2400" dirty="0" err="1"/>
               <a:t>with</a:t>
             </a:r>
             <a:r>
-              <a:rPr lang="fr-FR" sz="2400" dirty="0" smtClean="0"/>
+              <a:rPr lang="fr-FR" sz="2400" dirty="0"/>
               <a:t> a deadline</a:t>
             </a:r>
           </a:p>
@@ -8674,15 +8664,15 @@
           <a:lstStyle/>
           <a:p>
             <a:r>
-              <a:rPr lang="fr-FR" sz="4800" dirty="0" err="1" smtClean="0"/>
+              <a:rPr lang="fr-FR" sz="4800" dirty="0" err="1"/>
               <a:t>Preparing</a:t>
             </a:r>
             <a:r>
-              <a:rPr lang="fr-FR" sz="4800" dirty="0" smtClean="0"/>
+              <a:rPr lang="fr-FR" sz="4800" dirty="0"/>
               <a:t> for </a:t>
             </a:r>
             <a:r>
-              <a:rPr lang="fr-FR" sz="4800" dirty="0" err="1" smtClean="0"/>
+              <a:rPr lang="fr-FR" sz="4800" dirty="0" err="1"/>
               <a:t>submission</a:t>
             </a:r>
             <a:endParaRPr lang="en-GB" sz="4800" dirty="0"/>
@@ -8712,280 +8702,280 @@
           <a:lstStyle/>
           <a:p>
             <a:r>
-              <a:rPr lang="fr-FR" sz="2400" dirty="0" smtClean="0"/>
+              <a:rPr lang="fr-FR" sz="2400" dirty="0"/>
               <a:t>Check journal style (</a:t>
             </a:r>
             <a:r>
-              <a:rPr lang="fr-FR" sz="2400" dirty="0" err="1" smtClean="0"/>
+              <a:rPr lang="fr-FR" sz="2400" dirty="0" err="1"/>
               <a:t>references</a:t>
             </a:r>
             <a:r>
-              <a:rPr lang="fr-FR" sz="2400" dirty="0" smtClean="0"/>
+              <a:rPr lang="fr-FR" sz="2400" dirty="0"/>
               <a:t> and section </a:t>
             </a:r>
             <a:r>
-              <a:rPr lang="fr-FR" sz="2400" dirty="0" err="1" smtClean="0"/>
+              <a:rPr lang="fr-FR" sz="2400" dirty="0" err="1"/>
               <a:t>titles</a:t>
             </a:r>
             <a:r>
-              <a:rPr lang="fr-FR" sz="2400" dirty="0" smtClean="0"/>
+              <a:rPr lang="fr-FR" sz="2400" dirty="0"/>
               <a:t>)</a:t>
             </a:r>
           </a:p>
           <a:p>
             <a:r>
-              <a:rPr lang="fr-FR" sz="2400" dirty="0" err="1" smtClean="0"/>
+              <a:rPr lang="fr-FR" sz="2400" dirty="0" err="1"/>
               <a:t>Title</a:t>
             </a:r>
             <a:r>
-              <a:rPr lang="fr-FR" sz="2400" dirty="0" smtClean="0"/>
+              <a:rPr lang="fr-FR" sz="2400" dirty="0"/>
               <a:t>, </a:t>
             </a:r>
             <a:r>
-              <a:rPr lang="fr-FR" sz="2400" dirty="0" err="1" smtClean="0"/>
+              <a:rPr lang="fr-FR" sz="2400" dirty="0" err="1"/>
               <a:t>co-authors</a:t>
             </a:r>
             <a:r>
-              <a:rPr lang="fr-FR" sz="2400" dirty="0" smtClean="0"/>
+              <a:rPr lang="fr-FR" sz="2400" dirty="0"/>
               <a:t>, affiliation, </a:t>
             </a:r>
             <a:r>
-              <a:rPr lang="fr-FR" sz="2400" dirty="0" err="1" smtClean="0"/>
+              <a:rPr lang="fr-FR" sz="2400" dirty="0" err="1"/>
               <a:t>author</a:t>
             </a:r>
             <a:r>
-              <a:rPr lang="fr-FR" sz="2400" dirty="0" smtClean="0"/>
+              <a:rPr lang="fr-FR" sz="2400" dirty="0"/>
               <a:t> for correspondance</a:t>
             </a:r>
           </a:p>
           <a:p>
             <a:r>
-              <a:rPr lang="fr-FR" sz="2400" dirty="0" smtClean="0"/>
+              <a:rPr lang="fr-FR" sz="2400" dirty="0"/>
               <a:t>Double </a:t>
             </a:r>
             <a:r>
-              <a:rPr lang="fr-FR" sz="2400" dirty="0" err="1" smtClean="0"/>
+              <a:rPr lang="fr-FR" sz="2400" dirty="0" err="1"/>
               <a:t>spaced</a:t>
             </a:r>
             <a:r>
-              <a:rPr lang="fr-FR" sz="2400" dirty="0" smtClean="0"/>
+              <a:rPr lang="fr-FR" sz="2400" dirty="0"/>
               <a:t> </a:t>
             </a:r>
             <a:r>
-              <a:rPr lang="fr-FR" sz="2400" dirty="0" err="1" smtClean="0"/>
+              <a:rPr lang="fr-FR" sz="2400" dirty="0" err="1"/>
               <a:t>lines</a:t>
             </a:r>
             <a:r>
-              <a:rPr lang="fr-FR" sz="2400" dirty="0" smtClean="0"/>
+              <a:rPr lang="fr-FR" sz="2400" dirty="0"/>
               <a:t>, line and page </a:t>
             </a:r>
             <a:r>
-              <a:rPr lang="fr-FR" sz="2400" dirty="0" err="1" smtClean="0"/>
+              <a:rPr lang="fr-FR" sz="2400" dirty="0" err="1"/>
               <a:t>number</a:t>
             </a:r>
-            <a:endParaRPr lang="fr-FR" sz="2400" dirty="0" smtClean="0"/>
-          </a:p>
-          <a:p>
-            <a:r>
-              <a:rPr lang="fr-FR" sz="2400" dirty="0" smtClean="0"/>
+            <a:endParaRPr lang="fr-FR" sz="2400" dirty="0"/>
+          </a:p>
+          <a:p>
+            <a:r>
+              <a:rPr lang="fr-FR" sz="2400" dirty="0"/>
               <a:t>Check for </a:t>
             </a:r>
             <a:r>
-              <a:rPr lang="fr-FR" sz="2400" dirty="0" err="1" smtClean="0"/>
+              <a:rPr lang="fr-FR" sz="2400" dirty="0" err="1"/>
               <a:t>word</a:t>
             </a:r>
             <a:r>
-              <a:rPr lang="fr-FR" sz="2400" dirty="0" smtClean="0"/>
+              <a:rPr lang="fr-FR" sz="2400" dirty="0"/>
               <a:t> </a:t>
             </a:r>
             <a:r>
-              <a:rPr lang="fr-FR" sz="2400" dirty="0" err="1" smtClean="0"/>
+              <a:rPr lang="fr-FR" sz="2400" dirty="0" err="1"/>
               <a:t>limit</a:t>
             </a:r>
             <a:r>
-              <a:rPr lang="fr-FR" sz="2400" dirty="0" smtClean="0"/>
+              <a:rPr lang="fr-FR" sz="2400" dirty="0"/>
               <a:t> (abstract and main </a:t>
             </a:r>
             <a:r>
-              <a:rPr lang="fr-FR" sz="2400" dirty="0" err="1" smtClean="0"/>
+              <a:rPr lang="fr-FR" sz="2400" dirty="0" err="1"/>
               <a:t>text</a:t>
             </a:r>
             <a:r>
-              <a:rPr lang="fr-FR" sz="2400" dirty="0" smtClean="0"/>
+              <a:rPr lang="fr-FR" sz="2400" dirty="0"/>
               <a:t>)</a:t>
             </a:r>
           </a:p>
           <a:p>
             <a:r>
-              <a:rPr lang="fr-FR" sz="2400" dirty="0" err="1" smtClean="0"/>
+              <a:rPr lang="fr-FR" sz="2400" dirty="0" err="1"/>
               <a:t>Send</a:t>
             </a:r>
             <a:r>
-              <a:rPr lang="fr-FR" sz="2400" dirty="0" smtClean="0"/>
+              <a:rPr lang="fr-FR" sz="2400" dirty="0"/>
               <a:t> </a:t>
             </a:r>
             <a:r>
-              <a:rPr lang="fr-FR" sz="2400" dirty="0" err="1" smtClean="0"/>
+              <a:rPr lang="fr-FR" sz="2400" dirty="0" err="1"/>
               <a:t>your</a:t>
             </a:r>
             <a:r>
-              <a:rPr lang="fr-FR" sz="2400" dirty="0" smtClean="0"/>
+              <a:rPr lang="fr-FR" sz="2400" dirty="0"/>
               <a:t> </a:t>
             </a:r>
             <a:r>
-              <a:rPr lang="fr-FR" sz="2400" dirty="0" err="1" smtClean="0"/>
+              <a:rPr lang="fr-FR" sz="2400" dirty="0" err="1"/>
               <a:t>draft</a:t>
             </a:r>
             <a:r>
-              <a:rPr lang="fr-FR" sz="2400" dirty="0" smtClean="0"/>
+              <a:rPr lang="fr-FR" sz="2400" dirty="0"/>
               <a:t> to </a:t>
             </a:r>
             <a:r>
-              <a:rPr lang="fr-FR" sz="2400" dirty="0" err="1" smtClean="0"/>
+              <a:rPr lang="fr-FR" sz="2400" dirty="0" err="1"/>
               <a:t>co-authors</a:t>
             </a:r>
             <a:r>
-              <a:rPr lang="fr-FR" sz="2400" dirty="0" smtClean="0"/>
+              <a:rPr lang="fr-FR" sz="2400" dirty="0"/>
               <a:t> </a:t>
             </a:r>
             <a:r>
-              <a:rPr lang="fr-FR" sz="2400" dirty="0" err="1" smtClean="0"/>
+              <a:rPr lang="fr-FR" sz="2400" dirty="0" err="1"/>
               <a:t>with</a:t>
             </a:r>
             <a:r>
-              <a:rPr lang="fr-FR" sz="2400" dirty="0" smtClean="0"/>
+              <a:rPr lang="fr-FR" sz="2400" dirty="0"/>
               <a:t> a deadline</a:t>
             </a:r>
           </a:p>
           <a:p>
             <a:r>
-              <a:rPr lang="fr-FR" sz="2400" dirty="0" err="1" smtClean="0"/>
+              <a:rPr lang="fr-FR" sz="2400" dirty="0" err="1"/>
               <a:t>Don’t</a:t>
             </a:r>
             <a:r>
-              <a:rPr lang="fr-FR" sz="2400" dirty="0" smtClean="0"/>
+              <a:rPr lang="fr-FR" sz="2400" dirty="0"/>
               <a:t> </a:t>
             </a:r>
             <a:r>
-              <a:rPr lang="fr-FR" sz="2400" dirty="0" err="1" smtClean="0"/>
+              <a:rPr lang="fr-FR" sz="2400" dirty="0" err="1"/>
               <a:t>feel</a:t>
             </a:r>
             <a:r>
-              <a:rPr lang="fr-FR" sz="2400" dirty="0" smtClean="0"/>
+              <a:rPr lang="fr-FR" sz="2400" dirty="0"/>
               <a:t> </a:t>
             </a:r>
             <a:r>
-              <a:rPr lang="fr-FR" sz="2400" dirty="0" err="1" smtClean="0"/>
+              <a:rPr lang="fr-FR" sz="2400" dirty="0" err="1"/>
               <a:t>overwhelmed</a:t>
             </a:r>
             <a:r>
-              <a:rPr lang="fr-FR" sz="2400" dirty="0" smtClean="0"/>
+              <a:rPr lang="fr-FR" sz="2400" dirty="0"/>
               <a:t> </a:t>
             </a:r>
             <a:r>
-              <a:rPr lang="fr-FR" sz="2400" dirty="0" err="1" smtClean="0"/>
+              <a:rPr lang="fr-FR" sz="2400" dirty="0" err="1"/>
               <a:t>when</a:t>
             </a:r>
             <a:r>
-              <a:rPr lang="fr-FR" sz="2400" dirty="0" smtClean="0"/>
+              <a:rPr lang="fr-FR" sz="2400" dirty="0"/>
               <a:t> </a:t>
             </a:r>
             <a:r>
-              <a:rPr lang="fr-FR" sz="2400" dirty="0" err="1" smtClean="0"/>
+              <a:rPr lang="fr-FR" sz="2400" dirty="0" err="1"/>
               <a:t>receiving</a:t>
             </a:r>
             <a:r>
-              <a:rPr lang="fr-FR" sz="2400" dirty="0" smtClean="0"/>
+              <a:rPr lang="fr-FR" sz="2400" dirty="0"/>
               <a:t> corrections. A lot of </a:t>
             </a:r>
             <a:r>
-              <a:rPr lang="fr-FR" sz="2400" dirty="0" err="1" smtClean="0"/>
+              <a:rPr lang="fr-FR" sz="2400" dirty="0" err="1"/>
               <a:t>comments</a:t>
             </a:r>
             <a:r>
-              <a:rPr lang="fr-FR" sz="2400" dirty="0" smtClean="0"/>
+              <a:rPr lang="fr-FR" sz="2400" dirty="0"/>
               <a:t> </a:t>
             </a:r>
             <a:r>
-              <a:rPr lang="fr-FR" sz="2400" dirty="0" err="1" smtClean="0"/>
+              <a:rPr lang="fr-FR" sz="2400" dirty="0" err="1"/>
               <a:t>mean</a:t>
             </a:r>
             <a:r>
-              <a:rPr lang="fr-FR" sz="2400" dirty="0" smtClean="0"/>
+              <a:rPr lang="fr-FR" sz="2400" dirty="0"/>
               <a:t> </a:t>
             </a:r>
             <a:r>
-              <a:rPr lang="fr-FR" sz="2400" dirty="0" err="1" smtClean="0"/>
+              <a:rPr lang="fr-FR" sz="2400" dirty="0" err="1"/>
               <a:t>your</a:t>
             </a:r>
             <a:r>
-              <a:rPr lang="fr-FR" sz="2400" dirty="0" smtClean="0"/>
+              <a:rPr lang="fr-FR" sz="2400" dirty="0"/>
               <a:t> </a:t>
             </a:r>
             <a:r>
-              <a:rPr lang="fr-FR" sz="2400" dirty="0" err="1" smtClean="0"/>
+              <a:rPr lang="fr-FR" sz="2400" dirty="0" err="1"/>
               <a:t>co-authors</a:t>
             </a:r>
             <a:r>
-              <a:rPr lang="fr-FR" sz="2400" dirty="0" smtClean="0"/>
+              <a:rPr lang="fr-FR" sz="2400" dirty="0"/>
               <a:t> </a:t>
             </a:r>
             <a:r>
-              <a:rPr lang="fr-FR" sz="2400" dirty="0" err="1" smtClean="0"/>
+              <a:rPr lang="fr-FR" sz="2400" dirty="0" err="1"/>
               <a:t>took</a:t>
             </a:r>
             <a:r>
-              <a:rPr lang="fr-FR" sz="2400" dirty="0" smtClean="0"/>
+              <a:rPr lang="fr-FR" sz="2400" dirty="0"/>
               <a:t> the job </a:t>
             </a:r>
             <a:r>
-              <a:rPr lang="fr-FR" sz="2400" dirty="0" err="1" smtClean="0"/>
+              <a:rPr lang="fr-FR" sz="2400" dirty="0" err="1"/>
               <a:t>seriously</a:t>
             </a:r>
             <a:r>
-              <a:rPr lang="fr-FR" sz="2400" dirty="0" smtClean="0"/>
+              <a:rPr lang="fr-FR" sz="2400" dirty="0"/>
               <a:t> and care for </a:t>
             </a:r>
             <a:r>
-              <a:rPr lang="fr-FR" sz="2400" dirty="0" err="1" smtClean="0"/>
+              <a:rPr lang="fr-FR" sz="2400" dirty="0" err="1"/>
               <a:t>your</a:t>
             </a:r>
             <a:r>
-              <a:rPr lang="fr-FR" sz="2400" dirty="0" smtClean="0"/>
+              <a:rPr lang="fr-FR" sz="2400" dirty="0"/>
               <a:t> </a:t>
             </a:r>
             <a:r>
-              <a:rPr lang="fr-FR" sz="2400" dirty="0" err="1" smtClean="0"/>
+              <a:rPr lang="fr-FR" sz="2400" dirty="0" err="1"/>
               <a:t>work</a:t>
             </a:r>
             <a:r>
-              <a:rPr lang="fr-FR" sz="2400" dirty="0" smtClean="0"/>
+              <a:rPr lang="fr-FR" sz="2400" dirty="0"/>
               <a:t>!</a:t>
             </a:r>
           </a:p>
           <a:p>
             <a:r>
-              <a:rPr lang="fr-FR" sz="2400" dirty="0" err="1" smtClean="0"/>
+              <a:rPr lang="fr-FR" sz="2400" dirty="0" err="1"/>
               <a:t>Choose</a:t>
             </a:r>
             <a:r>
-              <a:rPr lang="fr-FR" sz="2400" dirty="0" smtClean="0"/>
+              <a:rPr lang="fr-FR" sz="2400" dirty="0"/>
               <a:t> </a:t>
             </a:r>
             <a:r>
-              <a:rPr lang="fr-FR" sz="2400" dirty="0" err="1" smtClean="0"/>
+              <a:rPr lang="fr-FR" sz="2400" dirty="0" err="1"/>
               <a:t>potential</a:t>
             </a:r>
             <a:r>
-              <a:rPr lang="fr-FR" sz="2400" dirty="0" smtClean="0"/>
+              <a:rPr lang="fr-FR" sz="2400" dirty="0"/>
               <a:t> </a:t>
             </a:r>
             <a:r>
-              <a:rPr lang="fr-FR" sz="2400" dirty="0" err="1" smtClean="0"/>
+              <a:rPr lang="fr-FR" sz="2400" dirty="0" err="1"/>
               <a:t>reviewers</a:t>
             </a:r>
             <a:r>
-              <a:rPr lang="fr-FR" sz="2400" dirty="0" smtClean="0"/>
+              <a:rPr lang="fr-FR" sz="2400" dirty="0"/>
               <a:t>/editors</a:t>
             </a:r>
             <a:endParaRPr lang="en-GB" sz="2400" dirty="0"/>
@@ -9172,19 +9162,19 @@
           <a:lstStyle/>
           <a:p>
             <a:r>
-              <a:rPr lang="fr-FR" dirty="0" err="1" smtClean="0"/>
+              <a:rPr lang="fr-FR" dirty="0" err="1"/>
               <a:t>Cover</a:t>
             </a:r>
             <a:r>
-              <a:rPr lang="fr-FR" dirty="0" smtClean="0"/>
+              <a:rPr lang="fr-FR" dirty="0"/>
               <a:t> </a:t>
             </a:r>
             <a:r>
-              <a:rPr lang="fr-FR" dirty="0" err="1" smtClean="0"/>
+              <a:rPr lang="fr-FR" dirty="0" err="1"/>
               <a:t>letter</a:t>
             </a:r>
             <a:r>
-              <a:rPr lang="fr-FR" dirty="0" smtClean="0"/>
+              <a:rPr lang="fr-FR" dirty="0"/>
               <a:t> to the editor</a:t>
             </a:r>
             <a:endParaRPr lang="en-GB" dirty="0"/>
@@ -9214,200 +9204,200 @@
           <a:lstStyle/>
           <a:p>
             <a:r>
-              <a:rPr lang="fr-FR" sz="2800" dirty="0" err="1" smtClean="0"/>
+              <a:rPr lang="fr-FR" sz="2800" dirty="0" err="1"/>
               <a:t>Presents</a:t>
             </a:r>
             <a:r>
-              <a:rPr lang="fr-FR" sz="2800" dirty="0" smtClean="0"/>
+              <a:rPr lang="fr-FR" sz="2800" dirty="0"/>
               <a:t> the </a:t>
             </a:r>
             <a:r>
-              <a:rPr lang="fr-FR" sz="2800" dirty="0" err="1" smtClean="0"/>
+              <a:rPr lang="fr-FR" sz="2800" dirty="0" err="1"/>
               <a:t>manuscript</a:t>
             </a:r>
-            <a:endParaRPr lang="fr-FR" sz="2800" dirty="0" smtClean="0"/>
-          </a:p>
-          <a:p>
-            <a:r>
-              <a:rPr lang="fr-FR" sz="2800" dirty="0" err="1" smtClean="0"/>
+            <a:endParaRPr lang="fr-FR" sz="2800" dirty="0"/>
+          </a:p>
+          <a:p>
+            <a:r>
+              <a:rPr lang="fr-FR" sz="2800" dirty="0" err="1"/>
               <a:t>Don’t</a:t>
             </a:r>
             <a:r>
-              <a:rPr lang="fr-FR" sz="2800" dirty="0" smtClean="0"/>
+              <a:rPr lang="fr-FR" sz="2800" dirty="0"/>
               <a:t> copy and </a:t>
             </a:r>
             <a:r>
-              <a:rPr lang="fr-FR" sz="2800" dirty="0" err="1" smtClean="0"/>
+              <a:rPr lang="fr-FR" sz="2800" dirty="0" err="1"/>
               <a:t>paste</a:t>
             </a:r>
             <a:r>
-              <a:rPr lang="fr-FR" sz="2800" dirty="0" smtClean="0"/>
+              <a:rPr lang="fr-FR" sz="2800" dirty="0"/>
               <a:t> the abstract</a:t>
             </a:r>
           </a:p>
           <a:p>
             <a:r>
-              <a:rPr lang="fr-FR" sz="2800" dirty="0" err="1" smtClean="0"/>
+              <a:rPr lang="fr-FR" sz="2800" dirty="0" err="1"/>
               <a:t>Explain</a:t>
             </a:r>
             <a:r>
-              <a:rPr lang="fr-FR" sz="2800" dirty="0" smtClean="0"/>
+              <a:rPr lang="fr-FR" sz="2800" dirty="0"/>
               <a:t> </a:t>
             </a:r>
             <a:r>
-              <a:rPr lang="fr-FR" sz="2800" dirty="0" err="1" smtClean="0"/>
+              <a:rPr lang="fr-FR" sz="2800" dirty="0" err="1"/>
               <a:t>why</a:t>
             </a:r>
             <a:r>
-              <a:rPr lang="fr-FR" sz="2800" dirty="0" smtClean="0"/>
+              <a:rPr lang="fr-FR" sz="2800" dirty="0"/>
               <a:t> </a:t>
             </a:r>
             <a:r>
-              <a:rPr lang="fr-FR" sz="2800" dirty="0" err="1" smtClean="0"/>
+              <a:rPr lang="fr-FR" sz="2800" dirty="0" err="1"/>
               <a:t>your</a:t>
             </a:r>
             <a:r>
-              <a:rPr lang="fr-FR" sz="2800" dirty="0" smtClean="0"/>
+              <a:rPr lang="fr-FR" sz="2800" dirty="0"/>
               <a:t> </a:t>
             </a:r>
             <a:r>
-              <a:rPr lang="fr-FR" sz="2800" dirty="0" err="1" smtClean="0"/>
+              <a:rPr lang="fr-FR" sz="2800" dirty="0" err="1"/>
               <a:t>work</a:t>
             </a:r>
             <a:r>
-              <a:rPr lang="fr-FR" sz="2800" dirty="0" smtClean="0"/>
+              <a:rPr lang="fr-FR" sz="2800" dirty="0"/>
               <a:t> </a:t>
             </a:r>
             <a:r>
-              <a:rPr lang="fr-FR" sz="2800" dirty="0" err="1" smtClean="0"/>
+              <a:rPr lang="fr-FR" sz="2800" dirty="0" err="1"/>
               <a:t>is</a:t>
             </a:r>
             <a:r>
-              <a:rPr lang="fr-FR" sz="2800" dirty="0" smtClean="0"/>
+              <a:rPr lang="fr-FR" sz="2800" dirty="0"/>
               <a:t> important and how </a:t>
             </a:r>
             <a:r>
-              <a:rPr lang="fr-FR" sz="2800" dirty="0" err="1" smtClean="0"/>
+              <a:rPr lang="fr-FR" sz="2800" dirty="0" err="1"/>
               <a:t>it</a:t>
             </a:r>
             <a:r>
-              <a:rPr lang="fr-FR" sz="2800" dirty="0" smtClean="0"/>
+              <a:rPr lang="fr-FR" sz="2800" dirty="0"/>
               <a:t> </a:t>
             </a:r>
             <a:r>
-              <a:rPr lang="fr-FR" sz="2800" dirty="0" err="1" smtClean="0"/>
+              <a:rPr lang="fr-FR" sz="2800" dirty="0" err="1"/>
               <a:t>is</a:t>
             </a:r>
             <a:r>
-              <a:rPr lang="fr-FR" sz="2800" dirty="0" smtClean="0"/>
+              <a:rPr lang="fr-FR" sz="2800" dirty="0"/>
               <a:t> </a:t>
             </a:r>
             <a:r>
-              <a:rPr lang="fr-FR" sz="2800" dirty="0" err="1" smtClean="0"/>
+              <a:rPr lang="fr-FR" sz="2800" dirty="0" err="1"/>
               <a:t>different</a:t>
             </a:r>
             <a:r>
-              <a:rPr lang="fr-FR" sz="2800" dirty="0" smtClean="0"/>
+              <a:rPr lang="fr-FR" sz="2800" dirty="0"/>
               <a:t> </a:t>
             </a:r>
             <a:r>
-              <a:rPr lang="fr-FR" sz="2800" dirty="0" err="1" smtClean="0"/>
+              <a:rPr lang="fr-FR" sz="2800" dirty="0" err="1"/>
               <a:t>from</a:t>
             </a:r>
             <a:r>
-              <a:rPr lang="fr-FR" sz="2800" dirty="0" smtClean="0"/>
+              <a:rPr lang="fr-FR" sz="2800" dirty="0"/>
               <a:t> </a:t>
             </a:r>
             <a:r>
-              <a:rPr lang="fr-FR" sz="2800" dirty="0" err="1" smtClean="0"/>
+              <a:rPr lang="fr-FR" sz="2800" dirty="0" err="1"/>
               <a:t>previous</a:t>
             </a:r>
             <a:r>
-              <a:rPr lang="fr-FR" sz="2800" dirty="0" smtClean="0"/>
+              <a:rPr lang="fr-FR" sz="2800" dirty="0"/>
               <a:t> </a:t>
             </a:r>
             <a:r>
-              <a:rPr lang="fr-FR" sz="2800" dirty="0" err="1" smtClean="0"/>
+              <a:rPr lang="fr-FR" sz="2800" dirty="0" err="1"/>
               <a:t>studies</a:t>
             </a:r>
-            <a:endParaRPr lang="fr-FR" sz="2800" dirty="0" smtClean="0"/>
-          </a:p>
-          <a:p>
-            <a:r>
-              <a:rPr lang="fr-FR" sz="2800" dirty="0" err="1" smtClean="0"/>
+            <a:endParaRPr lang="fr-FR" sz="2800" dirty="0"/>
+          </a:p>
+          <a:p>
+            <a:r>
+              <a:rPr lang="fr-FR" sz="2800" dirty="0" err="1"/>
               <a:t>Try</a:t>
             </a:r>
             <a:r>
-              <a:rPr lang="fr-FR" sz="2800" dirty="0" smtClean="0"/>
+              <a:rPr lang="fr-FR" sz="2800" dirty="0"/>
               <a:t> to </a:t>
             </a:r>
             <a:r>
-              <a:rPr lang="fr-FR" sz="2800" dirty="0" err="1" smtClean="0"/>
+              <a:rPr lang="fr-FR" sz="2800" dirty="0" err="1"/>
               <a:t>draw</a:t>
             </a:r>
             <a:r>
-              <a:rPr lang="fr-FR" sz="2800" dirty="0" smtClean="0"/>
+              <a:rPr lang="fr-FR" sz="2800" dirty="0"/>
               <a:t> </a:t>
             </a:r>
             <a:r>
-              <a:rPr lang="fr-FR" sz="2800" dirty="0" err="1" smtClean="0"/>
+              <a:rPr lang="fr-FR" sz="2800" dirty="0" err="1"/>
               <a:t>editor’s</a:t>
             </a:r>
             <a:r>
-              <a:rPr lang="fr-FR" sz="2800" dirty="0" smtClean="0"/>
+              <a:rPr lang="fr-FR" sz="2800" dirty="0"/>
               <a:t> attention</a:t>
             </a:r>
           </a:p>
           <a:p>
             <a:r>
-              <a:rPr lang="fr-FR" sz="2800" dirty="0" err="1" smtClean="0"/>
+              <a:rPr lang="fr-FR" sz="2800" dirty="0" err="1"/>
               <a:t>Briefly</a:t>
             </a:r>
             <a:r>
-              <a:rPr lang="fr-FR" sz="2800" dirty="0" smtClean="0"/>
+              <a:rPr lang="fr-FR" sz="2800" dirty="0"/>
               <a:t> </a:t>
             </a:r>
             <a:r>
-              <a:rPr lang="fr-FR" sz="2800" dirty="0" err="1" smtClean="0"/>
+              <a:rPr lang="fr-FR" sz="2800" dirty="0" err="1"/>
               <a:t>explain</a:t>
             </a:r>
             <a:r>
-              <a:rPr lang="fr-FR" sz="2800" dirty="0" smtClean="0"/>
+              <a:rPr lang="fr-FR" sz="2800" dirty="0"/>
               <a:t> the </a:t>
             </a:r>
             <a:r>
-              <a:rPr lang="fr-FR" sz="2800" dirty="0" err="1" smtClean="0"/>
+              <a:rPr lang="fr-FR" sz="2800" dirty="0" err="1"/>
               <a:t>significance</a:t>
             </a:r>
             <a:r>
-              <a:rPr lang="fr-FR" sz="2800" dirty="0" smtClean="0"/>
+              <a:rPr lang="fr-FR" sz="2800" dirty="0"/>
               <a:t> of </a:t>
             </a:r>
             <a:r>
-              <a:rPr lang="fr-FR" sz="2800" dirty="0" err="1" smtClean="0"/>
+              <a:rPr lang="fr-FR" sz="2800" dirty="0" err="1"/>
               <a:t>your</a:t>
             </a:r>
             <a:r>
-              <a:rPr lang="fr-FR" sz="2800" dirty="0" smtClean="0"/>
+              <a:rPr lang="fr-FR" sz="2800" dirty="0"/>
               <a:t> </a:t>
             </a:r>
             <a:r>
-              <a:rPr lang="fr-FR" sz="2800" dirty="0" err="1" smtClean="0"/>
+              <a:rPr lang="fr-FR" sz="2800" dirty="0" err="1"/>
               <a:t>results</a:t>
             </a:r>
-            <a:endParaRPr lang="fr-FR" sz="2800" dirty="0" smtClean="0"/>
-          </a:p>
-          <a:p>
-            <a:r>
-              <a:rPr lang="fr-FR" sz="2800" dirty="0" smtClean="0"/>
+            <a:endParaRPr lang="fr-FR" sz="2800" dirty="0"/>
+          </a:p>
+          <a:p>
+            <a:r>
+              <a:rPr lang="fr-FR" sz="2800" dirty="0"/>
               <a:t>No more </a:t>
             </a:r>
             <a:r>
-              <a:rPr lang="fr-FR" sz="2800" dirty="0" err="1" smtClean="0"/>
+              <a:rPr lang="fr-FR" sz="2800" dirty="0" err="1"/>
               <a:t>than</a:t>
             </a:r>
             <a:r>
-              <a:rPr lang="fr-FR" sz="2800" dirty="0" smtClean="0"/>
+              <a:rPr lang="fr-FR" sz="2800" dirty="0"/>
               <a:t> a page!</a:t>
             </a:r>
             <a:endParaRPr lang="en-GB" sz="2800" dirty="0"/>
@@ -9794,11 +9784,11 @@
           <a:lstStyle/>
           <a:p>
             <a:r>
-              <a:rPr lang="fr-FR" sz="4800" dirty="0" smtClean="0"/>
+              <a:rPr lang="fr-FR" sz="4800" dirty="0"/>
               <a:t>Publication </a:t>
             </a:r>
             <a:r>
-              <a:rPr lang="fr-FR" sz="4800" dirty="0" err="1" smtClean="0"/>
+              <a:rPr lang="fr-FR" sz="4800" dirty="0" err="1"/>
               <a:t>process</a:t>
             </a:r>
             <a:endParaRPr lang="en-GB" sz="4800" dirty="0"/>
@@ -9944,7 +9934,7 @@
           <a:lstStyle/>
           <a:p>
             <a:r>
-              <a:rPr lang="fr-FR" b="1" dirty="0" smtClean="0"/>
+              <a:rPr lang="fr-FR" b="1" dirty="0"/>
               <a:t>DESK REJECTION</a:t>
             </a:r>
             <a:endParaRPr lang="en-GB" b="1" dirty="0"/>
@@ -10046,11 +10036,11 @@
           <a:p>
             <a:pPr algn="ctr"/>
             <a:r>
-              <a:rPr lang="fr-FR" dirty="0" smtClean="0"/>
+              <a:rPr lang="fr-FR" dirty="0"/>
               <a:t>Sent out for </a:t>
             </a:r>
             <a:r>
-              <a:rPr lang="fr-FR" dirty="0" err="1" smtClean="0"/>
+              <a:rPr lang="fr-FR" dirty="0" err="1"/>
               <a:t>review</a:t>
             </a:r>
             <a:endParaRPr lang="en-GB" dirty="0"/>
@@ -10093,33 +10083,29 @@
             </a:r>
             <a:r>
               <a:rPr lang="fr-FR" dirty="0"/>
-              <a:t> </a:t>
-            </a:r>
-            <a:r>
-              <a:rPr lang="fr-FR" dirty="0" smtClean="0"/>
-              <a:t>referees</a:t>
+              <a:t> referees</a:t>
             </a:r>
           </a:p>
           <a:p>
             <a:pPr algn="ctr"/>
             <a:r>
-              <a:rPr lang="fr-FR" dirty="0" smtClean="0"/>
+              <a:rPr lang="fr-FR" dirty="0"/>
               <a:t>(</a:t>
             </a:r>
             <a:r>
-              <a:rPr lang="fr-FR" dirty="0" err="1" smtClean="0"/>
+              <a:rPr lang="fr-FR" dirty="0" err="1"/>
               <a:t>beware</a:t>
             </a:r>
             <a:r>
-              <a:rPr lang="fr-FR" dirty="0" smtClean="0"/>
+              <a:rPr lang="fr-FR" dirty="0"/>
               <a:t> of </a:t>
             </a:r>
             <a:r>
-              <a:rPr lang="fr-FR" dirty="0" err="1" smtClean="0"/>
+              <a:rPr lang="fr-FR" dirty="0" err="1"/>
               <a:t>reviewer</a:t>
             </a:r>
             <a:r>
-              <a:rPr lang="fr-FR" dirty="0" smtClean="0"/>
+              <a:rPr lang="fr-FR" dirty="0"/>
               <a:t> 2!!)</a:t>
             </a:r>
             <a:endParaRPr lang="en-GB" dirty="0"/>
@@ -10184,7 +10170,7 @@
           <a:lstStyle/>
           <a:p>
             <a:r>
-              <a:rPr lang="fr-FR" b="1" dirty="0" smtClean="0"/>
+              <a:rPr lang="fr-FR" b="1" dirty="0"/>
               <a:t>FINAL REJECTION</a:t>
             </a:r>
             <a:endParaRPr lang="en-GB" b="1" dirty="0"/>
@@ -10249,27 +10235,27 @@
           <a:lstStyle/>
           <a:p>
             <a:r>
-              <a:rPr lang="fr-FR" dirty="0" smtClean="0"/>
+              <a:rPr lang="fr-FR" dirty="0"/>
               <a:t> </a:t>
             </a:r>
             <a:r>
-              <a:rPr lang="fr-FR" dirty="0" err="1" smtClean="0"/>
+              <a:rPr lang="fr-FR" dirty="0" err="1"/>
               <a:t>acceptance</a:t>
             </a:r>
             <a:r>
-              <a:rPr lang="fr-FR" dirty="0" smtClean="0"/>
+              <a:rPr lang="fr-FR" dirty="0"/>
               <a:t> </a:t>
             </a:r>
             <a:r>
-              <a:rPr lang="fr-FR" dirty="0" err="1" smtClean="0"/>
+              <a:rPr lang="fr-FR" dirty="0" err="1"/>
               <a:t>pending</a:t>
             </a:r>
             <a:r>
-              <a:rPr lang="fr-FR" dirty="0" smtClean="0"/>
+              <a:rPr lang="fr-FR" dirty="0"/>
               <a:t> </a:t>
             </a:r>
             <a:r>
-              <a:rPr lang="fr-FR" dirty="0" err="1" smtClean="0"/>
+              <a:rPr lang="fr-FR" dirty="0" err="1"/>
               <a:t>revision</a:t>
             </a:r>
             <a:endParaRPr lang="en-GB" dirty="0"/>
@@ -10299,11 +10285,11 @@
           <a:p>
             <a:pPr algn="ctr"/>
             <a:r>
-              <a:rPr lang="fr-FR" dirty="0" smtClean="0"/>
+              <a:rPr lang="fr-FR" dirty="0"/>
               <a:t>Sent out for </a:t>
             </a:r>
             <a:r>
-              <a:rPr lang="fr-FR" dirty="0" err="1" smtClean="0"/>
+              <a:rPr lang="fr-FR" dirty="0" err="1"/>
               <a:t>review</a:t>
             </a:r>
             <a:endParaRPr lang="en-GB" dirty="0"/>
@@ -10333,7 +10319,7 @@
           <a:p>
             <a:pPr algn="ctr"/>
             <a:r>
-              <a:rPr lang="fr-FR" sz="2400" b="1" dirty="0" smtClean="0"/>
+              <a:rPr lang="fr-FR" sz="2400" b="1" dirty="0"/>
               <a:t>FINAL ACCEPTANCE</a:t>
             </a:r>
             <a:endParaRPr lang="en-GB" sz="2400" b="1" dirty="0"/>
@@ -10542,27 +10528,27 @@
           <a:p>
             <a:pPr algn="ctr"/>
             <a:r>
-              <a:rPr lang="fr-FR" dirty="0" smtClean="0"/>
+              <a:rPr lang="fr-FR" dirty="0"/>
               <a:t> rejection </a:t>
             </a:r>
             <a:r>
-              <a:rPr lang="fr-FR" dirty="0" err="1" smtClean="0"/>
+              <a:rPr lang="fr-FR" dirty="0" err="1"/>
               <a:t>with</a:t>
             </a:r>
             <a:r>
-              <a:rPr lang="fr-FR" dirty="0" smtClean="0"/>
+              <a:rPr lang="fr-FR" dirty="0"/>
               <a:t> </a:t>
             </a:r>
             <a:r>
-              <a:rPr lang="fr-FR" dirty="0" err="1" smtClean="0"/>
+              <a:rPr lang="fr-FR" dirty="0" err="1"/>
               <a:t>possibility</a:t>
             </a:r>
             <a:r>
-              <a:rPr lang="fr-FR" dirty="0" smtClean="0"/>
+              <a:rPr lang="fr-FR" dirty="0"/>
               <a:t> of </a:t>
             </a:r>
             <a:r>
-              <a:rPr lang="fr-FR" dirty="0" err="1" smtClean="0"/>
+              <a:rPr lang="fr-FR" dirty="0" err="1"/>
               <a:t>resubmitting</a:t>
             </a:r>
             <a:endParaRPr lang="en-GB" dirty="0"/>
@@ -11571,7 +11557,7 @@
         </p:nvSpPr>
         <p:spPr>
           <a:xfrm>
-            <a:off x="362310" y="1932317"/>
+            <a:off x="362310" y="1439948"/>
             <a:ext cx="9446531" cy="2912149"/>
           </a:xfrm>
         </p:spPr>
@@ -11580,57 +11566,57 @@
           <a:lstStyle/>
           <a:p>
             <a:r>
-              <a:rPr lang="fr-FR" dirty="0" err="1" smtClean="0"/>
+              <a:rPr lang="fr-FR" dirty="0" err="1"/>
               <a:t>Your</a:t>
             </a:r>
             <a:r>
-              <a:rPr lang="fr-FR" dirty="0" smtClean="0"/>
+              <a:rPr lang="fr-FR" dirty="0"/>
               <a:t> </a:t>
             </a:r>
             <a:r>
-              <a:rPr lang="fr-FR" dirty="0" err="1" smtClean="0"/>
+              <a:rPr lang="fr-FR" dirty="0" err="1"/>
               <a:t>manuscript</a:t>
             </a:r>
             <a:r>
-              <a:rPr lang="fr-FR" dirty="0" smtClean="0"/>
+              <a:rPr lang="fr-FR" dirty="0"/>
               <a:t> </a:t>
             </a:r>
             <a:r>
-              <a:rPr lang="fr-FR" dirty="0" err="1" smtClean="0"/>
+              <a:rPr lang="fr-FR" dirty="0" err="1"/>
               <a:t>is</a:t>
             </a:r>
             <a:r>
-              <a:rPr lang="fr-FR" dirty="0" smtClean="0"/>
+              <a:rPr lang="fr-FR" dirty="0"/>
               <a:t> </a:t>
             </a:r>
             <a:r>
-              <a:rPr lang="fr-FR" dirty="0" err="1" smtClean="0"/>
+              <a:rPr lang="fr-FR" dirty="0" err="1"/>
               <a:t>published</a:t>
             </a:r>
             <a:r>
-              <a:rPr lang="fr-FR" dirty="0" smtClean="0"/>
+              <a:rPr lang="fr-FR" dirty="0"/>
               <a:t>!</a:t>
             </a:r>
             <a:br>
-              <a:rPr lang="fr-FR" dirty="0" smtClean="0"/>
+              <a:rPr lang="fr-FR" dirty="0"/>
             </a:br>
             <a:r>
-              <a:rPr lang="fr-FR" dirty="0" smtClean="0"/>
+              <a:rPr lang="fr-FR" dirty="0"/>
               <a:t>You have </a:t>
             </a:r>
             <a:r>
-              <a:rPr lang="fr-FR" dirty="0" err="1" smtClean="0"/>
+              <a:rPr lang="fr-FR" dirty="0" err="1"/>
               <a:t>authored</a:t>
             </a:r>
             <a:r>
-              <a:rPr lang="fr-FR" dirty="0" smtClean="0"/>
+              <a:rPr lang="fr-FR" dirty="0"/>
               <a:t> an article,</a:t>
             </a:r>
             <a:br>
-              <a:rPr lang="fr-FR" dirty="0" smtClean="0"/>
+              <a:rPr lang="fr-FR" dirty="0"/>
             </a:br>
             <a:r>
-              <a:rPr lang="fr-FR" dirty="0" smtClean="0"/>
+              <a:rPr lang="fr-FR" dirty="0"/>
               <a:t>congratulations!</a:t>
             </a:r>
             <a:endParaRPr lang="en-GB" dirty="0"/>
@@ -11677,13 +11663,6 @@
   <p:clrMapOvr>
     <a:masterClrMapping/>
   </p:clrMapOvr>
-  <p:timing>
-    <p:tnLst>
-      <p:par>
-        <p:cTn id="1" dur="indefinite" restart="never" nodeType="tmRoot"/>
-      </p:par>
-    </p:tnLst>
-  </p:timing>
 </p:sld>
 </file>
 
@@ -11727,94 +11706,94 @@
           <a:lstStyle/>
           <a:p>
             <a:r>
-              <a:rPr lang="fr-FR" sz="2800" dirty="0" smtClean="0"/>
+              <a:rPr lang="fr-FR" sz="2800" dirty="0"/>
               <a:t>Scientific article </a:t>
             </a:r>
             <a:r>
-              <a:rPr lang="fr-FR" sz="2800" dirty="0" err="1" smtClean="0"/>
+              <a:rPr lang="fr-FR" sz="2800" dirty="0" err="1"/>
               <a:t>which</a:t>
             </a:r>
             <a:r>
-              <a:rPr lang="fr-FR" sz="2800" dirty="0" smtClean="0"/>
+              <a:rPr lang="fr-FR" sz="2800" dirty="0"/>
               <a:t> </a:t>
             </a:r>
             <a:r>
-              <a:rPr lang="fr-FR" sz="2800" dirty="0" err="1" smtClean="0"/>
+              <a:rPr lang="fr-FR" sz="2800" dirty="0" err="1"/>
               <a:t>is</a:t>
             </a:r>
             <a:r>
-              <a:rPr lang="fr-FR" sz="2800" dirty="0" smtClean="0"/>
+              <a:rPr lang="fr-FR" sz="2800" dirty="0"/>
               <a:t> not </a:t>
             </a:r>
             <a:r>
-              <a:rPr lang="fr-FR" sz="2800" dirty="0" err="1" smtClean="0"/>
+              <a:rPr lang="fr-FR" sz="2800" dirty="0" err="1"/>
               <a:t>published</a:t>
             </a:r>
             <a:r>
-              <a:rPr lang="fr-FR" sz="2800" dirty="0" smtClean="0"/>
+              <a:rPr lang="fr-FR" sz="2800" dirty="0"/>
               <a:t> (</a:t>
             </a:r>
             <a:r>
-              <a:rPr lang="fr-FR" sz="2800" dirty="0" err="1" smtClean="0"/>
+              <a:rPr lang="fr-FR" sz="2800" dirty="0" err="1"/>
               <a:t>yet</a:t>
             </a:r>
             <a:r>
-              <a:rPr lang="fr-FR" sz="2800" dirty="0" smtClean="0"/>
+              <a:rPr lang="fr-FR" sz="2800" dirty="0"/>
               <a:t>!)</a:t>
             </a:r>
           </a:p>
           <a:p>
             <a:r>
-              <a:rPr lang="fr-FR" sz="2800" dirty="0" err="1" smtClean="0"/>
+              <a:rPr lang="fr-FR" sz="2800" dirty="0" err="1"/>
               <a:t>Specific</a:t>
             </a:r>
             <a:r>
-              <a:rPr lang="fr-FR" sz="2800" dirty="0" smtClean="0"/>
+              <a:rPr lang="fr-FR" sz="2800" dirty="0"/>
               <a:t> format</a:t>
             </a:r>
           </a:p>
           <a:p>
             <a:pPr lvl="2"/>
             <a:r>
-              <a:rPr lang="fr-FR" sz="2800" dirty="0" smtClean="0"/>
+              <a:rPr lang="fr-FR" sz="2800" dirty="0"/>
               <a:t>Introduction</a:t>
             </a:r>
           </a:p>
           <a:p>
             <a:pPr lvl="2"/>
             <a:r>
-              <a:rPr lang="fr-FR" sz="2800" dirty="0" err="1" smtClean="0"/>
+              <a:rPr lang="fr-FR" sz="2800" dirty="0" err="1"/>
               <a:t>Material</a:t>
             </a:r>
             <a:r>
-              <a:rPr lang="fr-FR" sz="2800" dirty="0" smtClean="0"/>
+              <a:rPr lang="fr-FR" sz="2800" dirty="0"/>
               <a:t> and </a:t>
             </a:r>
             <a:r>
-              <a:rPr lang="fr-FR" sz="2800" dirty="0" err="1" smtClean="0"/>
+              <a:rPr lang="fr-FR" sz="2800" dirty="0" err="1"/>
               <a:t>methods</a:t>
             </a:r>
-            <a:endParaRPr lang="fr-FR" sz="2800" dirty="0" smtClean="0"/>
+            <a:endParaRPr lang="fr-FR" sz="2800" dirty="0"/>
           </a:p>
           <a:p>
             <a:pPr lvl="2"/>
             <a:r>
-              <a:rPr lang="fr-FR" sz="2800" dirty="0" err="1" smtClean="0"/>
+              <a:rPr lang="fr-FR" sz="2800" dirty="0" err="1"/>
               <a:t>Results</a:t>
             </a:r>
-            <a:endParaRPr lang="fr-FR" sz="2800" dirty="0" smtClean="0"/>
+            <a:endParaRPr lang="fr-FR" sz="2800" dirty="0"/>
           </a:p>
           <a:p>
             <a:pPr lvl="2"/>
             <a:r>
-              <a:rPr lang="fr-FR" sz="2800" dirty="0" smtClean="0"/>
+              <a:rPr lang="fr-FR" sz="2800" dirty="0"/>
               <a:t>Discussion</a:t>
             </a:r>
           </a:p>
           <a:p>
             <a:pPr lvl="2"/>
             <a:r>
-              <a:rPr lang="fr-FR" sz="2800" dirty="0" smtClean="0"/>
+              <a:rPr lang="fr-FR" sz="2800" dirty="0"/>
               <a:t>(Conclusion)</a:t>
             </a:r>
             <a:endParaRPr lang="en-GB" sz="2800" dirty="0"/>
@@ -11839,19 +11818,19 @@
           <a:lstStyle/>
           <a:p>
             <a:r>
-              <a:rPr lang="fr-FR" sz="4400" dirty="0" err="1" smtClean="0"/>
+              <a:rPr lang="fr-FR" sz="4400" dirty="0" err="1"/>
               <a:t>What’s</a:t>
             </a:r>
             <a:r>
-              <a:rPr lang="fr-FR" sz="4400" dirty="0" smtClean="0"/>
+              <a:rPr lang="fr-FR" sz="4400" dirty="0"/>
               <a:t> a </a:t>
             </a:r>
             <a:r>
-              <a:rPr lang="fr-FR" sz="4400" dirty="0" err="1" smtClean="0"/>
+              <a:rPr lang="fr-FR" sz="4400" dirty="0" err="1"/>
               <a:t>manuscript</a:t>
             </a:r>
             <a:r>
-              <a:rPr lang="fr-FR" sz="4400" dirty="0" smtClean="0"/>
+              <a:rPr lang="fr-FR" sz="4400" dirty="0"/>
               <a:t>?</a:t>
             </a:r>
             <a:endParaRPr lang="en-GB" sz="4400" dirty="0"/>
@@ -12217,7 +12196,7 @@
           </a:lstStyle>
           <a:p>
             <a:r>
-              <a:rPr lang="fr-FR" sz="4400" dirty="0" smtClean="0"/>
+              <a:rPr lang="fr-FR" sz="4400" dirty="0"/>
               <a:t>Document version</a:t>
             </a:r>
             <a:endParaRPr lang="en-GB" sz="4400" dirty="0"/>
@@ -12303,86 +12282,95 @@
           <a:lstStyle/>
           <a:p>
             <a:r>
-              <a:rPr lang="fr-FR" sz="2800" dirty="0" err="1" smtClean="0"/>
+              <a:rPr lang="fr-FR" sz="2800" dirty="0" err="1"/>
               <a:t>Brief</a:t>
             </a:r>
             <a:r>
-              <a:rPr lang="fr-FR" sz="2800" dirty="0" smtClean="0"/>
+              <a:rPr lang="fr-FR" sz="2800" dirty="0"/>
               <a:t> explicit </a:t>
             </a:r>
             <a:r>
-              <a:rPr lang="fr-FR" sz="2800" dirty="0" err="1" smtClean="0"/>
+              <a:rPr lang="fr-FR" sz="2800" dirty="0" err="1"/>
               <a:t>name</a:t>
             </a:r>
             <a:endParaRPr lang="fr-FR" sz="2800" dirty="0"/>
           </a:p>
           <a:p>
             <a:r>
-              <a:rPr lang="fr-FR" sz="2800" dirty="0" err="1" smtClean="0"/>
+              <a:rPr lang="fr-FR" sz="2800" dirty="0" err="1"/>
               <a:t>Assign</a:t>
             </a:r>
             <a:r>
-              <a:rPr lang="fr-FR" sz="2800" dirty="0" smtClean="0"/>
+              <a:rPr lang="fr-FR" sz="2800" dirty="0"/>
+              <a:t> a </a:t>
+            </a:r>
+            <a:r>
+              <a:rPr lang="fr-FR" sz="2800" dirty="0" err="1"/>
+              <a:t>number</a:t>
+            </a:r>
+            <a:r>
+              <a:rPr lang="fr-FR" sz="2800" dirty="0"/>
+              <a:t> or date</a:t>
+            </a:r>
+          </a:p>
+          <a:p>
+            <a:r>
+              <a:rPr lang="fr-FR" sz="2800" dirty="0"/>
+              <a:t>If date: 2025-03-16 not </a:t>
+            </a:r>
+            <a:r>
+              <a:rPr lang="fr-FR" sz="2800" dirty="0" err="1"/>
+              <a:t>just</a:t>
+            </a:r>
+            <a:r>
+              <a:rPr lang="fr-FR" sz="2800" dirty="0"/>
+              <a:t> 16/03 (</a:t>
+            </a:r>
+            <a:r>
+              <a:rPr lang="fr-FR" sz="2800" dirty="0" err="1"/>
+              <a:t>could</a:t>
+            </a:r>
+            <a:r>
+              <a:rPr lang="fr-FR" sz="2800" dirty="0"/>
+              <a:t> last </a:t>
+            </a:r>
+            <a:r>
+              <a:rPr lang="fr-FR" sz="2800" dirty="0" err="1"/>
+              <a:t>several</a:t>
+            </a:r>
+            <a:r>
+              <a:rPr lang="fr-FR" sz="2800" dirty="0"/>
               <a:t> </a:t>
             </a:r>
             <a:r>
-              <a:rPr lang="fr-FR" sz="2800" dirty="0"/>
-              <a:t>a </a:t>
-            </a:r>
-            <a:r>
-              <a:rPr lang="fr-FR" sz="2800" dirty="0" err="1"/>
-              <a:t>number</a:t>
+              <a:rPr lang="fr-FR" sz="2800" dirty="0" err="1"/>
+              <a:t>years</a:t>
+            </a:r>
+            <a:r>
+              <a:rPr lang="fr-FR" sz="2800" dirty="0"/>
+              <a:t>!!)</a:t>
+            </a:r>
+          </a:p>
+          <a:p>
+            <a:r>
+              <a:rPr lang="fr-FR" sz="2800" dirty="0" err="1"/>
+              <a:t>Add</a:t>
             </a:r>
             <a:r>
               <a:rPr lang="fr-FR" sz="2800" dirty="0"/>
               <a:t> </a:t>
             </a:r>
             <a:r>
-              <a:rPr lang="fr-FR" sz="2800" dirty="0" smtClean="0"/>
-              <a:t>or date</a:t>
-            </a:r>
-            <a:endParaRPr lang="fr-FR" sz="2800" dirty="0"/>
-          </a:p>
-          <a:p>
-            <a:r>
-              <a:rPr lang="fr-FR" sz="2800" dirty="0"/>
-              <a:t>If date: </a:t>
-            </a:r>
-            <a:r>
-              <a:rPr lang="fr-FR" sz="2800" dirty="0" smtClean="0"/>
-              <a:t>2022-03-16 </a:t>
-            </a:r>
-            <a:r>
-              <a:rPr lang="fr-FR" sz="2800" dirty="0"/>
-              <a:t>not </a:t>
-            </a:r>
-            <a:r>
-              <a:rPr lang="fr-FR" sz="2800" dirty="0" err="1"/>
-              <a:t>just</a:t>
+              <a:rPr lang="fr-FR" sz="2800" dirty="0" err="1"/>
+              <a:t>your</a:t>
             </a:r>
             <a:r>
               <a:rPr lang="fr-FR" sz="2800" dirty="0"/>
               <a:t> </a:t>
             </a:r>
             <a:r>
-              <a:rPr lang="fr-FR" sz="2800" dirty="0" smtClean="0"/>
-              <a:t>16/03 </a:t>
-            </a:r>
-            <a:r>
-              <a:rPr lang="fr-FR" sz="2800" dirty="0"/>
-              <a:t>(</a:t>
-            </a:r>
-            <a:r>
-              <a:rPr lang="fr-FR" sz="2800" dirty="0" err="1"/>
-              <a:t>could</a:t>
-            </a:r>
-            <a:r>
-              <a:rPr lang="fr-FR" sz="2800" dirty="0"/>
-              <a:t> last </a:t>
-            </a:r>
-            <a:r>
-              <a:rPr lang="fr-FR" sz="2800" dirty="0" err="1"/>
-              <a:t>several</a:t>
+              <a:rPr lang="fr-FR" sz="2800" dirty="0" err="1"/>
+              <a:t>name</a:t>
             </a:r>
             <a:r>
               <a:rPr lang="fr-FR" sz="2800" dirty="0"/>
@@ -12390,40 +12378,6 @@
             </a:r>
             <a:r>
               <a:rPr lang="fr-FR" sz="2800" dirty="0" err="1"/>
-              <a:t>years</a:t>
-            </a:r>
-            <a:r>
-              <a:rPr lang="fr-FR" sz="2800" dirty="0" smtClean="0"/>
-              <a:t>!!)</a:t>
-            </a:r>
-          </a:p>
-          <a:p>
-            <a:r>
-              <a:rPr lang="fr-FR" sz="2800" dirty="0" err="1" smtClean="0"/>
-              <a:t>Add</a:t>
-            </a:r>
-            <a:r>
-              <a:rPr lang="fr-FR" sz="2800" dirty="0" smtClean="0"/>
-              <a:t> </a:t>
-            </a:r>
-            <a:r>
-              <a:rPr lang="fr-FR" sz="2800" dirty="0" err="1" smtClean="0"/>
-              <a:t>your</a:t>
-            </a:r>
-            <a:r>
-              <a:rPr lang="fr-FR" sz="2800" dirty="0" smtClean="0"/>
-              <a:t> </a:t>
-            </a:r>
-            <a:r>
-              <a:rPr lang="fr-FR" sz="2800" dirty="0" err="1" smtClean="0"/>
-              <a:t>name</a:t>
-            </a:r>
-            <a:r>
-              <a:rPr lang="fr-FR" sz="2800" dirty="0" smtClean="0"/>
-              <a:t> </a:t>
-            </a:r>
-            <a:r>
-              <a:rPr lang="fr-FR" sz="2800" dirty="0" err="1" smtClean="0"/>
               <a:t>initials</a:t>
             </a:r>
             <a:endParaRPr lang="en-GB" sz="2800" dirty="0"/>
@@ -12456,26 +12410,26 @@
           <a:lstStyle/>
           <a:p>
             <a:r>
-              <a:rPr lang="fr-FR" i="1" dirty="0" err="1" smtClean="0"/>
+              <a:rPr lang="fr-FR" i="1" dirty="0" err="1"/>
               <a:t>Writing</a:t>
             </a:r>
             <a:r>
-              <a:rPr lang="fr-FR" i="1" dirty="0" smtClean="0"/>
+              <a:rPr lang="fr-FR" i="1" dirty="0"/>
               <a:t> a </a:t>
             </a:r>
             <a:r>
-              <a:rPr lang="fr-FR" i="1" dirty="0" err="1" smtClean="0"/>
+              <a:rPr lang="fr-FR" i="1" dirty="0" err="1"/>
               <a:t>draft</a:t>
             </a:r>
             <a:r>
-              <a:rPr lang="fr-FR" i="1" dirty="0" smtClean="0"/>
+              <a:rPr lang="fr-FR" i="1" dirty="0"/>
               <a:t> AP1.docx</a:t>
             </a:r>
           </a:p>
           <a:p>
             <a:r>
-              <a:rPr lang="fr-FR" i="1" dirty="0" smtClean="0"/>
-              <a:t>2022-03-16-Writing a draft_AP.docx</a:t>
+              <a:rPr lang="fr-FR" i="1" dirty="0"/>
+              <a:t>2025-03-16-Writing a draft_AP.docx</a:t>
             </a:r>
             <a:endParaRPr lang="en-GB" i="1" dirty="0"/>
           </a:p>
@@ -12804,7 +12758,7 @@
           <a:lstStyle/>
           <a:p>
             <a:r>
-              <a:rPr lang="fr-FR" sz="4400" dirty="0" err="1" smtClean="0"/>
+              <a:rPr lang="fr-FR" sz="4400" dirty="0" err="1"/>
               <a:t>Title</a:t>
             </a:r>
             <a:endParaRPr lang="en-GB" sz="4400" dirty="0"/>
@@ -12829,84 +12783,84 @@
           <a:lstStyle/>
           <a:p>
             <a:r>
-              <a:rPr lang="fr-FR" sz="2800" dirty="0" smtClean="0"/>
+              <a:rPr lang="fr-FR" sz="2800" dirty="0"/>
               <a:t>Short and concise </a:t>
             </a:r>
           </a:p>
           <a:p>
             <a:r>
-              <a:rPr lang="fr-FR" sz="2800" dirty="0" smtClean="0"/>
+              <a:rPr lang="fr-FR" sz="2800" dirty="0"/>
               <a:t>Use keywords </a:t>
             </a:r>
             <a:r>
-              <a:rPr lang="fr-FR" sz="2800" dirty="0" err="1" smtClean="0"/>
+              <a:rPr lang="fr-FR" sz="2800" dirty="0" err="1"/>
               <a:t>directly</a:t>
             </a:r>
             <a:r>
-              <a:rPr lang="fr-FR" sz="2800" dirty="0" smtClean="0"/>
+              <a:rPr lang="fr-FR" sz="2800" dirty="0"/>
               <a:t> in the </a:t>
             </a:r>
             <a:r>
-              <a:rPr lang="fr-FR" sz="2800" dirty="0" err="1" smtClean="0"/>
+              <a:rPr lang="fr-FR" sz="2800" dirty="0" err="1"/>
               <a:t>title</a:t>
             </a:r>
-            <a:endParaRPr lang="fr-FR" sz="2800" dirty="0" smtClean="0"/>
-          </a:p>
-          <a:p>
-            <a:r>
-              <a:rPr lang="fr-FR" sz="2800" dirty="0" err="1" smtClean="0"/>
+            <a:endParaRPr lang="fr-FR" sz="2800" dirty="0"/>
+          </a:p>
+          <a:p>
+            <a:r>
+              <a:rPr lang="fr-FR" sz="2800" dirty="0" err="1"/>
               <a:t>Don’t</a:t>
             </a:r>
             <a:r>
-              <a:rPr lang="fr-FR" sz="2800" dirty="0" smtClean="0"/>
+              <a:rPr lang="fr-FR" sz="2800" dirty="0"/>
               <a:t> </a:t>
             </a:r>
             <a:r>
-              <a:rPr lang="fr-FR" sz="2800" dirty="0" err="1" smtClean="0"/>
+              <a:rPr lang="fr-FR" sz="2800" dirty="0" err="1"/>
               <a:t>be</a:t>
             </a:r>
             <a:r>
-              <a:rPr lang="fr-FR" sz="2800" dirty="0" smtClean="0"/>
+              <a:rPr lang="fr-FR" sz="2800" dirty="0"/>
               <a:t> </a:t>
             </a:r>
             <a:r>
-              <a:rPr lang="fr-FR" sz="2800" dirty="0" err="1" smtClean="0"/>
+              <a:rPr lang="fr-FR" sz="2800" dirty="0" err="1"/>
               <a:t>too</a:t>
             </a:r>
             <a:r>
-              <a:rPr lang="fr-FR" sz="2800" dirty="0" smtClean="0"/>
+              <a:rPr lang="fr-FR" sz="2800" dirty="0"/>
               <a:t> </a:t>
             </a:r>
             <a:r>
-              <a:rPr lang="fr-FR" sz="2800" dirty="0" err="1" smtClean="0"/>
+              <a:rPr lang="fr-FR" sz="2800" dirty="0" err="1"/>
               <a:t>specific</a:t>
             </a:r>
             <a:r>
-              <a:rPr lang="fr-FR" sz="2800" dirty="0" smtClean="0"/>
+              <a:rPr lang="fr-FR" sz="2800" dirty="0"/>
               <a:t> if </a:t>
             </a:r>
             <a:r>
-              <a:rPr lang="fr-FR" sz="2800" dirty="0" err="1" smtClean="0"/>
+              <a:rPr lang="fr-FR" sz="2800" dirty="0" err="1"/>
               <a:t>you</a:t>
             </a:r>
             <a:r>
-              <a:rPr lang="fr-FR" sz="2800" dirty="0" smtClean="0"/>
+              <a:rPr lang="fr-FR" sz="2800" dirty="0"/>
               <a:t> </a:t>
             </a:r>
             <a:r>
-              <a:rPr lang="fr-FR" sz="2800" dirty="0" err="1" smtClean="0"/>
+              <a:rPr lang="fr-FR" sz="2800" dirty="0" err="1"/>
               <a:t>target</a:t>
             </a:r>
             <a:r>
-              <a:rPr lang="fr-FR" sz="2800" dirty="0" smtClean="0"/>
+              <a:rPr lang="fr-FR" sz="2800" dirty="0"/>
               <a:t> a journal </a:t>
             </a:r>
             <a:r>
-              <a:rPr lang="fr-FR" sz="2800" dirty="0" err="1" smtClean="0"/>
+              <a:rPr lang="fr-FR" sz="2800" dirty="0" err="1"/>
               <a:t>with</a:t>
             </a:r>
             <a:r>
-              <a:rPr lang="fr-FR" sz="2800" dirty="0" smtClean="0"/>
+              <a:rPr lang="fr-FR" sz="2800" dirty="0"/>
               <a:t> high impact factor</a:t>
             </a:r>
           </a:p>
@@ -13091,11 +13045,11 @@
           <a:lstStyle/>
           <a:p>
             <a:r>
-              <a:rPr lang="fr-FR" sz="4400" dirty="0" err="1" smtClean="0"/>
+              <a:rPr lang="fr-FR" sz="4400" dirty="0" err="1"/>
               <a:t>Authors</a:t>
             </a:r>
             <a:r>
-              <a:rPr lang="fr-FR" sz="4400" dirty="0" smtClean="0"/>
+              <a:rPr lang="fr-FR" sz="4400" dirty="0"/>
               <a:t> and affiliations</a:t>
             </a:r>
             <a:endParaRPr lang="en-GB" sz="4400" dirty="0"/>
@@ -13120,94 +13074,94 @@
           <a:lstStyle/>
           <a:p>
             <a:r>
-              <a:rPr lang="fr-FR" sz="2800" dirty="0" smtClean="0"/>
+              <a:rPr lang="fr-FR" sz="2800" dirty="0"/>
               <a:t>If </a:t>
             </a:r>
             <a:r>
-              <a:rPr lang="fr-FR" sz="2800" dirty="0" err="1" smtClean="0"/>
+              <a:rPr lang="fr-FR" sz="2800" dirty="0" err="1"/>
               <a:t>you</a:t>
             </a:r>
             <a:r>
-              <a:rPr lang="fr-FR" sz="2800" dirty="0" smtClean="0"/>
+              <a:rPr lang="fr-FR" sz="2800" dirty="0"/>
               <a:t> </a:t>
             </a:r>
             <a:r>
-              <a:rPr lang="fr-FR" sz="2800" dirty="0" err="1" smtClean="0"/>
+              <a:rPr lang="fr-FR" sz="2800" dirty="0" err="1"/>
               <a:t>write</a:t>
             </a:r>
             <a:r>
-              <a:rPr lang="fr-FR" sz="2800" dirty="0" smtClean="0"/>
+              <a:rPr lang="fr-FR" sz="2800" dirty="0"/>
               <a:t> a </a:t>
             </a:r>
             <a:r>
-              <a:rPr lang="fr-FR" sz="2800" dirty="0" err="1" smtClean="0"/>
+              <a:rPr lang="fr-FR" sz="2800" dirty="0" err="1"/>
               <a:t>manuscript</a:t>
             </a:r>
             <a:r>
-              <a:rPr lang="fr-FR" sz="2800" dirty="0" smtClean="0"/>
+              <a:rPr lang="fr-FR" sz="2800" dirty="0"/>
               <a:t> </a:t>
             </a:r>
             <a:r>
-              <a:rPr lang="fr-FR" sz="2800" dirty="0" err="1" smtClean="0"/>
+              <a:rPr lang="fr-FR" sz="2800" dirty="0" err="1"/>
               <a:t>from</a:t>
             </a:r>
             <a:r>
-              <a:rPr lang="fr-FR" sz="2800" dirty="0" smtClean="0"/>
+              <a:rPr lang="fr-FR" sz="2800" dirty="0"/>
               <a:t> scratch and </a:t>
             </a:r>
             <a:r>
-              <a:rPr lang="fr-FR" sz="2800" dirty="0" err="1" smtClean="0"/>
+              <a:rPr lang="fr-FR" sz="2800" dirty="0" err="1"/>
               <a:t>run</a:t>
             </a:r>
             <a:r>
-              <a:rPr lang="fr-FR" sz="2800" dirty="0" smtClean="0"/>
+              <a:rPr lang="fr-FR" sz="2800" dirty="0"/>
               <a:t> </a:t>
             </a:r>
             <a:r>
-              <a:rPr lang="fr-FR" sz="2800" dirty="0" err="1" smtClean="0"/>
+              <a:rPr lang="fr-FR" sz="2800" dirty="0" err="1"/>
               <a:t>most</a:t>
             </a:r>
             <a:r>
-              <a:rPr lang="fr-FR" sz="2800" dirty="0" smtClean="0"/>
+              <a:rPr lang="fr-FR" sz="2800" dirty="0"/>
               <a:t> of </a:t>
             </a:r>
             <a:r>
-              <a:rPr lang="fr-FR" sz="2800" dirty="0" err="1" smtClean="0"/>
+              <a:rPr lang="fr-FR" sz="2800" dirty="0" err="1"/>
               <a:t>analysis</a:t>
             </a:r>
             <a:r>
-              <a:rPr lang="fr-FR" sz="2800" dirty="0" smtClean="0"/>
+              <a:rPr lang="fr-FR" sz="2800" dirty="0"/>
               <a:t>, </a:t>
             </a:r>
             <a:r>
-              <a:rPr lang="fr-FR" sz="2800" dirty="0" err="1" smtClean="0"/>
+              <a:rPr lang="fr-FR" sz="2800" dirty="0" err="1"/>
               <a:t>you</a:t>
             </a:r>
             <a:r>
-              <a:rPr lang="fr-FR" sz="2800" dirty="0" smtClean="0"/>
+              <a:rPr lang="fr-FR" sz="2800" dirty="0"/>
               <a:t> </a:t>
             </a:r>
             <a:r>
-              <a:rPr lang="fr-FR" sz="2800" dirty="0" err="1" smtClean="0"/>
+              <a:rPr lang="fr-FR" sz="2800" dirty="0" err="1"/>
               <a:t>should</a:t>
             </a:r>
             <a:r>
-              <a:rPr lang="fr-FR" sz="2800" dirty="0" smtClean="0"/>
+              <a:rPr lang="fr-FR" sz="2800" dirty="0"/>
               <a:t> </a:t>
             </a:r>
             <a:r>
-              <a:rPr lang="fr-FR" sz="2800" dirty="0" err="1" smtClean="0"/>
+              <a:rPr lang="fr-FR" sz="2800" dirty="0" err="1"/>
               <a:t>be</a:t>
             </a:r>
             <a:r>
-              <a:rPr lang="fr-FR" sz="2800" dirty="0" smtClean="0"/>
+              <a:rPr lang="fr-FR" sz="2800" dirty="0"/>
               <a:t> first </a:t>
             </a:r>
             <a:r>
-              <a:rPr lang="fr-FR" sz="2800" dirty="0" err="1" smtClean="0"/>
+              <a:rPr lang="fr-FR" sz="2800" dirty="0" err="1"/>
               <a:t>author</a:t>
             </a:r>
-            <a:endParaRPr lang="fr-FR" sz="2800" dirty="0" smtClean="0"/>
+            <a:endParaRPr lang="fr-FR" sz="2800" dirty="0"/>
           </a:p>
           <a:p>
             <a:r>
@@ -13224,104 +13178,95 @@
             </a:r>
             <a:r>
               <a:rPr lang="fr-FR" sz="2800" dirty="0"/>
+              <a:t> for </a:t>
+            </a:r>
+            <a:r>
+              <a:rPr lang="fr-FR" sz="2800" dirty="0" err="1"/>
+              <a:t>other</a:t>
+            </a:r>
+            <a:r>
+              <a:rPr lang="fr-FR" sz="2800" dirty="0"/>
               <a:t> </a:t>
             </a:r>
             <a:r>
-              <a:rPr lang="fr-FR" sz="2800" dirty="0" smtClean="0"/>
-              <a:t>for </a:t>
-            </a:r>
-            <a:r>
-              <a:rPr lang="fr-FR" sz="2800" dirty="0" err="1" smtClean="0"/>
-              <a:t>other</a:t>
-            </a:r>
-            <a:r>
-              <a:rPr lang="fr-FR" sz="2800" dirty="0" smtClean="0"/>
+              <a:rPr lang="fr-FR" sz="2800" dirty="0" err="1"/>
+              <a:t>collaborators</a:t>
+            </a:r>
+            <a:r>
+              <a:rPr lang="fr-FR" sz="2800" dirty="0"/>
+              <a:t> and </a:t>
+            </a:r>
+            <a:r>
+              <a:rPr lang="fr-FR" sz="2800" dirty="0" err="1"/>
+              <a:t>their</a:t>
+            </a:r>
+            <a:r>
+              <a:rPr lang="fr-FR" sz="2800" dirty="0"/>
+              <a:t> position in the </a:t>
+            </a:r>
+            <a:r>
+              <a:rPr lang="fr-FR" sz="2800" dirty="0" err="1"/>
+              <a:t>list</a:t>
+            </a:r>
+            <a:endParaRPr lang="fr-FR" sz="2800" dirty="0"/>
+          </a:p>
+          <a:p>
+            <a:r>
+              <a:rPr lang="fr-FR" sz="2800" dirty="0" err="1"/>
+              <a:t>Corresponding</a:t>
+            </a:r>
+            <a:r>
+              <a:rPr lang="fr-FR" sz="2800" dirty="0"/>
               <a:t> </a:t>
             </a:r>
             <a:r>
-              <a:rPr lang="fr-FR" sz="2800" dirty="0" err="1" smtClean="0"/>
-              <a:t>collaborators</a:t>
-            </a:r>
-            <a:r>
-              <a:rPr lang="fr-FR" sz="2800" dirty="0" smtClean="0"/>
-              <a:t> and </a:t>
-            </a:r>
-            <a:r>
-              <a:rPr lang="fr-FR" sz="2800" dirty="0" err="1" smtClean="0"/>
-              <a:t>their</a:t>
-            </a:r>
-            <a:r>
-              <a:rPr lang="fr-FR" sz="2800" dirty="0" smtClean="0"/>
-              <a:t> position </a:t>
-            </a:r>
-            <a:r>
-              <a:rPr lang="fr-FR" sz="2800" dirty="0"/>
-              <a:t>in the </a:t>
-            </a:r>
-            <a:r>
-              <a:rPr lang="fr-FR" sz="2800" dirty="0" err="1" smtClean="0"/>
-              <a:t>list</a:t>
-            </a:r>
-            <a:endParaRPr lang="fr-FR" sz="2800" dirty="0" smtClean="0"/>
-          </a:p>
-          <a:p>
-            <a:r>
-              <a:rPr lang="fr-FR" sz="2800" dirty="0" err="1" smtClean="0"/>
-              <a:t>Corresponding</a:t>
-            </a:r>
-            <a:r>
-              <a:rPr lang="fr-FR" sz="2800" dirty="0" smtClean="0"/>
+              <a:rPr lang="fr-FR" sz="2800" dirty="0" err="1"/>
+              <a:t>author</a:t>
+            </a:r>
+            <a:r>
+              <a:rPr lang="fr-FR" sz="2800" dirty="0"/>
               <a:t> </a:t>
             </a:r>
             <a:r>
-              <a:rPr lang="fr-FR" sz="2800" dirty="0" err="1" smtClean="0"/>
-              <a:t>author</a:t>
-            </a:r>
-            <a:r>
-              <a:rPr lang="fr-FR" sz="2800" dirty="0" smtClean="0"/>
+              <a:rPr lang="fr-FR" sz="2800" dirty="0" err="1"/>
+              <a:t>is</a:t>
+            </a:r>
+            <a:r>
+              <a:rPr lang="fr-FR" sz="2800" dirty="0"/>
               <a:t> </a:t>
             </a:r>
             <a:r>
-              <a:rPr lang="fr-FR" sz="2800" dirty="0" err="1" smtClean="0"/>
-              <a:t>is</a:t>
-            </a:r>
-            <a:r>
-              <a:rPr lang="fr-FR" sz="2800" dirty="0" smtClean="0"/>
+              <a:rPr lang="fr-FR" sz="2800" dirty="0" err="1"/>
+              <a:t>generally</a:t>
+            </a:r>
+            <a:r>
+              <a:rPr lang="fr-FR" sz="2800" dirty="0"/>
               <a:t> </a:t>
             </a:r>
             <a:r>
-              <a:rPr lang="fr-FR" sz="2800" dirty="0" err="1" smtClean="0"/>
-              <a:t>generally</a:t>
-            </a:r>
-            <a:r>
-              <a:rPr lang="fr-FR" sz="2800" dirty="0" smtClean="0"/>
-              <a:t> </a:t>
-            </a:r>
-            <a:r>
-              <a:rPr lang="fr-FR" sz="2800" dirty="0" err="1" smtClean="0"/>
+              <a:rPr lang="fr-FR" sz="2800" dirty="0" err="1"/>
               <a:t>responsible</a:t>
             </a:r>
             <a:r>
-              <a:rPr lang="fr-FR" sz="2800" dirty="0" smtClean="0"/>
+              <a:rPr lang="fr-FR" sz="2800" dirty="0"/>
               <a:t> for </a:t>
             </a:r>
             <a:r>
-              <a:rPr lang="fr-FR" sz="2800" dirty="0" err="1" smtClean="0"/>
+              <a:rPr lang="fr-FR" sz="2800" dirty="0" err="1"/>
               <a:t>submission</a:t>
             </a:r>
             <a:r>
-              <a:rPr lang="fr-FR" sz="2800" dirty="0" smtClean="0"/>
+              <a:rPr lang="fr-FR" sz="2800" dirty="0"/>
               <a:t> and contact </a:t>
             </a:r>
             <a:r>
-              <a:rPr lang="fr-FR" sz="2800" dirty="0" err="1" smtClean="0"/>
+              <a:rPr lang="fr-FR" sz="2800" dirty="0" err="1"/>
               <a:t>with</a:t>
             </a:r>
             <a:r>
-              <a:rPr lang="fr-FR" sz="2800" dirty="0" smtClean="0"/>
+              <a:rPr lang="fr-FR" sz="2800" dirty="0"/>
               <a:t> the editors</a:t>
             </a:r>
-            <a:endParaRPr lang="fr-FR" sz="2800" dirty="0"/>
           </a:p>
           <a:p>
             <a:endParaRPr lang="en-GB" sz="2800" dirty="0"/>
@@ -13551,7 +13496,7 @@
           <a:lstStyle/>
           <a:p>
             <a:r>
-              <a:rPr lang="fr-FR" sz="4800" dirty="0" smtClean="0"/>
+              <a:rPr lang="fr-FR" sz="4800" dirty="0"/>
               <a:t>Abstract</a:t>
             </a:r>
             <a:endParaRPr lang="en-GB" sz="4800" dirty="0"/>
@@ -13581,175 +13526,175 @@
           <a:lstStyle/>
           <a:p>
             <a:r>
-              <a:rPr lang="fr-FR" sz="2800" dirty="0" err="1" smtClean="0"/>
+              <a:rPr lang="fr-FR" sz="2800" dirty="0" err="1"/>
               <a:t>Factual</a:t>
             </a:r>
             <a:r>
-              <a:rPr lang="fr-FR" sz="2800" dirty="0" smtClean="0"/>
+              <a:rPr lang="fr-FR" sz="2800" dirty="0"/>
               <a:t>: Short </a:t>
             </a:r>
             <a:r>
-              <a:rPr lang="fr-FR" sz="2800" dirty="0" err="1" smtClean="0"/>
+              <a:rPr lang="fr-FR" sz="2800" dirty="0" err="1"/>
               <a:t>context</a:t>
             </a:r>
             <a:r>
-              <a:rPr lang="fr-FR" sz="2800" dirty="0" smtClean="0"/>
+              <a:rPr lang="fr-FR" sz="2800" dirty="0"/>
               <a:t>, objectives, how </a:t>
             </a:r>
             <a:r>
-              <a:rPr lang="fr-FR" sz="2800" dirty="0" err="1" smtClean="0"/>
+              <a:rPr lang="fr-FR" sz="2800" dirty="0" err="1"/>
               <a:t>you</a:t>
             </a:r>
             <a:r>
-              <a:rPr lang="fr-FR" sz="2800" dirty="0" smtClean="0"/>
+              <a:rPr lang="fr-FR" sz="2800" dirty="0"/>
               <a:t> </a:t>
             </a:r>
             <a:r>
-              <a:rPr lang="fr-FR" sz="2800" dirty="0" err="1" smtClean="0"/>
+              <a:rPr lang="fr-FR" sz="2800" dirty="0" err="1"/>
               <a:t>did</a:t>
             </a:r>
             <a:r>
-              <a:rPr lang="fr-FR" sz="2800" dirty="0" smtClean="0"/>
+              <a:rPr lang="fr-FR" sz="2800" dirty="0"/>
               <a:t> </a:t>
             </a:r>
             <a:r>
-              <a:rPr lang="fr-FR" sz="2800" dirty="0" err="1" smtClean="0"/>
+              <a:rPr lang="fr-FR" sz="2800" dirty="0" err="1"/>
               <a:t>it</a:t>
             </a:r>
             <a:r>
-              <a:rPr lang="fr-FR" sz="2800" dirty="0" smtClean="0"/>
+              <a:rPr lang="fr-FR" sz="2800" dirty="0"/>
               <a:t>, </a:t>
             </a:r>
             <a:r>
-              <a:rPr lang="fr-FR" sz="2800" dirty="0" err="1" smtClean="0"/>
+              <a:rPr lang="fr-FR" sz="2800" dirty="0" err="1"/>
               <a:t>what</a:t>
             </a:r>
             <a:r>
-              <a:rPr lang="fr-FR" sz="2800" dirty="0" smtClean="0"/>
+              <a:rPr lang="fr-FR" sz="2800" dirty="0"/>
               <a:t> </a:t>
             </a:r>
             <a:r>
-              <a:rPr lang="fr-FR" sz="2800" dirty="0" err="1" smtClean="0"/>
+              <a:rPr lang="fr-FR" sz="2800" dirty="0" err="1"/>
               <a:t>you</a:t>
             </a:r>
             <a:r>
-              <a:rPr lang="fr-FR" sz="2800" dirty="0" smtClean="0"/>
+              <a:rPr lang="fr-FR" sz="2800" dirty="0"/>
               <a:t> </a:t>
             </a:r>
             <a:r>
-              <a:rPr lang="fr-FR" sz="2800" dirty="0" err="1" smtClean="0"/>
+              <a:rPr lang="fr-FR" sz="2800" dirty="0" err="1"/>
               <a:t>found</a:t>
             </a:r>
             <a:r>
-              <a:rPr lang="fr-FR" sz="2800" dirty="0" smtClean="0"/>
+              <a:rPr lang="fr-FR" sz="2800" dirty="0"/>
               <a:t>, </a:t>
             </a:r>
             <a:r>
-              <a:rPr lang="fr-FR" sz="2800" dirty="0" err="1" smtClean="0"/>
+              <a:rPr lang="fr-FR" sz="2800" dirty="0" err="1"/>
               <a:t>what</a:t>
             </a:r>
             <a:r>
-              <a:rPr lang="fr-FR" sz="2800" dirty="0" smtClean="0"/>
+              <a:rPr lang="fr-FR" sz="2800" dirty="0"/>
               <a:t> </a:t>
             </a:r>
             <a:r>
-              <a:rPr lang="fr-FR" sz="2800" dirty="0" err="1" smtClean="0"/>
+              <a:rPr lang="fr-FR" sz="2800" dirty="0" err="1"/>
               <a:t>you</a:t>
             </a:r>
             <a:r>
-              <a:rPr lang="fr-FR" sz="2800" dirty="0" smtClean="0"/>
+              <a:rPr lang="fr-FR" sz="2800" dirty="0"/>
               <a:t> </a:t>
             </a:r>
             <a:r>
-              <a:rPr lang="fr-FR" sz="2800" dirty="0" err="1" smtClean="0"/>
+              <a:rPr lang="fr-FR" sz="2800" dirty="0" err="1"/>
               <a:t>conclude</a:t>
             </a:r>
             <a:r>
-              <a:rPr lang="fr-FR" sz="2800" dirty="0" smtClean="0"/>
+              <a:rPr lang="fr-FR" sz="2800" dirty="0"/>
               <a:t> (200-350 </a:t>
             </a:r>
             <a:r>
-              <a:rPr lang="fr-FR" sz="2800" dirty="0" err="1" smtClean="0"/>
+              <a:rPr lang="fr-FR" sz="2800" dirty="0" err="1"/>
               <a:t>words</a:t>
             </a:r>
             <a:r>
-              <a:rPr lang="fr-FR" sz="2800" dirty="0" smtClean="0"/>
+              <a:rPr lang="fr-FR" sz="2800" dirty="0"/>
               <a:t>)</a:t>
             </a:r>
           </a:p>
           <a:p>
-            <a:endParaRPr lang="fr-FR" sz="2800" dirty="0" smtClean="0"/>
-          </a:p>
-          <a:p>
-            <a:r>
-              <a:rPr lang="fr-FR" sz="2800" dirty="0" err="1" smtClean="0"/>
+            <a:endParaRPr lang="fr-FR" sz="2800" dirty="0"/>
+          </a:p>
+          <a:p>
+            <a:r>
+              <a:rPr lang="fr-FR" sz="2800" dirty="0" err="1"/>
               <a:t>Two</a:t>
             </a:r>
             <a:r>
-              <a:rPr lang="fr-FR" sz="2800" dirty="0" smtClean="0"/>
+              <a:rPr lang="fr-FR" sz="2800" dirty="0"/>
               <a:t> </a:t>
             </a:r>
             <a:r>
-              <a:rPr lang="fr-FR" sz="2800" dirty="0" err="1" smtClean="0"/>
+              <a:rPr lang="fr-FR" sz="2800" dirty="0" err="1"/>
               <a:t>schools</a:t>
             </a:r>
             <a:r>
-              <a:rPr lang="fr-FR" sz="2800" dirty="0" smtClean="0"/>
+              <a:rPr lang="fr-FR" sz="2800" dirty="0"/>
               <a:t>:</a:t>
             </a:r>
           </a:p>
           <a:p>
             <a:pPr lvl="3"/>
             <a:r>
-              <a:rPr lang="fr-FR" sz="2600" dirty="0" smtClean="0"/>
+              <a:rPr lang="fr-FR" sz="2600" dirty="0"/>
               <a:t>Write </a:t>
             </a:r>
             <a:r>
-              <a:rPr lang="fr-FR" sz="2600" dirty="0" err="1" smtClean="0"/>
+              <a:rPr lang="fr-FR" sz="2600" dirty="0" err="1"/>
               <a:t>it</a:t>
             </a:r>
             <a:r>
-              <a:rPr lang="fr-FR" sz="2600" dirty="0" smtClean="0"/>
+              <a:rPr lang="fr-FR" sz="2600" dirty="0"/>
               <a:t> FIRST. Good for people </a:t>
             </a:r>
             <a:r>
-              <a:rPr lang="fr-FR" sz="2600" dirty="0" err="1" smtClean="0"/>
+              <a:rPr lang="fr-FR" sz="2600" dirty="0" err="1"/>
               <a:t>who</a:t>
             </a:r>
             <a:r>
-              <a:rPr lang="fr-FR" sz="2600" dirty="0" smtClean="0"/>
+              <a:rPr lang="fr-FR" sz="2600" dirty="0"/>
               <a:t> </a:t>
             </a:r>
             <a:r>
-              <a:rPr lang="fr-FR" sz="2600" dirty="0" err="1" smtClean="0"/>
+              <a:rPr lang="fr-FR" sz="2600" dirty="0" err="1"/>
               <a:t>like</a:t>
             </a:r>
             <a:r>
-              <a:rPr lang="fr-FR" sz="2600" dirty="0" smtClean="0"/>
+              <a:rPr lang="fr-FR" sz="2600" dirty="0"/>
               <a:t> </a:t>
             </a:r>
             <a:r>
-              <a:rPr lang="fr-FR" sz="2600" dirty="0" err="1" smtClean="0"/>
+              <a:rPr lang="fr-FR" sz="2600" dirty="0" err="1"/>
               <a:t>organising</a:t>
             </a:r>
             <a:r>
-              <a:rPr lang="fr-FR" sz="2600" dirty="0" smtClean="0"/>
+              <a:rPr lang="fr-FR" sz="2600" dirty="0"/>
               <a:t> </a:t>
             </a:r>
             <a:r>
-              <a:rPr lang="fr-FR" sz="2600" dirty="0" err="1" smtClean="0"/>
+              <a:rPr lang="fr-FR" sz="2600" dirty="0" err="1"/>
               <a:t>thoughts</a:t>
             </a:r>
             <a:r>
-              <a:rPr lang="fr-FR" sz="2600" dirty="0" smtClean="0"/>
+              <a:rPr lang="fr-FR" sz="2600" dirty="0"/>
               <a:t> and stick to a </a:t>
             </a:r>
             <a:r>
-              <a:rPr lang="fr-FR" sz="2600" dirty="0" err="1" smtClean="0"/>
+              <a:rPr lang="fr-FR" sz="2600" dirty="0" err="1"/>
               <a:t>predefined</a:t>
             </a:r>
             <a:r>
-              <a:rPr lang="fr-FR" sz="2600" dirty="0" smtClean="0"/>
+              <a:rPr lang="fr-FR" sz="2600" dirty="0"/>
               <a:t> story</a:t>
             </a:r>
           </a:p>
@@ -13757,115 +13702,115 @@
             <a:pPr marL="1371600" lvl="3" indent="0">
               <a:buNone/>
             </a:pPr>
-            <a:endParaRPr lang="fr-FR" sz="2600" dirty="0" smtClean="0"/>
+            <a:endParaRPr lang="fr-FR" sz="2600" dirty="0"/>
           </a:p>
           <a:p>
             <a:pPr lvl="3"/>
             <a:r>
-              <a:rPr lang="fr-FR" sz="2600" dirty="0" smtClean="0"/>
+              <a:rPr lang="fr-FR" sz="2600" dirty="0"/>
               <a:t>Write </a:t>
             </a:r>
             <a:r>
-              <a:rPr lang="fr-FR" sz="2600" dirty="0" err="1" smtClean="0"/>
+              <a:rPr lang="fr-FR" sz="2600" dirty="0" err="1"/>
               <a:t>it</a:t>
             </a:r>
             <a:r>
-              <a:rPr lang="fr-FR" sz="2600" dirty="0" smtClean="0"/>
+              <a:rPr lang="fr-FR" sz="2600" dirty="0"/>
               <a:t> LAST. Good for people </a:t>
             </a:r>
             <a:r>
-              <a:rPr lang="fr-FR" sz="2600" dirty="0" err="1" smtClean="0"/>
+              <a:rPr lang="fr-FR" sz="2600" dirty="0" err="1"/>
               <a:t>who</a:t>
             </a:r>
             <a:r>
-              <a:rPr lang="fr-FR" sz="2600" dirty="0" smtClean="0"/>
+              <a:rPr lang="fr-FR" sz="2600" dirty="0"/>
               <a:t> </a:t>
             </a:r>
             <a:r>
-              <a:rPr lang="fr-FR" sz="2600" dirty="0" err="1" smtClean="0"/>
+              <a:rPr lang="fr-FR" sz="2600" dirty="0" err="1"/>
               <a:t>don’t</a:t>
             </a:r>
             <a:r>
-              <a:rPr lang="fr-FR" sz="2600" dirty="0" smtClean="0"/>
+              <a:rPr lang="fr-FR" sz="2600" dirty="0"/>
               <a:t> </a:t>
             </a:r>
             <a:r>
-              <a:rPr lang="fr-FR" sz="2600" dirty="0" err="1" smtClean="0"/>
+              <a:rPr lang="fr-FR" sz="2600" dirty="0" err="1"/>
               <a:t>like</a:t>
             </a:r>
             <a:r>
-              <a:rPr lang="fr-FR" sz="2600" dirty="0" smtClean="0"/>
+              <a:rPr lang="fr-FR" sz="2600" dirty="0"/>
               <a:t> </a:t>
             </a:r>
             <a:r>
-              <a:rPr lang="fr-FR" sz="2600" dirty="0" err="1" smtClean="0"/>
+              <a:rPr lang="fr-FR" sz="2600" dirty="0" err="1"/>
               <a:t>changing</a:t>
             </a:r>
             <a:r>
-              <a:rPr lang="fr-FR" sz="2600" dirty="0" smtClean="0"/>
+              <a:rPr lang="fr-FR" sz="2600" dirty="0"/>
               <a:t> </a:t>
             </a:r>
             <a:r>
-              <a:rPr lang="fr-FR" sz="2600" dirty="0" err="1" smtClean="0"/>
+              <a:rPr lang="fr-FR" sz="2600" dirty="0" err="1"/>
               <a:t>text</a:t>
             </a:r>
             <a:r>
-              <a:rPr lang="fr-FR" sz="2600" dirty="0" smtClean="0"/>
+              <a:rPr lang="fr-FR" sz="2600" dirty="0"/>
               <a:t> </a:t>
             </a:r>
             <a:r>
-              <a:rPr lang="fr-FR" sz="2600" dirty="0" err="1" smtClean="0"/>
+              <a:rPr lang="fr-FR" sz="2600" dirty="0" err="1"/>
               <a:t>too</a:t>
             </a:r>
             <a:r>
-              <a:rPr lang="fr-FR" sz="2600" dirty="0" smtClean="0"/>
+              <a:rPr lang="fr-FR" sz="2600" dirty="0"/>
               <a:t> </a:t>
             </a:r>
             <a:r>
-              <a:rPr lang="fr-FR" sz="2600" dirty="0" err="1" smtClean="0"/>
+              <a:rPr lang="fr-FR" sz="2600" dirty="0" err="1"/>
               <a:t>much</a:t>
             </a:r>
             <a:r>
-              <a:rPr lang="fr-FR" sz="2600" dirty="0" smtClean="0"/>
+              <a:rPr lang="fr-FR" sz="2600" dirty="0"/>
               <a:t> and </a:t>
             </a:r>
             <a:r>
-              <a:rPr lang="fr-FR" sz="2600" dirty="0" err="1" smtClean="0"/>
+              <a:rPr lang="fr-FR" sz="2600" dirty="0" err="1"/>
               <a:t>who</a:t>
             </a:r>
             <a:r>
-              <a:rPr lang="fr-FR" sz="2600" dirty="0" smtClean="0"/>
+              <a:rPr lang="fr-FR" sz="2600" dirty="0"/>
               <a:t> </a:t>
             </a:r>
             <a:r>
-              <a:rPr lang="fr-FR" sz="2600" dirty="0" err="1" smtClean="0"/>
+              <a:rPr lang="fr-FR" sz="2600" dirty="0" err="1"/>
               <a:t>prefer</a:t>
             </a:r>
             <a:r>
-              <a:rPr lang="fr-FR" sz="2600" dirty="0" smtClean="0"/>
+              <a:rPr lang="fr-FR" sz="2600" dirty="0"/>
               <a:t> </a:t>
             </a:r>
             <a:r>
-              <a:rPr lang="fr-FR" sz="2600" dirty="0" err="1" smtClean="0"/>
+              <a:rPr lang="fr-FR" sz="2600" dirty="0" err="1"/>
               <a:t>designing</a:t>
             </a:r>
             <a:r>
-              <a:rPr lang="fr-FR" sz="2600" dirty="0" smtClean="0"/>
+              <a:rPr lang="fr-FR" sz="2600" dirty="0"/>
               <a:t> the story </a:t>
             </a:r>
             <a:r>
-              <a:rPr lang="fr-FR" sz="2600" dirty="0" err="1" smtClean="0"/>
+              <a:rPr lang="fr-FR" sz="2600" dirty="0" err="1"/>
               <a:t>from</a:t>
             </a:r>
             <a:r>
-              <a:rPr lang="fr-FR" sz="2600" dirty="0" smtClean="0"/>
+              <a:rPr lang="fr-FR" sz="2600" dirty="0"/>
               <a:t> </a:t>
             </a:r>
             <a:r>
-              <a:rPr lang="fr-FR" sz="2600" dirty="0" err="1" smtClean="0"/>
+              <a:rPr lang="fr-FR" sz="2600" dirty="0" err="1"/>
               <a:t>results</a:t>
             </a:r>
-            <a:endParaRPr lang="fr-FR" sz="2600" dirty="0" smtClean="0"/>
+            <a:endParaRPr lang="fr-FR" sz="2600" dirty="0"/>
           </a:p>
           <a:p>
             <a:pPr marL="1371600" lvl="3" indent="0">
@@ -14106,7 +14051,7 @@
           <a:lstStyle/>
           <a:p>
             <a:r>
-              <a:rPr lang="fr-FR" sz="4800" dirty="0" smtClean="0"/>
+              <a:rPr lang="fr-FR" sz="4800" dirty="0"/>
               <a:t>Introduction</a:t>
             </a:r>
             <a:endParaRPr lang="en-GB" sz="4800" dirty="0"/>
@@ -14136,85 +14081,85 @@
           <a:lstStyle/>
           <a:p>
             <a:r>
-              <a:rPr lang="fr-FR" sz="2000" dirty="0" err="1" smtClean="0"/>
+              <a:rPr lang="fr-FR" sz="2000" dirty="0" err="1"/>
               <a:t>Aims</a:t>
             </a:r>
             <a:r>
-              <a:rPr lang="fr-FR" sz="2000" dirty="0" smtClean="0"/>
+              <a:rPr lang="fr-FR" sz="2000" dirty="0"/>
               <a:t> at </a:t>
             </a:r>
             <a:r>
-              <a:rPr lang="fr-FR" sz="2000" dirty="0" err="1" smtClean="0"/>
+              <a:rPr lang="fr-FR" sz="2000" dirty="0" err="1"/>
               <a:t>presenting</a:t>
             </a:r>
             <a:r>
-              <a:rPr lang="fr-FR" sz="2000" dirty="0" smtClean="0"/>
+              <a:rPr lang="fr-FR" sz="2000" dirty="0"/>
               <a:t> the </a:t>
             </a:r>
             <a:r>
-              <a:rPr lang="fr-FR" sz="2000" dirty="0" err="1" smtClean="0"/>
+              <a:rPr lang="fr-FR" sz="2000" dirty="0" err="1"/>
               <a:t>context</a:t>
             </a:r>
             <a:r>
-              <a:rPr lang="fr-FR" sz="2000" dirty="0" smtClean="0"/>
+              <a:rPr lang="fr-FR" sz="2000" dirty="0"/>
               <a:t> of </a:t>
             </a:r>
             <a:r>
-              <a:rPr lang="fr-FR" sz="2000" dirty="0" err="1" smtClean="0"/>
+              <a:rPr lang="fr-FR" sz="2000" dirty="0" err="1"/>
               <a:t>your</a:t>
             </a:r>
             <a:r>
-              <a:rPr lang="fr-FR" sz="2000" dirty="0" smtClean="0"/>
+              <a:rPr lang="fr-FR" sz="2000" dirty="0"/>
               <a:t> </a:t>
             </a:r>
             <a:r>
-              <a:rPr lang="fr-FR" sz="2000" dirty="0" err="1" smtClean="0"/>
+              <a:rPr lang="fr-FR" sz="2000" dirty="0" err="1"/>
               <a:t>work</a:t>
             </a:r>
             <a:r>
-              <a:rPr lang="fr-FR" sz="2000" dirty="0" smtClean="0"/>
+              <a:rPr lang="fr-FR" sz="2000" dirty="0"/>
               <a:t>: </a:t>
             </a:r>
             <a:r>
-              <a:rPr lang="fr-FR" sz="2000" dirty="0" err="1" smtClean="0"/>
+              <a:rPr lang="fr-FR" sz="2000" dirty="0" err="1"/>
               <a:t>why</a:t>
             </a:r>
             <a:r>
-              <a:rPr lang="fr-FR" sz="2000" dirty="0" smtClean="0"/>
+              <a:rPr lang="fr-FR" sz="2000" dirty="0"/>
               <a:t> </a:t>
             </a:r>
             <a:r>
-              <a:rPr lang="fr-FR" sz="2000" dirty="0" err="1" smtClean="0"/>
+              <a:rPr lang="fr-FR" sz="2000" dirty="0" err="1"/>
               <a:t>you</a:t>
             </a:r>
             <a:r>
-              <a:rPr lang="fr-FR" sz="2000" dirty="0" smtClean="0"/>
+              <a:rPr lang="fr-FR" sz="2000" dirty="0"/>
               <a:t> do </a:t>
             </a:r>
             <a:r>
-              <a:rPr lang="fr-FR" sz="2000" dirty="0" err="1" smtClean="0"/>
+              <a:rPr lang="fr-FR" sz="2000" dirty="0" err="1"/>
               <a:t>what</a:t>
             </a:r>
             <a:r>
-              <a:rPr lang="fr-FR" sz="2000" dirty="0" smtClean="0"/>
+              <a:rPr lang="fr-FR" sz="2000" dirty="0"/>
               <a:t> </a:t>
             </a:r>
             <a:r>
-              <a:rPr lang="fr-FR" sz="2000" dirty="0" err="1" smtClean="0"/>
+              <a:rPr lang="fr-FR" sz="2000" dirty="0" err="1"/>
               <a:t>you</a:t>
             </a:r>
             <a:r>
-              <a:rPr lang="fr-FR" sz="2000" dirty="0" smtClean="0"/>
+              <a:rPr lang="fr-FR" sz="2000" dirty="0"/>
               <a:t> do?</a:t>
             </a:r>
           </a:p>
           <a:p>
             <a:r>
-              <a:rPr lang="fr-FR" sz="2000" dirty="0" err="1" smtClean="0"/>
+              <a:rPr lang="fr-FR" sz="2000" dirty="0" err="1"/>
               <a:t>Writing</a:t>
             </a:r>
             <a:r>
-              <a:rPr lang="fr-FR" sz="2000" dirty="0" smtClean="0"/>
+              <a:rPr lang="fr-FR" sz="2000" dirty="0"/>
               <a:t> </a:t>
             </a:r>
             <a:r>
@@ -14271,65 +14216,60 @@
             </a:r>
             <a:r>
               <a:rPr lang="fr-FR" sz="2000" dirty="0"/>
-              <a:t> the </a:t>
-            </a:r>
-            <a:r>
-              <a:rPr lang="fr-FR" sz="2000" dirty="0" smtClean="0"/>
-              <a:t>introduction</a:t>
-            </a:r>
-          </a:p>
-          <a:p>
-            <a:r>
-              <a:rPr lang="fr-FR" sz="2000" dirty="0" smtClean="0"/>
+              <a:t> the introduction</a:t>
+            </a:r>
+          </a:p>
+          <a:p>
+            <a:r>
+              <a:rPr lang="fr-FR" sz="2000" dirty="0"/>
               <a:t>Reading </a:t>
             </a:r>
             <a:r>
-              <a:rPr lang="fr-FR" sz="2000" dirty="0" err="1" smtClean="0"/>
+              <a:rPr lang="fr-FR" sz="2000" dirty="0" err="1"/>
               <a:t>bibliography</a:t>
             </a:r>
             <a:r>
-              <a:rPr lang="fr-FR" sz="2000" dirty="0" smtClean="0"/>
+              <a:rPr lang="fr-FR" sz="2000" dirty="0"/>
               <a:t> </a:t>
             </a:r>
             <a:r>
-              <a:rPr lang="fr-FR" sz="2000" dirty="0" err="1" smtClean="0"/>
+              <a:rPr lang="fr-FR" sz="2000" dirty="0" err="1"/>
               <a:t>gives</a:t>
             </a:r>
             <a:r>
-              <a:rPr lang="fr-FR" sz="2000" dirty="0" smtClean="0"/>
+              <a:rPr lang="fr-FR" sz="2000" dirty="0"/>
               <a:t> </a:t>
             </a:r>
             <a:r>
-              <a:rPr lang="fr-FR" sz="2000" dirty="0" err="1" smtClean="0"/>
+              <a:rPr lang="fr-FR" sz="2000" dirty="0" err="1"/>
               <a:t>ideas</a:t>
             </a:r>
             <a:r>
-              <a:rPr lang="fr-FR" sz="2000" dirty="0" smtClean="0"/>
+              <a:rPr lang="fr-FR" sz="2000" dirty="0"/>
               <a:t>/structure</a:t>
             </a:r>
           </a:p>
           <a:p>
             <a:r>
-              <a:rPr lang="fr-FR" sz="2000" dirty="0" smtClean="0"/>
+              <a:rPr lang="fr-FR" sz="2000" dirty="0"/>
               <a:t>In </a:t>
             </a:r>
             <a:r>
-              <a:rPr lang="fr-FR" sz="2000" dirty="0" err="1" smtClean="0"/>
+              <a:rPr lang="fr-FR" sz="2000" dirty="0" err="1"/>
               <a:t>general</a:t>
             </a:r>
             <a:r>
-              <a:rPr lang="fr-FR" sz="2000" dirty="0" smtClean="0"/>
+              <a:rPr lang="fr-FR" sz="2000" dirty="0"/>
               <a:t>, 3-4 double </a:t>
             </a:r>
             <a:r>
-              <a:rPr lang="fr-FR" sz="2000" dirty="0" err="1" smtClean="0"/>
+              <a:rPr lang="fr-FR" sz="2000" dirty="0" err="1"/>
               <a:t>lined</a:t>
             </a:r>
             <a:r>
-              <a:rPr lang="fr-FR" sz="2000" dirty="0" smtClean="0"/>
+              <a:rPr lang="fr-FR" sz="2000" dirty="0"/>
               <a:t> pages (2 min)</a:t>
             </a:r>
-            <a:endParaRPr lang="fr-FR" sz="2000" dirty="0"/>
           </a:p>
           <a:p>
             <a:r>
@@ -14342,30 +14282,18 @@
             </a:r>
             <a:r>
               <a:rPr lang="fr-FR" sz="2000" dirty="0"/>
-              <a:t> to </a:t>
-            </a:r>
-            <a:r>
-              <a:rPr lang="fr-FR" sz="2000" dirty="0" smtClean="0"/>
-              <a:t>4 main </a:t>
+              <a:t> to 4 main questions:</a:t>
+            </a:r>
+          </a:p>
+          <a:p>
+            <a:pPr lvl="5"/>
+            <a:r>
+              <a:rPr lang="fr-FR" sz="2000" dirty="0" err="1"/>
+              <a:t>Why</a:t>
             </a:r>
             <a:r>
               <a:rPr lang="fr-FR" sz="2000" dirty="0"/>
-              <a:t>questions:</a:t>
-            </a:r>
-          </a:p>
-          <a:p>
-            <a:pPr lvl="5"/>
-            <a:r>
-              <a:rPr lang="fr-FR" sz="2000" dirty="0" err="1" smtClean="0"/>
-              <a:t>Why</a:t>
-            </a:r>
-            <a:r>
-              <a:rPr lang="fr-FR" sz="2000" dirty="0" smtClean="0"/>
-              <a:t> </a:t>
-            </a:r>
-            <a:r>
-              <a:rPr lang="fr-FR" sz="2000" dirty="0"/>
-              <a:t>do </a:t>
+              <a:t> do </a:t>
             </a:r>
             <a:r>
               <a:rPr lang="fr-FR" sz="2000" dirty="0" err="1"/>
@@ -14373,11 +14301,7 @@
             </a:r>
             <a:r>
               <a:rPr lang="fr-FR" sz="2000" dirty="0"/>
-              <a:t> care</a:t>
-            </a:r>
-            <a:r>
-              <a:rPr lang="fr-FR" sz="2000" dirty="0" smtClean="0"/>
-              <a:t>?</a:t>
+              <a:t> care?</a:t>
             </a:r>
           </a:p>
           <a:p>
@@ -14404,13 +14328,8 @@
             </a:r>
             <a:r>
               <a:rPr lang="fr-FR" sz="2000" dirty="0"/>
-              <a:t> know about the topic</a:t>
-            </a:r>
-            <a:r>
-              <a:rPr lang="fr-FR" sz="2000" dirty="0" smtClean="0"/>
-              <a:t>?</a:t>
-            </a:r>
-            <a:endParaRPr lang="fr-FR" sz="2000" dirty="0"/>
+              <a:t> know about the topic?</a:t>
+            </a:r>
           </a:p>
           <a:p>
             <a:pPr lvl="5"/>
@@ -14423,16 +14342,12 @@
               <a:t> </a:t>
             </a:r>
             <a:r>
-              <a:rPr lang="fr-FR" sz="2000" dirty="0" err="1" smtClean="0"/>
+              <a:rPr lang="fr-FR" sz="2000" dirty="0" err="1"/>
               <a:t>is</a:t>
             </a:r>
             <a:r>
-              <a:rPr lang="fr-FR" sz="2000" dirty="0" smtClean="0"/>
-              <a:t>/are </a:t>
-            </a:r>
-            <a:r>
               <a:rPr lang="fr-FR" sz="2000" dirty="0"/>
-              <a:t>the </a:t>
+              <a:t>/are the </a:t>
             </a:r>
             <a:r>
               <a:rPr lang="fr-FR" sz="2000" dirty="0" err="1"/>
@@ -14448,43 +14363,30 @@
             </a:r>
             <a:r>
               <a:rPr lang="fr-FR" sz="2000" dirty="0"/>
+              <a:t> gap(s)?</a:t>
+            </a:r>
+          </a:p>
+          <a:p>
+            <a:pPr lvl="5"/>
+            <a:r>
+              <a:rPr lang="fr-FR" sz="2000" dirty="0"/>
+              <a:t>How do </a:t>
+            </a:r>
+            <a:r>
+              <a:rPr lang="fr-FR" sz="2000" dirty="0" err="1"/>
+              <a:t>we</a:t>
+            </a:r>
+            <a:r>
+              <a:rPr lang="fr-FR" sz="2000" dirty="0"/>
               <a:t> </a:t>
             </a:r>
             <a:r>
-              <a:rPr lang="fr-FR" sz="2000" dirty="0" smtClean="0"/>
-              <a:t>gap(s)?</a:t>
-            </a:r>
-            <a:endParaRPr lang="fr-FR" sz="2000" dirty="0"/>
-          </a:p>
-          <a:p>
-            <a:pPr lvl="5"/>
+              <a:rPr lang="fr-FR" sz="2000" dirty="0" err="1"/>
+              <a:t>fill</a:t>
+            </a:r>
             <a:r>
               <a:rPr lang="fr-FR" sz="2000" dirty="0"/>
-              <a:t>How </a:t>
-            </a:r>
-            <a:r>
-              <a:rPr lang="fr-FR" sz="2000" dirty="0" smtClean="0"/>
-              <a:t>do </a:t>
-            </a:r>
-            <a:r>
-              <a:rPr lang="fr-FR" sz="2000" dirty="0" err="1" smtClean="0"/>
-              <a:t>we</a:t>
-            </a:r>
-            <a:r>
-              <a:rPr lang="fr-FR" sz="2000" dirty="0" smtClean="0"/>
-              <a:t> </a:t>
-            </a:r>
-            <a:r>
-              <a:rPr lang="fr-FR" sz="2000" dirty="0" err="1" smtClean="0"/>
-              <a:t>fill</a:t>
-            </a:r>
-            <a:r>
-              <a:rPr lang="fr-FR" sz="2000" dirty="0" smtClean="0"/>
-              <a:t> </a:t>
-            </a:r>
-            <a:r>
-              <a:rPr lang="fr-FR" sz="2000" dirty="0"/>
-              <a:t>the </a:t>
+              <a:t> the </a:t>
             </a:r>
             <a:r>
               <a:rPr lang="fr-FR" sz="2000" dirty="0" err="1"/>
@@ -14492,56 +14394,51 @@
             </a:r>
             <a:r>
               <a:rPr lang="fr-FR" sz="2000" dirty="0"/>
+              <a:t> gap(s) (=objectives)</a:t>
+            </a:r>
+          </a:p>
+          <a:p>
+            <a:pPr lvl="5"/>
+            <a:r>
+              <a:rPr lang="fr-FR" sz="2000" dirty="0" err="1"/>
+              <a:t>What</a:t>
+            </a:r>
+            <a:r>
+              <a:rPr lang="fr-FR" sz="2000" dirty="0"/>
               <a:t> </a:t>
             </a:r>
             <a:r>
-              <a:rPr lang="fr-FR" sz="2000" dirty="0" smtClean="0"/>
-              <a:t>gap(s) (=objectives)</a:t>
-            </a:r>
-          </a:p>
-          <a:p>
-            <a:pPr lvl="5"/>
-            <a:r>
-              <a:rPr lang="fr-FR" sz="2000" dirty="0" err="1" smtClean="0"/>
-              <a:t>What</a:t>
-            </a:r>
-            <a:r>
-              <a:rPr lang="fr-FR" sz="2000" dirty="0" smtClean="0"/>
-              <a:t> </a:t>
-            </a:r>
-            <a:r>
-              <a:rPr lang="fr-FR" sz="2000" dirty="0" err="1" smtClean="0"/>
+              <a:rPr lang="fr-FR" sz="2000" dirty="0" err="1"/>
               <a:t>hypotheses</a:t>
             </a:r>
             <a:r>
-              <a:rPr lang="fr-FR" sz="2000" dirty="0" smtClean="0"/>
+              <a:rPr lang="fr-FR" sz="2000" dirty="0"/>
               <a:t> are </a:t>
             </a:r>
             <a:r>
-              <a:rPr lang="fr-FR" sz="2000" dirty="0" err="1" smtClean="0"/>
+              <a:rPr lang="fr-FR" sz="2000" dirty="0" err="1"/>
               <a:t>tested</a:t>
             </a:r>
             <a:r>
-              <a:rPr lang="fr-FR" sz="2000" dirty="0" smtClean="0"/>
+              <a:rPr lang="fr-FR" sz="2000" dirty="0"/>
               <a:t>? (if </a:t>
             </a:r>
             <a:r>
-              <a:rPr lang="fr-FR" sz="2000" dirty="0" err="1" smtClean="0"/>
+              <a:rPr lang="fr-FR" sz="2000" dirty="0" err="1"/>
               <a:t>you</a:t>
             </a:r>
             <a:r>
-              <a:rPr lang="fr-FR" sz="2000" dirty="0" smtClean="0"/>
+              <a:rPr lang="fr-FR" sz="2000" dirty="0"/>
               <a:t> have </a:t>
             </a:r>
             <a:r>
-              <a:rPr lang="fr-FR" sz="2000" dirty="0" err="1" smtClean="0"/>
+              <a:rPr lang="fr-FR" sz="2000" dirty="0" err="1"/>
               <a:t>some</a:t>
             </a:r>
             <a:r>
-              <a:rPr lang="fr-FR" sz="2000" dirty="0" smtClean="0"/>
+              <a:rPr lang="fr-FR" sz="2000" dirty="0"/>
               <a:t>)</a:t>
             </a:r>
-            <a:endParaRPr lang="fr-FR" sz="2000" dirty="0"/>
           </a:p>
           <a:p>
             <a:pPr lvl="5"/>
@@ -15033,7 +14930,7 @@
           <a:lstStyle/>
           <a:p>
             <a:r>
-              <a:rPr lang="fr-FR" sz="4800" dirty="0" err="1" smtClean="0"/>
+              <a:rPr lang="fr-FR" sz="4800" dirty="0" err="1"/>
               <a:t>Methods</a:t>
             </a:r>
             <a:endParaRPr lang="en-GB" sz="4800" dirty="0"/>
@@ -15063,291 +14960,291 @@
           <a:lstStyle/>
           <a:p>
             <a:r>
-              <a:rPr lang="fr-FR" sz="2800" dirty="0" err="1" smtClean="0"/>
+              <a:rPr lang="fr-FR" sz="2800" dirty="0" err="1"/>
               <a:t>Aims</a:t>
             </a:r>
             <a:r>
-              <a:rPr lang="fr-FR" sz="2800" dirty="0" smtClean="0"/>
+              <a:rPr lang="fr-FR" sz="2800" dirty="0"/>
               <a:t> at </a:t>
             </a:r>
             <a:r>
-              <a:rPr lang="fr-FR" sz="2800" dirty="0" err="1" smtClean="0"/>
+              <a:rPr lang="fr-FR" sz="2800" dirty="0" err="1"/>
               <a:t>describing</a:t>
             </a:r>
             <a:r>
-              <a:rPr lang="fr-FR" sz="2800" dirty="0" smtClean="0"/>
+              <a:rPr lang="fr-FR" sz="2800" dirty="0"/>
               <a:t> how </a:t>
             </a:r>
             <a:r>
-              <a:rPr lang="fr-FR" sz="2800" dirty="0" err="1" smtClean="0"/>
+              <a:rPr lang="fr-FR" sz="2800" dirty="0" err="1"/>
               <a:t>you</a:t>
             </a:r>
             <a:r>
-              <a:rPr lang="fr-FR" sz="2800" dirty="0" smtClean="0"/>
+              <a:rPr lang="fr-FR" sz="2800" dirty="0"/>
               <a:t> </a:t>
             </a:r>
             <a:r>
-              <a:rPr lang="fr-FR" sz="2800" dirty="0" err="1" smtClean="0"/>
+              <a:rPr lang="fr-FR" sz="2800" dirty="0" err="1"/>
               <a:t>conducted</a:t>
             </a:r>
             <a:r>
-              <a:rPr lang="fr-FR" sz="2800" dirty="0" smtClean="0"/>
+              <a:rPr lang="fr-FR" sz="2800" dirty="0"/>
               <a:t> </a:t>
             </a:r>
             <a:r>
-              <a:rPr lang="fr-FR" sz="2800" dirty="0" err="1" smtClean="0"/>
+              <a:rPr lang="fr-FR" sz="2800" dirty="0" err="1"/>
               <a:t>your</a:t>
             </a:r>
             <a:r>
-              <a:rPr lang="fr-FR" sz="2800" dirty="0" smtClean="0"/>
+              <a:rPr lang="fr-FR" sz="2800" dirty="0"/>
               <a:t> </a:t>
             </a:r>
             <a:r>
-              <a:rPr lang="fr-FR" sz="2800" dirty="0" err="1" smtClean="0"/>
+              <a:rPr lang="fr-FR" sz="2800" dirty="0" err="1"/>
               <a:t>study</a:t>
             </a:r>
             <a:r>
-              <a:rPr lang="fr-FR" sz="2800" dirty="0" smtClean="0"/>
+              <a:rPr lang="fr-FR" sz="2800" dirty="0"/>
               <a:t>: </a:t>
             </a:r>
             <a:r>
-              <a:rPr lang="fr-FR" sz="2800" dirty="0" err="1" smtClean="0"/>
+              <a:rPr lang="fr-FR" sz="2800" dirty="0" err="1"/>
               <a:t>which</a:t>
             </a:r>
             <a:r>
-              <a:rPr lang="fr-FR" sz="2800" dirty="0" smtClean="0"/>
+              <a:rPr lang="fr-FR" sz="2800" dirty="0"/>
               <a:t> data, how </a:t>
             </a:r>
             <a:r>
-              <a:rPr lang="fr-FR" sz="2800" dirty="0" err="1" smtClean="0"/>
+              <a:rPr lang="fr-FR" sz="2800" dirty="0" err="1"/>
               <a:t>you</a:t>
             </a:r>
             <a:r>
-              <a:rPr lang="fr-FR" sz="2800" dirty="0" smtClean="0"/>
+              <a:rPr lang="fr-FR" sz="2800" dirty="0"/>
               <a:t> </a:t>
             </a:r>
             <a:r>
-              <a:rPr lang="fr-FR" sz="2800" dirty="0" err="1" smtClean="0"/>
+              <a:rPr lang="fr-FR" sz="2800" dirty="0" err="1"/>
               <a:t>collected</a:t>
             </a:r>
             <a:r>
-              <a:rPr lang="fr-FR" sz="2800" dirty="0" smtClean="0"/>
+              <a:rPr lang="fr-FR" sz="2800" dirty="0"/>
               <a:t> </a:t>
             </a:r>
             <a:r>
-              <a:rPr lang="fr-FR" sz="2800" dirty="0" err="1" smtClean="0"/>
+              <a:rPr lang="fr-FR" sz="2800" dirty="0" err="1"/>
               <a:t>them</a:t>
             </a:r>
             <a:r>
-              <a:rPr lang="fr-FR" sz="2800" dirty="0" smtClean="0"/>
+              <a:rPr lang="fr-FR" sz="2800" dirty="0"/>
               <a:t>, </a:t>
             </a:r>
             <a:r>
-              <a:rPr lang="fr-FR" sz="2800" dirty="0" err="1" smtClean="0"/>
+              <a:rPr lang="fr-FR" sz="2800" dirty="0" err="1"/>
               <a:t>with</a:t>
             </a:r>
             <a:r>
-              <a:rPr lang="fr-FR" sz="2800" dirty="0" smtClean="0"/>
+              <a:rPr lang="fr-FR" sz="2800" dirty="0"/>
               <a:t> </a:t>
             </a:r>
             <a:r>
-              <a:rPr lang="fr-FR" sz="2800" dirty="0" err="1" smtClean="0"/>
+              <a:rPr lang="fr-FR" sz="2800" dirty="0" err="1"/>
               <a:t>which</a:t>
             </a:r>
             <a:r>
-              <a:rPr lang="fr-FR" sz="2800" dirty="0" smtClean="0"/>
+              <a:rPr lang="fr-FR" sz="2800" dirty="0"/>
               <a:t> </a:t>
             </a:r>
             <a:r>
-              <a:rPr lang="fr-FR" sz="2800" dirty="0" err="1" smtClean="0"/>
+              <a:rPr lang="fr-FR" sz="2800" dirty="0" err="1"/>
               <a:t>protocols</a:t>
             </a:r>
             <a:r>
-              <a:rPr lang="fr-FR" sz="2800" dirty="0" smtClean="0"/>
+              <a:rPr lang="fr-FR" sz="2800" dirty="0"/>
               <a:t>, </a:t>
             </a:r>
             <a:r>
-              <a:rPr lang="fr-FR" sz="2800" dirty="0" err="1" smtClean="0"/>
+              <a:rPr lang="fr-FR" sz="2800" dirty="0" err="1"/>
               <a:t>which</a:t>
             </a:r>
             <a:r>
-              <a:rPr lang="fr-FR" sz="2800" dirty="0" smtClean="0"/>
+              <a:rPr lang="fr-FR" sz="2800" dirty="0"/>
               <a:t> </a:t>
             </a:r>
             <a:r>
-              <a:rPr lang="fr-FR" sz="2800" dirty="0" err="1" smtClean="0"/>
+              <a:rPr lang="fr-FR" sz="2800" dirty="0" err="1"/>
               <a:t>statistical</a:t>
             </a:r>
             <a:r>
-              <a:rPr lang="fr-FR" sz="2800" dirty="0" smtClean="0"/>
+              <a:rPr lang="fr-FR" sz="2800" dirty="0"/>
               <a:t> </a:t>
             </a:r>
             <a:r>
-              <a:rPr lang="fr-FR" sz="2800" dirty="0" err="1" smtClean="0"/>
+              <a:rPr lang="fr-FR" sz="2800" dirty="0" err="1"/>
               <a:t>analysis</a:t>
             </a:r>
             <a:r>
-              <a:rPr lang="fr-FR" sz="2800" dirty="0" smtClean="0"/>
+              <a:rPr lang="fr-FR" sz="2800" dirty="0"/>
               <a:t> etc…</a:t>
             </a:r>
           </a:p>
           <a:p>
             <a:r>
-              <a:rPr lang="fr-FR" sz="2800" dirty="0" err="1" smtClean="0"/>
+              <a:rPr lang="fr-FR" sz="2800" dirty="0" err="1"/>
               <a:t>Should</a:t>
             </a:r>
             <a:r>
-              <a:rPr lang="fr-FR" sz="2800" dirty="0" smtClean="0"/>
+              <a:rPr lang="fr-FR" sz="2800" dirty="0"/>
               <a:t> </a:t>
             </a:r>
             <a:r>
-              <a:rPr lang="fr-FR" sz="2800" dirty="0" err="1" smtClean="0"/>
+              <a:rPr lang="fr-FR" sz="2800" dirty="0" err="1"/>
               <a:t>be</a:t>
             </a:r>
             <a:r>
-              <a:rPr lang="fr-FR" sz="2800" dirty="0" smtClean="0"/>
+              <a:rPr lang="fr-FR" sz="2800" dirty="0"/>
               <a:t> the </a:t>
             </a:r>
             <a:r>
-              <a:rPr lang="fr-FR" sz="2800" dirty="0" err="1" smtClean="0"/>
+              <a:rPr lang="fr-FR" sz="2800" dirty="0" err="1"/>
               <a:t>easiest</a:t>
             </a:r>
             <a:r>
-              <a:rPr lang="fr-FR" sz="2800" dirty="0" smtClean="0"/>
+              <a:rPr lang="fr-FR" sz="2800" dirty="0"/>
               <a:t> and </a:t>
             </a:r>
             <a:r>
-              <a:rPr lang="fr-FR" sz="2800" dirty="0" err="1" smtClean="0"/>
+              <a:rPr lang="fr-FR" sz="2800" dirty="0" err="1"/>
               <a:t>generally</a:t>
             </a:r>
             <a:r>
-              <a:rPr lang="fr-FR" sz="2800" dirty="0" smtClean="0"/>
+              <a:rPr lang="fr-FR" sz="2800" dirty="0"/>
               <a:t> the first part </a:t>
             </a:r>
             <a:r>
-              <a:rPr lang="fr-FR" sz="2800" dirty="0" err="1" smtClean="0"/>
+              <a:rPr lang="fr-FR" sz="2800" dirty="0" err="1"/>
               <a:t>written</a:t>
             </a:r>
-            <a:endParaRPr lang="fr-FR" sz="2800" dirty="0" smtClean="0"/>
-          </a:p>
-          <a:p>
-            <a:r>
-              <a:rPr lang="fr-FR" sz="2800" dirty="0" smtClean="0"/>
+            <a:endParaRPr lang="fr-FR" sz="2800" dirty="0"/>
+          </a:p>
+          <a:p>
+            <a:r>
+              <a:rPr lang="fr-FR" sz="2800" dirty="0"/>
               <a:t>Just </a:t>
             </a:r>
             <a:r>
-              <a:rPr lang="fr-FR" sz="2800" dirty="0" err="1" smtClean="0"/>
+              <a:rPr lang="fr-FR" sz="2800" dirty="0" err="1"/>
               <a:t>describe</a:t>
             </a:r>
             <a:r>
-              <a:rPr lang="fr-FR" sz="2800" dirty="0" smtClean="0"/>
+              <a:rPr lang="fr-FR" sz="2800" dirty="0"/>
               <a:t> </a:t>
             </a:r>
             <a:r>
-              <a:rPr lang="fr-FR" sz="2800" dirty="0" err="1" smtClean="0"/>
+              <a:rPr lang="fr-FR" sz="2800" dirty="0" err="1"/>
               <a:t>step</a:t>
             </a:r>
             <a:r>
-              <a:rPr lang="fr-FR" sz="2800" dirty="0" smtClean="0"/>
+              <a:rPr lang="fr-FR" sz="2800" dirty="0"/>
               <a:t> by </a:t>
             </a:r>
             <a:r>
-              <a:rPr lang="fr-FR" sz="2800" dirty="0" err="1" smtClean="0"/>
+              <a:rPr lang="fr-FR" sz="2800" dirty="0" err="1"/>
               <a:t>step</a:t>
             </a:r>
             <a:r>
-              <a:rPr lang="fr-FR" sz="2800" dirty="0" smtClean="0"/>
+              <a:rPr lang="fr-FR" sz="2800" dirty="0"/>
               <a:t> </a:t>
             </a:r>
             <a:r>
-              <a:rPr lang="fr-FR" sz="2800" dirty="0" err="1" smtClean="0"/>
+              <a:rPr lang="fr-FR" sz="2800" dirty="0" err="1"/>
               <a:t>what</a:t>
             </a:r>
             <a:r>
-              <a:rPr lang="fr-FR" sz="2800" dirty="0" smtClean="0"/>
+              <a:rPr lang="fr-FR" sz="2800" dirty="0"/>
               <a:t> </a:t>
             </a:r>
             <a:r>
-              <a:rPr lang="fr-FR" sz="2800" dirty="0" err="1" smtClean="0"/>
+              <a:rPr lang="fr-FR" sz="2800" dirty="0" err="1"/>
               <a:t>you</a:t>
             </a:r>
             <a:r>
-              <a:rPr lang="fr-FR" sz="2800" dirty="0" smtClean="0"/>
+              <a:rPr lang="fr-FR" sz="2800" dirty="0"/>
               <a:t> </a:t>
             </a:r>
             <a:r>
-              <a:rPr lang="fr-FR" sz="2800" dirty="0" err="1" smtClean="0"/>
+              <a:rPr lang="fr-FR" sz="2800" dirty="0" err="1"/>
               <a:t>did</a:t>
             </a:r>
             <a:r>
-              <a:rPr lang="fr-FR" sz="2800" dirty="0" smtClean="0"/>
+              <a:rPr lang="fr-FR" sz="2800" dirty="0"/>
               <a:t> in </a:t>
             </a:r>
             <a:r>
-              <a:rPr lang="fr-FR" sz="2800" dirty="0" err="1" smtClean="0"/>
+              <a:rPr lang="fr-FR" sz="2800" dirty="0" err="1"/>
               <a:t>your</a:t>
             </a:r>
             <a:r>
-              <a:rPr lang="fr-FR" sz="2800" dirty="0" smtClean="0"/>
+              <a:rPr lang="fr-FR" sz="2800" dirty="0"/>
               <a:t> </a:t>
             </a:r>
             <a:r>
-              <a:rPr lang="fr-FR" sz="2800" dirty="0" err="1" smtClean="0"/>
+              <a:rPr lang="fr-FR" sz="2800" dirty="0" err="1"/>
               <a:t>analysis</a:t>
             </a:r>
             <a:endParaRPr lang="fr-FR" sz="2800" dirty="0"/>
           </a:p>
           <a:p>
             <a:r>
-              <a:rPr lang="fr-FR" sz="2800" dirty="0" err="1" smtClean="0"/>
+              <a:rPr lang="fr-FR" sz="2800" dirty="0" err="1"/>
               <a:t>Take</a:t>
             </a:r>
             <a:r>
-              <a:rPr lang="fr-FR" sz="2800" dirty="0" smtClean="0"/>
+              <a:rPr lang="fr-FR" sz="2800" dirty="0"/>
               <a:t> </a:t>
             </a:r>
             <a:r>
-              <a:rPr lang="fr-FR" sz="2800" dirty="0" err="1" smtClean="0"/>
+              <a:rPr lang="fr-FR" sz="2800" dirty="0" err="1"/>
               <a:t>examples</a:t>
             </a:r>
             <a:r>
-              <a:rPr lang="fr-FR" sz="2800" dirty="0" smtClean="0"/>
+              <a:rPr lang="fr-FR" sz="2800" dirty="0"/>
               <a:t> in </a:t>
             </a:r>
             <a:r>
-              <a:rPr lang="fr-FR" sz="2800" dirty="0" err="1" smtClean="0"/>
+              <a:rPr lang="fr-FR" sz="2800" dirty="0" err="1"/>
               <a:t>other</a:t>
             </a:r>
             <a:r>
-              <a:rPr lang="fr-FR" sz="2800" dirty="0" smtClean="0"/>
+              <a:rPr lang="fr-FR" sz="2800" dirty="0"/>
               <a:t> </a:t>
             </a:r>
             <a:r>
-              <a:rPr lang="fr-FR" sz="2800" dirty="0" err="1" smtClean="0"/>
+              <a:rPr lang="fr-FR" sz="2800" dirty="0" err="1"/>
               <a:t>studies</a:t>
             </a:r>
             <a:r>
-              <a:rPr lang="fr-FR" sz="2800" dirty="0" smtClean="0"/>
+              <a:rPr lang="fr-FR" sz="2800" dirty="0"/>
               <a:t> </a:t>
             </a:r>
             <a:r>
-              <a:rPr lang="fr-FR" sz="2800" dirty="0" err="1" smtClean="0"/>
+              <a:rPr lang="fr-FR" sz="2800" dirty="0" err="1"/>
               <a:t>using</a:t>
             </a:r>
             <a:r>
-              <a:rPr lang="fr-FR" sz="2800" dirty="0" smtClean="0"/>
+              <a:rPr lang="fr-FR" sz="2800" dirty="0"/>
               <a:t> </a:t>
             </a:r>
             <a:r>
-              <a:rPr lang="fr-FR" sz="2800" dirty="0" err="1" smtClean="0"/>
+              <a:rPr lang="fr-FR" sz="2800" dirty="0" err="1"/>
               <a:t>similar</a:t>
             </a:r>
             <a:r>
-              <a:rPr lang="fr-FR" sz="2800" dirty="0" smtClean="0"/>
+              <a:rPr lang="fr-FR" sz="2800" dirty="0"/>
               <a:t> </a:t>
             </a:r>
             <a:r>
-              <a:rPr lang="fr-FR" sz="2800" dirty="0" err="1" smtClean="0"/>
+              <a:rPr lang="fr-FR" sz="2800" dirty="0" err="1"/>
               <a:t>methods</a:t>
             </a:r>
             <a:endParaRPr lang="en-GB" sz="2800" dirty="0"/>
@@ -15631,7 +15528,7 @@
           <a:lstStyle/>
           <a:p>
             <a:r>
-              <a:rPr lang="fr-FR" sz="4800" dirty="0" err="1" smtClean="0"/>
+              <a:rPr lang="fr-FR" sz="4800" dirty="0" err="1"/>
               <a:t>Results</a:t>
             </a:r>
             <a:endParaRPr lang="en-GB" sz="4800" dirty="0"/>
@@ -15656,111 +15553,111 @@
           <a:lstStyle/>
           <a:p>
             <a:r>
-              <a:rPr lang="fr-FR" sz="2800" dirty="0" err="1" smtClean="0"/>
+              <a:rPr lang="fr-FR" sz="2800" dirty="0" err="1"/>
               <a:t>Prepare</a:t>
             </a:r>
             <a:r>
-              <a:rPr lang="fr-FR" sz="2800" dirty="0" smtClean="0"/>
+              <a:rPr lang="fr-FR" sz="2800" dirty="0"/>
               <a:t> and </a:t>
             </a:r>
             <a:r>
-              <a:rPr lang="fr-FR" sz="2800" dirty="0" err="1" smtClean="0"/>
+              <a:rPr lang="fr-FR" sz="2800" dirty="0" err="1"/>
               <a:t>order</a:t>
             </a:r>
             <a:r>
-              <a:rPr lang="fr-FR" sz="2800" dirty="0" smtClean="0"/>
+              <a:rPr lang="fr-FR" sz="2800" dirty="0"/>
               <a:t> all </a:t>
             </a:r>
             <a:r>
-              <a:rPr lang="fr-FR" sz="2800" dirty="0" err="1" smtClean="0"/>
+              <a:rPr lang="fr-FR" sz="2800" dirty="0" err="1"/>
               <a:t>your</a:t>
             </a:r>
             <a:r>
-              <a:rPr lang="fr-FR" sz="2800" dirty="0" smtClean="0"/>
+              <a:rPr lang="fr-FR" sz="2800" dirty="0"/>
               <a:t> figures and tables first</a:t>
             </a:r>
           </a:p>
           <a:p>
             <a:r>
-              <a:rPr lang="fr-FR" sz="2800" dirty="0" smtClean="0"/>
+              <a:rPr lang="fr-FR" sz="2800" dirty="0"/>
               <a:t>Figures </a:t>
             </a:r>
             <a:r>
-              <a:rPr lang="fr-FR" sz="2800" dirty="0" err="1" smtClean="0"/>
+              <a:rPr lang="fr-FR" sz="2800" dirty="0" err="1"/>
               <a:t>should</a:t>
             </a:r>
             <a:r>
-              <a:rPr lang="fr-FR" sz="2800" dirty="0" smtClean="0"/>
+              <a:rPr lang="fr-FR" sz="2800" dirty="0"/>
               <a:t> </a:t>
             </a:r>
             <a:r>
-              <a:rPr lang="fr-FR" sz="2800" dirty="0" err="1" smtClean="0"/>
+              <a:rPr lang="fr-FR" sz="2800" dirty="0" err="1"/>
               <a:t>be</a:t>
             </a:r>
             <a:r>
-              <a:rPr lang="fr-FR" sz="2800" dirty="0" smtClean="0"/>
+              <a:rPr lang="fr-FR" sz="2800" dirty="0"/>
               <a:t> </a:t>
             </a:r>
             <a:r>
-              <a:rPr lang="fr-FR" sz="2800" dirty="0" err="1" smtClean="0"/>
+              <a:rPr lang="fr-FR" sz="2800" dirty="0" err="1"/>
               <a:t>easily</a:t>
             </a:r>
             <a:r>
-              <a:rPr lang="fr-FR" sz="2800" dirty="0" smtClean="0"/>
+              <a:rPr lang="fr-FR" sz="2800" dirty="0"/>
               <a:t> </a:t>
             </a:r>
             <a:r>
-              <a:rPr lang="fr-FR" sz="2800" dirty="0" err="1" smtClean="0"/>
+              <a:rPr lang="fr-FR" sz="2800" dirty="0" err="1"/>
               <a:t>comprehensible</a:t>
             </a:r>
             <a:r>
-              <a:rPr lang="fr-FR" sz="2800" dirty="0" smtClean="0"/>
+              <a:rPr lang="fr-FR" sz="2800" dirty="0"/>
               <a:t> </a:t>
             </a:r>
           </a:p>
           <a:p>
             <a:r>
-              <a:rPr lang="fr-FR" sz="2800" dirty="0" smtClean="0"/>
+              <a:rPr lang="fr-FR" sz="2800" dirty="0"/>
               <a:t>DESCRIBE </a:t>
             </a:r>
             <a:r>
-              <a:rPr lang="fr-FR" sz="2800" dirty="0" err="1" smtClean="0"/>
+              <a:rPr lang="fr-FR" sz="2800" dirty="0" err="1"/>
               <a:t>results</a:t>
             </a:r>
             <a:r>
-              <a:rPr lang="fr-FR" sz="2800" dirty="0" smtClean="0"/>
+              <a:rPr lang="fr-FR" sz="2800" dirty="0"/>
               <a:t>, do not INTERPRET</a:t>
             </a:r>
           </a:p>
           <a:p>
             <a:r>
-              <a:rPr lang="fr-FR" sz="2800" dirty="0" smtClean="0"/>
+              <a:rPr lang="fr-FR" sz="2800" dirty="0"/>
               <a:t>Write </a:t>
             </a:r>
             <a:r>
-              <a:rPr lang="fr-FR" sz="2800" dirty="0" err="1" smtClean="0"/>
+              <a:rPr lang="fr-FR" sz="2800" dirty="0" err="1"/>
               <a:t>results</a:t>
             </a:r>
             <a:r>
-              <a:rPr lang="fr-FR" sz="2800" dirty="0" smtClean="0"/>
+              <a:rPr lang="fr-FR" sz="2800" dirty="0"/>
               <a:t> </a:t>
             </a:r>
             <a:r>
-              <a:rPr lang="fr-FR" sz="2800" dirty="0" err="1" smtClean="0"/>
+              <a:rPr lang="fr-FR" sz="2800" dirty="0" err="1"/>
               <a:t>before</a:t>
             </a:r>
             <a:r>
-              <a:rPr lang="fr-FR" sz="2800" dirty="0" smtClean="0"/>
+              <a:rPr lang="fr-FR" sz="2800" dirty="0"/>
               <a:t> </a:t>
             </a:r>
             <a:r>
-              <a:rPr lang="fr-FR" sz="2800" dirty="0" err="1" smtClean="0"/>
+              <a:rPr lang="fr-FR" sz="2800" dirty="0" err="1"/>
               <a:t>dicussion</a:t>
             </a:r>
             <a:endParaRPr lang="fr-FR" sz="2800" dirty="0"/>
           </a:p>
           <a:p>
-            <a:endParaRPr lang="fr-FR" sz="2800" dirty="0" smtClean="0"/>
+            <a:endParaRPr lang="fr-FR" sz="2800" dirty="0"/>
           </a:p>
         </p:txBody>
       </p:sp>

--- a/How to write a first draft.pptx
+++ b/How to write a first draft.pptx
@@ -15,14 +15,15 @@
     <p:sldId id="259" r:id="rId9"/>
     <p:sldId id="262" r:id="rId10"/>
     <p:sldId id="260" r:id="rId11"/>
-    <p:sldId id="264" r:id="rId12"/>
-    <p:sldId id="273" r:id="rId13"/>
-    <p:sldId id="261" r:id="rId14"/>
-    <p:sldId id="263" r:id="rId15"/>
-    <p:sldId id="275" r:id="rId16"/>
-    <p:sldId id="269" r:id="rId17"/>
-    <p:sldId id="265" r:id="rId18"/>
-    <p:sldId id="267" r:id="rId19"/>
+    <p:sldId id="277" r:id="rId12"/>
+    <p:sldId id="278" r:id="rId13"/>
+    <p:sldId id="273" r:id="rId14"/>
+    <p:sldId id="261" r:id="rId15"/>
+    <p:sldId id="263" r:id="rId16"/>
+    <p:sldId id="275" r:id="rId17"/>
+    <p:sldId id="269" r:id="rId18"/>
+    <p:sldId id="265" r:id="rId19"/>
+    <p:sldId id="267" r:id="rId20"/>
   </p:sldIdLst>
   <p:sldSz cx="12192000" cy="6858000"/>
   <p:notesSz cx="6858000" cy="9144000"/>
@@ -851,7 +852,7 @@
           <a:p>
             <a:fld id="{B471556D-98F7-48AF-ABE6-F1BBFDB1AC6C}" type="datetimeFigureOut">
               <a:rPr lang="en-GB" smtClean="0"/>
-              <a:t>16/04/2025</a:t>
+              <a:t>23/04/2025</a:t>
             </a:fld>
             <a:endParaRPr lang="en-GB"/>
           </a:p>
@@ -1102,7 +1103,7 @@
           <a:p>
             <a:fld id="{B471556D-98F7-48AF-ABE6-F1BBFDB1AC6C}" type="datetimeFigureOut">
               <a:rPr lang="en-GB" smtClean="0"/>
-              <a:t>16/04/2025</a:t>
+              <a:t>23/04/2025</a:t>
             </a:fld>
             <a:endParaRPr lang="en-GB"/>
           </a:p>
@@ -1416,7 +1417,7 @@
           <a:p>
             <a:fld id="{B471556D-98F7-48AF-ABE6-F1BBFDB1AC6C}" type="datetimeFigureOut">
               <a:rPr lang="en-GB" smtClean="0"/>
-              <a:t>16/04/2025</a:t>
+              <a:t>23/04/2025</a:t>
             </a:fld>
             <a:endParaRPr lang="en-GB"/>
           </a:p>
@@ -1757,7 +1758,7 @@
           <a:p>
             <a:fld id="{B471556D-98F7-48AF-ABE6-F1BBFDB1AC6C}" type="datetimeFigureOut">
               <a:rPr lang="en-GB" smtClean="0"/>
-              <a:t>16/04/2025</a:t>
+              <a:t>23/04/2025</a:t>
             </a:fld>
             <a:endParaRPr lang="en-GB"/>
           </a:p>
@@ -2071,7 +2072,7 @@
           <a:p>
             <a:fld id="{B471556D-98F7-48AF-ABE6-F1BBFDB1AC6C}" type="datetimeFigureOut">
               <a:rPr lang="en-GB" smtClean="0"/>
-              <a:t>16/04/2025</a:t>
+              <a:t>23/04/2025</a:t>
             </a:fld>
             <a:endParaRPr lang="en-GB"/>
           </a:p>
@@ -2464,7 +2465,7 @@
           <a:p>
             <a:fld id="{B471556D-98F7-48AF-ABE6-F1BBFDB1AC6C}" type="datetimeFigureOut">
               <a:rPr lang="en-GB" smtClean="0"/>
-              <a:t>16/04/2025</a:t>
+              <a:t>23/04/2025</a:t>
             </a:fld>
             <a:endParaRPr lang="en-GB"/>
           </a:p>
@@ -2634,7 +2635,7 @@
           <a:p>
             <a:fld id="{B471556D-98F7-48AF-ABE6-F1BBFDB1AC6C}" type="datetimeFigureOut">
               <a:rPr lang="en-GB" smtClean="0"/>
-              <a:t>16/04/2025</a:t>
+              <a:t>23/04/2025</a:t>
             </a:fld>
             <a:endParaRPr lang="en-GB"/>
           </a:p>
@@ -2814,7 +2815,7 @@
           <a:p>
             <a:fld id="{B471556D-98F7-48AF-ABE6-F1BBFDB1AC6C}" type="datetimeFigureOut">
               <a:rPr lang="en-GB" smtClean="0"/>
-              <a:t>16/04/2025</a:t>
+              <a:t>23/04/2025</a:t>
             </a:fld>
             <a:endParaRPr lang="en-GB"/>
           </a:p>
@@ -2990,7 +2991,7 @@
           <a:p>
             <a:fld id="{B471556D-98F7-48AF-ABE6-F1BBFDB1AC6C}" type="datetimeFigureOut">
               <a:rPr lang="en-GB" smtClean="0"/>
-              <a:t>16/04/2025</a:t>
+              <a:t>23/04/2025</a:t>
             </a:fld>
             <a:endParaRPr lang="en-GB"/>
           </a:p>
@@ -3237,7 +3238,7 @@
           <a:p>
             <a:fld id="{B471556D-98F7-48AF-ABE6-F1BBFDB1AC6C}" type="datetimeFigureOut">
               <a:rPr lang="en-GB" smtClean="0"/>
-              <a:t>16/04/2025</a:t>
+              <a:t>23/04/2025</a:t>
             </a:fld>
             <a:endParaRPr lang="en-GB"/>
           </a:p>
@@ -3469,7 +3470,7 @@
           <a:p>
             <a:fld id="{B471556D-98F7-48AF-ABE6-F1BBFDB1AC6C}" type="datetimeFigureOut">
               <a:rPr lang="en-GB" smtClean="0"/>
-              <a:t>16/04/2025</a:t>
+              <a:t>23/04/2025</a:t>
             </a:fld>
             <a:endParaRPr lang="en-GB"/>
           </a:p>
@@ -3843,7 +3844,7 @@
           <a:p>
             <a:fld id="{B471556D-98F7-48AF-ABE6-F1BBFDB1AC6C}" type="datetimeFigureOut">
               <a:rPr lang="en-GB" smtClean="0"/>
-              <a:t>16/04/2025</a:t>
+              <a:t>23/04/2025</a:t>
             </a:fld>
             <a:endParaRPr lang="en-GB"/>
           </a:p>
@@ -3966,7 +3967,7 @@
           <a:p>
             <a:fld id="{B471556D-98F7-48AF-ABE6-F1BBFDB1AC6C}" type="datetimeFigureOut">
               <a:rPr lang="en-GB" smtClean="0"/>
-              <a:t>16/04/2025</a:t>
+              <a:t>23/04/2025</a:t>
             </a:fld>
             <a:endParaRPr lang="en-GB"/>
           </a:p>
@@ -4061,7 +4062,7 @@
           <a:p>
             <a:fld id="{B471556D-98F7-48AF-ABE6-F1BBFDB1AC6C}" type="datetimeFigureOut">
               <a:rPr lang="en-GB" smtClean="0"/>
-              <a:t>16/04/2025</a:t>
+              <a:t>23/04/2025</a:t>
             </a:fld>
             <a:endParaRPr lang="en-GB"/>
           </a:p>
@@ -4316,7 +4317,7 @@
           <a:p>
             <a:fld id="{B471556D-98F7-48AF-ABE6-F1BBFDB1AC6C}" type="datetimeFigureOut">
               <a:rPr lang="en-GB" smtClean="0"/>
-              <a:t>16/04/2025</a:t>
+              <a:t>23/04/2025</a:t>
             </a:fld>
             <a:endParaRPr lang="en-GB"/>
           </a:p>
@@ -4579,7 +4580,7 @@
           <a:p>
             <a:fld id="{B471556D-98F7-48AF-ABE6-F1BBFDB1AC6C}" type="datetimeFigureOut">
               <a:rPr lang="en-GB" smtClean="0"/>
-              <a:t>16/04/2025</a:t>
+              <a:t>23/04/2025</a:t>
             </a:fld>
             <a:endParaRPr lang="en-GB"/>
           </a:p>
@@ -5322,7 +5323,7 @@
           <a:p>
             <a:fld id="{B471556D-98F7-48AF-ABE6-F1BBFDB1AC6C}" type="datetimeFigureOut">
               <a:rPr lang="en-GB" smtClean="0"/>
-              <a:t>16/04/2025</a:t>
+              <a:t>23/04/2025</a:t>
             </a:fld>
             <a:endParaRPr lang="en-GB"/>
           </a:p>
@@ -6958,9 +6959,68 @@
           </a:p>
         </p:txBody>
       </p:sp>
+      <p:sp>
+        <p:nvSpPr>
+          <p:cNvPr id="3" name="Content Placeholder 2"/>
+          <p:cNvSpPr>
+            <a:spLocks noGrp="1"/>
+          </p:cNvSpPr>
+          <p:nvPr>
+            <p:ph idx="1"/>
+          </p:nvPr>
+        </p:nvSpPr>
+        <p:spPr>
+          <a:xfrm>
+            <a:off x="4295411" y="1930400"/>
+            <a:ext cx="3947471" cy="4747846"/>
+          </a:xfrm>
+        </p:spPr>
+        <p:txBody>
+          <a:bodyPr>
+            <a:normAutofit/>
+          </a:bodyPr>
+          <a:lstStyle/>
+          <a:p>
+            <a:r>
+              <a:rPr lang="fr-FR" sz="2400" dirty="0" err="1"/>
+              <a:t>References</a:t>
+            </a:r>
+            <a:r>
+              <a:rPr lang="fr-FR" sz="2400" dirty="0"/>
+              <a:t> </a:t>
+            </a:r>
+            <a:r>
+              <a:rPr lang="fr-FR" sz="2400" dirty="0" err="1"/>
+              <a:t>written</a:t>
+            </a:r>
+            <a:r>
+              <a:rPr lang="fr-FR" sz="2400" dirty="0"/>
+              <a:t> by hand</a:t>
+            </a:r>
+          </a:p>
+          <a:p>
+            <a:endParaRPr lang="fr-FR" sz="2400" dirty="0"/>
+          </a:p>
+          <a:p>
+            <a:endParaRPr lang="fr-FR" sz="2400" dirty="0"/>
+          </a:p>
+          <a:p>
+            <a:pPr marL="0" indent="0">
+              <a:buNone/>
+            </a:pPr>
+            <a:endParaRPr lang="fr-FR" sz="2400" dirty="0"/>
+          </a:p>
+        </p:txBody>
+      </p:sp>
       <p:pic>
         <p:nvPicPr>
-          <p:cNvPr id="4" name="Picture 3"/>
+          <p:cNvPr id="5" name="Image 4">
+            <a:extLst>
+              <a:ext uri="{FF2B5EF4-FFF2-40B4-BE49-F238E27FC236}">
+                <a16:creationId xmlns:a16="http://schemas.microsoft.com/office/drawing/2014/main" id="{14ADDEB9-2DD5-43B1-BEE4-656E1645E25E}"/>
+              </a:ext>
+            </a:extLst>
+          </p:cNvPr>
           <p:cNvPicPr>
             <a:picLocks noChangeAspect="1"/>
           </p:cNvPicPr>
@@ -6980,14 +7040,77 @@
         </p:blipFill>
         <p:spPr>
           <a:xfrm>
-            <a:off x="900022" y="1404848"/>
-            <a:ext cx="6096000" cy="5238750"/>
+            <a:off x="1708182" y="1658083"/>
+            <a:ext cx="2240937" cy="1994434"/>
           </a:xfrm>
           <a:prstGeom prst="rect">
             <a:avLst/>
           </a:prstGeom>
         </p:spPr>
       </p:pic>
+    </p:spTree>
+    <p:extLst>
+      <p:ext uri="{BB962C8B-B14F-4D97-AF65-F5344CB8AC3E}">
+        <p14:creationId xmlns:p14="http://schemas.microsoft.com/office/powerpoint/2010/main" val="3505149818"/>
+      </p:ext>
+    </p:extLst>
+  </p:cSld>
+  <p:clrMapOvr>
+    <a:masterClrMapping/>
+  </p:clrMapOvr>
+</p:sld>
+</file>
+
+<file path=ppt/slides/slide12.xml><?xml version="1.0" encoding="utf-8"?>
+<p:sld xmlns:a="http://schemas.openxmlformats.org/drawingml/2006/main" xmlns:r="http://schemas.openxmlformats.org/officeDocument/2006/relationships" xmlns:p="http://schemas.openxmlformats.org/presentationml/2006/main">
+  <p:cSld>
+    <p:spTree>
+      <p:nvGrpSpPr>
+        <p:cNvPr id="1" name=""/>
+        <p:cNvGrpSpPr/>
+        <p:nvPr/>
+      </p:nvGrpSpPr>
+      <p:grpSpPr>
+        <a:xfrm>
+          <a:off x="0" y="0"/>
+          <a:ext cx="0" cy="0"/>
+          <a:chOff x="0" y="0"/>
+          <a:chExt cx="0" cy="0"/>
+        </a:xfrm>
+      </p:grpSpPr>
+      <p:sp>
+        <p:nvSpPr>
+          <p:cNvPr id="2" name="Title 1"/>
+          <p:cNvSpPr>
+            <a:spLocks noGrp="1"/>
+          </p:cNvSpPr>
+          <p:nvPr>
+            <p:ph type="title"/>
+          </p:nvPr>
+        </p:nvSpPr>
+        <p:spPr/>
+        <p:txBody>
+          <a:bodyPr>
+            <a:normAutofit/>
+          </a:bodyPr>
+          <a:lstStyle/>
+          <a:p>
+            <a:r>
+              <a:rPr lang="fr-FR" sz="4400" dirty="0" err="1"/>
+              <a:t>Bibliography</a:t>
+            </a:r>
+            <a:r>
+              <a:rPr lang="fr-FR" sz="4400" dirty="0"/>
+              <a:t>/</a:t>
+            </a:r>
+            <a:r>
+              <a:rPr lang="fr-FR" sz="4400" dirty="0" err="1"/>
+              <a:t>references</a:t>
+            </a:r>
+            <a:endParaRPr lang="en-GB" sz="4400" dirty="0"/>
+          </a:p>
+        </p:txBody>
+      </p:sp>
       <p:sp>
         <p:nvSpPr>
           <p:cNvPr id="3" name="Content Placeholder 2"/>
@@ -7000,13 +7123,13 @@
         </p:nvSpPr>
         <p:spPr>
           <a:xfrm>
-            <a:off x="3948022" y="2083836"/>
-            <a:ext cx="3738174" cy="3880773"/>
+            <a:off x="4295411" y="1930400"/>
+            <a:ext cx="3947471" cy="4747846"/>
           </a:xfrm>
         </p:spPr>
         <p:txBody>
           <a:bodyPr>
-            <a:normAutofit fontScale="92500"/>
+            <a:normAutofit/>
           </a:bodyPr>
           <a:lstStyle/>
           <a:p>
@@ -7026,6 +7149,9 @@
               <a:rPr lang="fr-FR" sz="2400" dirty="0"/>
               <a:t> by hand</a:t>
             </a:r>
+          </a:p>
+          <a:p>
+            <a:endParaRPr lang="fr-FR" sz="2400" dirty="0"/>
           </a:p>
           <a:p>
             <a:endParaRPr lang="fr-FR" sz="2400" dirty="0"/>
@@ -7037,9 +7163,6 @@
             <a:endParaRPr lang="fr-FR" sz="2400" dirty="0"/>
           </a:p>
           <a:p>
-            <a:endParaRPr lang="fr-FR" sz="2400" dirty="0"/>
-          </a:p>
-          <a:p>
             <a:r>
               <a:rPr lang="fr-FR" sz="2400" dirty="0" err="1"/>
               <a:t>References</a:t>
@@ -7050,7 +7173,7 @@
             </a:r>
             <a:r>
               <a:rPr lang="fr-FR" sz="2400" dirty="0" err="1"/>
-              <a:t>written</a:t>
+              <a:t>managed</a:t>
             </a:r>
             <a:r>
               <a:rPr lang="fr-FR" sz="2400" dirty="0"/>
@@ -7062,7 +7185,7 @@
             </a:r>
             <a:r>
               <a:rPr lang="fr-FR" sz="2400" dirty="0"/>
-              <a:t> </a:t>
+              <a:t> a </a:t>
             </a:r>
             <a:r>
               <a:rPr lang="fr-FR" sz="2400" dirty="0" err="1"/>
@@ -7070,27 +7193,19 @@
             </a:r>
             <a:r>
               <a:rPr lang="fr-FR" sz="2400" dirty="0"/>
-              <a:t> software (</a:t>
+              <a:t> software (Zotero, </a:t>
+            </a:r>
+            <a:r>
+              <a:rPr lang="fr-FR" sz="2400" dirty="0" err="1"/>
+              <a:t>EndNote</a:t>
+            </a:r>
+            <a:r>
+              <a:rPr lang="fr-FR" sz="2400" dirty="0"/>
+              <a:t>, </a:t>
             </a:r>
             <a:r>
               <a:rPr lang="fr-FR" sz="2400" dirty="0" err="1"/>
               <a:t>Mendeley</a:t>
-            </a:r>
-            <a:r>
-              <a:rPr lang="fr-FR" sz="2400" dirty="0"/>
-              <a:t>, </a:t>
-            </a:r>
-            <a:r>
-              <a:rPr lang="fr-FR" sz="2400" dirty="0" err="1"/>
-              <a:t>EndNote</a:t>
-            </a:r>
-            <a:r>
-              <a:rPr lang="fr-FR" sz="2400" dirty="0"/>
-              <a:t>, </a:t>
-            </a:r>
-            <a:r>
-              <a:rPr lang="fr-FR" sz="2400" dirty="0" err="1"/>
-              <a:t>Zotero</a:t>
             </a:r>
             <a:r>
               <a:rPr lang="fr-FR" sz="2400" dirty="0"/>
@@ -7113,146 +7228,92 @@
           </a:p>
         </p:txBody>
       </p:sp>
-      <p:sp>
-        <p:nvSpPr>
-          <p:cNvPr id="5" name="Rectangle 4"/>
-          <p:cNvSpPr/>
+      <p:pic>
+        <p:nvPicPr>
+          <p:cNvPr id="11" name="Image 10">
+            <a:extLst>
+              <a:ext uri="{FF2B5EF4-FFF2-40B4-BE49-F238E27FC236}">
+                <a16:creationId xmlns:a16="http://schemas.microsoft.com/office/drawing/2014/main" id="{113CC2B7-FFD4-4B44-BFF9-723354161B1E}"/>
+              </a:ext>
+            </a:extLst>
+          </p:cNvPr>
+          <p:cNvPicPr>
+            <a:picLocks noChangeAspect="1"/>
+          </p:cNvPicPr>
           <p:nvPr/>
-        </p:nvSpPr>
+        </p:nvPicPr>
+        <p:blipFill>
+          <a:blip r:embed="rId2">
+            <a:extLst>
+              <a:ext uri="{28A0092B-C50C-407E-A947-70E740481C1C}">
+                <a14:useLocalDpi xmlns:a14="http://schemas.microsoft.com/office/drawing/2010/main" val="0"/>
+              </a:ext>
+            </a:extLst>
+          </a:blip>
+          <a:stretch>
+            <a:fillRect/>
+          </a:stretch>
+        </p:blipFill>
         <p:spPr>
           <a:xfrm>
-            <a:off x="677334" y="3842426"/>
-            <a:ext cx="7114521" cy="2937753"/>
+            <a:off x="1708183" y="3975677"/>
+            <a:ext cx="2240937" cy="2272723"/>
           </a:xfrm>
           <a:prstGeom prst="rect">
             <a:avLst/>
           </a:prstGeom>
-          <a:solidFill>
-            <a:schemeClr val="bg1"/>
-          </a:solidFill>
-          <a:ln>
-            <a:solidFill>
-              <a:schemeClr val="bg1"/>
-            </a:solidFill>
-          </a:ln>
         </p:spPr>
-        <p:style>
-          <a:lnRef idx="2">
-            <a:schemeClr val="accent1">
-              <a:shade val="50000"/>
-            </a:schemeClr>
-          </a:lnRef>
-          <a:fillRef idx="1">
-            <a:schemeClr val="accent1"/>
-          </a:fillRef>
-          <a:effectRef idx="0">
-            <a:schemeClr val="accent1"/>
-          </a:effectRef>
-          <a:fontRef idx="minor">
-            <a:schemeClr val="lt1"/>
-          </a:fontRef>
-        </p:style>
-        <p:txBody>
-          <a:bodyPr rtlCol="0" anchor="ctr"/>
-          <a:lstStyle/>
-          <a:p>
-            <a:pPr algn="ctr"/>
-            <a:endParaRPr lang="en-GB"/>
-          </a:p>
-        </p:txBody>
-      </p:sp>
+      </p:pic>
+      <p:pic>
+        <p:nvPicPr>
+          <p:cNvPr id="5" name="Image 4">
+            <a:extLst>
+              <a:ext uri="{FF2B5EF4-FFF2-40B4-BE49-F238E27FC236}">
+                <a16:creationId xmlns:a16="http://schemas.microsoft.com/office/drawing/2014/main" id="{14ADDEB9-2DD5-43B1-BEE4-656E1645E25E}"/>
+              </a:ext>
+            </a:extLst>
+          </p:cNvPr>
+          <p:cNvPicPr>
+            <a:picLocks noChangeAspect="1"/>
+          </p:cNvPicPr>
+          <p:nvPr/>
+        </p:nvPicPr>
+        <p:blipFill>
+          <a:blip r:embed="rId3">
+            <a:extLst>
+              <a:ext uri="{28A0092B-C50C-407E-A947-70E740481C1C}">
+                <a14:useLocalDpi xmlns:a14="http://schemas.microsoft.com/office/drawing/2010/main" val="0"/>
+              </a:ext>
+            </a:extLst>
+          </a:blip>
+          <a:stretch>
+            <a:fillRect/>
+          </a:stretch>
+        </p:blipFill>
+        <p:spPr>
+          <a:xfrm>
+            <a:off x="1708182" y="1658083"/>
+            <a:ext cx="2240937" cy="1994434"/>
+          </a:xfrm>
+          <a:prstGeom prst="rect">
+            <a:avLst/>
+          </a:prstGeom>
+        </p:spPr>
+      </p:pic>
     </p:spTree>
     <p:extLst>
       <p:ext uri="{BB962C8B-B14F-4D97-AF65-F5344CB8AC3E}">
-        <p14:creationId xmlns:p14="http://schemas.microsoft.com/office/powerpoint/2010/main" val="28610702"/>
+        <p14:creationId xmlns:p14="http://schemas.microsoft.com/office/powerpoint/2010/main" val="71844373"/>
       </p:ext>
     </p:extLst>
   </p:cSld>
   <p:clrMapOvr>
     <a:masterClrMapping/>
   </p:clrMapOvr>
-  <p:timing>
-    <p:tnLst>
-      <p:par>
-        <p:cTn id="1" dur="indefinite" restart="never" nodeType="tmRoot">
-          <p:childTnLst>
-            <p:seq concurrent="1" nextAc="seek">
-              <p:cTn id="2" dur="indefinite" nodeType="mainSeq">
-                <p:childTnLst>
-                  <p:par>
-                    <p:cTn id="3" fill="hold">
-                      <p:stCondLst>
-                        <p:cond delay="indefinite"/>
-                      </p:stCondLst>
-                      <p:childTnLst>
-                        <p:par>
-                          <p:cTn id="4" fill="hold">
-                            <p:stCondLst>
-                              <p:cond delay="0"/>
-                            </p:stCondLst>
-                            <p:childTnLst>
-                              <p:par>
-                                <p:cTn id="5" presetID="1" presetClass="exit" presetSubtype="0" fill="hold" grpId="0" nodeType="clickEffect">
-                                  <p:stCondLst>
-                                    <p:cond delay="0"/>
-                                  </p:stCondLst>
-                                  <p:childTnLst>
-                                    <p:set>
-                                      <p:cBhvr>
-                                        <p:cTn id="6" dur="1" fill="hold">
-                                          <p:stCondLst>
-                                            <p:cond delay="0"/>
-                                          </p:stCondLst>
-                                        </p:cTn>
-                                        <p:tgtEl>
-                                          <p:spTgt spid="5"/>
-                                        </p:tgtEl>
-                                        <p:attrNameLst>
-                                          <p:attrName>style.visibility</p:attrName>
-                                        </p:attrNameLst>
-                                      </p:cBhvr>
-                                      <p:to>
-                                        <p:strVal val="hidden"/>
-                                      </p:to>
-                                    </p:set>
-                                  </p:childTnLst>
-                                </p:cTn>
-                              </p:par>
-                            </p:childTnLst>
-                          </p:cTn>
-                        </p:par>
-                      </p:childTnLst>
-                    </p:cTn>
-                  </p:par>
-                </p:childTnLst>
-              </p:cTn>
-              <p:prevCondLst>
-                <p:cond evt="onPrev" delay="0">
-                  <p:tgtEl>
-                    <p:sldTgt/>
-                  </p:tgtEl>
-                </p:cond>
-              </p:prevCondLst>
-              <p:nextCondLst>
-                <p:cond evt="onNext" delay="0">
-                  <p:tgtEl>
-                    <p:sldTgt/>
-                  </p:tgtEl>
-                </p:cond>
-              </p:nextCondLst>
-            </p:seq>
-          </p:childTnLst>
-        </p:cTn>
-      </p:par>
-    </p:tnLst>
-    <p:bldLst>
-      <p:bldP spid="5" grpId="0" animBg="1"/>
-    </p:bldLst>
-  </p:timing>
 </p:sld>
 </file>
 
-<file path=ppt/slides/slide12.xml><?xml version="1.0" encoding="utf-8"?>
+<file path=ppt/slides/slide13.xml><?xml version="1.0" encoding="utf-8"?>
 <p:sld xmlns:a="http://schemas.openxmlformats.org/drawingml/2006/main" xmlns:r="http://schemas.openxmlformats.org/officeDocument/2006/relationships" xmlns:p="http://schemas.openxmlformats.org/presentationml/2006/main">
   <p:cSld>
     <p:spTree>
@@ -7353,7 +7414,7 @@
 </p:sld>
 </file>
 
-<file path=ppt/slides/slide13.xml><?xml version="1.0" encoding="utf-8"?>
+<file path=ppt/slides/slide14.xml><?xml version="1.0" encoding="utf-8"?>
 <p:sld xmlns:a="http://schemas.openxmlformats.org/drawingml/2006/main" xmlns:r="http://schemas.openxmlformats.org/officeDocument/2006/relationships" xmlns:p="http://schemas.openxmlformats.org/presentationml/2006/main">
   <p:cSld>
     <p:spTree>
@@ -8044,7 +8105,7 @@
 </p:sld>
 </file>
 
-<file path=ppt/slides/slide14.xml><?xml version="1.0" encoding="utf-8"?>
+<file path=ppt/slides/slide15.xml><?xml version="1.0" encoding="utf-8"?>
 <p:sld xmlns:a="http://schemas.openxmlformats.org/drawingml/2006/main" xmlns:r="http://schemas.openxmlformats.org/officeDocument/2006/relationships" xmlns:p="http://schemas.openxmlformats.org/presentationml/2006/main">
   <p:cSld>
     <p:spTree>
@@ -8629,7 +8690,7 @@
 </p:sld>
 </file>
 
-<file path=ppt/slides/slide15.xml><?xml version="1.0" encoding="utf-8"?>
+<file path=ppt/slides/slide16.xml><?xml version="1.0" encoding="utf-8"?>
 <p:sld xmlns:a="http://schemas.openxmlformats.org/drawingml/2006/main" xmlns:r="http://schemas.openxmlformats.org/officeDocument/2006/relationships" xmlns:p="http://schemas.openxmlformats.org/presentationml/2006/main">
   <p:cSld>
     <p:spTree>
@@ -9129,7 +9190,7 @@
 </p:sld>
 </file>
 
-<file path=ppt/slides/slide16.xml><?xml version="1.0" encoding="utf-8"?>
+<file path=ppt/slides/slide17.xml><?xml version="1.0" encoding="utf-8"?>
 <p:sld xmlns:a="http://schemas.openxmlformats.org/drawingml/2006/main" xmlns:r="http://schemas.openxmlformats.org/officeDocument/2006/relationships" xmlns:p="http://schemas.openxmlformats.org/presentationml/2006/main">
   <p:cSld>
     <p:spTree>
@@ -9744,7 +9805,7 @@
 </p:sld>
 </file>
 
-<file path=ppt/slides/slide17.xml><?xml version="1.0" encoding="utf-8"?>
+<file path=ppt/slides/slide18.xml><?xml version="1.0" encoding="utf-8"?>
 <p:sld xmlns:a="http://schemas.openxmlformats.org/drawingml/2006/main" xmlns:r="http://schemas.openxmlformats.org/officeDocument/2006/relationships" xmlns:p="http://schemas.openxmlformats.org/presentationml/2006/main">
   <p:cSld>
     <p:spTree>
@@ -11528,7 +11589,7 @@
 </p:sld>
 </file>
 
-<file path=ppt/slides/slide18.xml><?xml version="1.0" encoding="utf-8"?>
+<file path=ppt/slides/slide19.xml><?xml version="1.0" encoding="utf-8"?>
 <p:sld xmlns:a="http://schemas.openxmlformats.org/drawingml/2006/main" xmlns:r="http://schemas.openxmlformats.org/officeDocument/2006/relationships" xmlns:p="http://schemas.openxmlformats.org/presentationml/2006/main">
   <p:cSld>
     <p:spTree>

--- a/How to write a first draft.pptx
+++ b/How to write a first draft.pptx
@@ -852,7 +852,7 @@
           <a:p>
             <a:fld id="{B471556D-98F7-48AF-ABE6-F1BBFDB1AC6C}" type="datetimeFigureOut">
               <a:rPr lang="en-GB" smtClean="0"/>
-              <a:t>23/04/2025</a:t>
+              <a:t>06/05/2025</a:t>
             </a:fld>
             <a:endParaRPr lang="en-GB"/>
           </a:p>
@@ -1103,7 +1103,7 @@
           <a:p>
             <a:fld id="{B471556D-98F7-48AF-ABE6-F1BBFDB1AC6C}" type="datetimeFigureOut">
               <a:rPr lang="en-GB" smtClean="0"/>
-              <a:t>23/04/2025</a:t>
+              <a:t>06/05/2025</a:t>
             </a:fld>
             <a:endParaRPr lang="en-GB"/>
           </a:p>
@@ -1417,7 +1417,7 @@
           <a:p>
             <a:fld id="{B471556D-98F7-48AF-ABE6-F1BBFDB1AC6C}" type="datetimeFigureOut">
               <a:rPr lang="en-GB" smtClean="0"/>
-              <a:t>23/04/2025</a:t>
+              <a:t>06/05/2025</a:t>
             </a:fld>
             <a:endParaRPr lang="en-GB"/>
           </a:p>
@@ -1758,7 +1758,7 @@
           <a:p>
             <a:fld id="{B471556D-98F7-48AF-ABE6-F1BBFDB1AC6C}" type="datetimeFigureOut">
               <a:rPr lang="en-GB" smtClean="0"/>
-              <a:t>23/04/2025</a:t>
+              <a:t>06/05/2025</a:t>
             </a:fld>
             <a:endParaRPr lang="en-GB"/>
           </a:p>
@@ -2072,7 +2072,7 @@
           <a:p>
             <a:fld id="{B471556D-98F7-48AF-ABE6-F1BBFDB1AC6C}" type="datetimeFigureOut">
               <a:rPr lang="en-GB" smtClean="0"/>
-              <a:t>23/04/2025</a:t>
+              <a:t>06/05/2025</a:t>
             </a:fld>
             <a:endParaRPr lang="en-GB"/>
           </a:p>
@@ -2465,7 +2465,7 @@
           <a:p>
             <a:fld id="{B471556D-98F7-48AF-ABE6-F1BBFDB1AC6C}" type="datetimeFigureOut">
               <a:rPr lang="en-GB" smtClean="0"/>
-              <a:t>23/04/2025</a:t>
+              <a:t>06/05/2025</a:t>
             </a:fld>
             <a:endParaRPr lang="en-GB"/>
           </a:p>
@@ -2635,7 +2635,7 @@
           <a:p>
             <a:fld id="{B471556D-98F7-48AF-ABE6-F1BBFDB1AC6C}" type="datetimeFigureOut">
               <a:rPr lang="en-GB" smtClean="0"/>
-              <a:t>23/04/2025</a:t>
+              <a:t>06/05/2025</a:t>
             </a:fld>
             <a:endParaRPr lang="en-GB"/>
           </a:p>
@@ -2815,7 +2815,7 @@
           <a:p>
             <a:fld id="{B471556D-98F7-48AF-ABE6-F1BBFDB1AC6C}" type="datetimeFigureOut">
               <a:rPr lang="en-GB" smtClean="0"/>
-              <a:t>23/04/2025</a:t>
+              <a:t>06/05/2025</a:t>
             </a:fld>
             <a:endParaRPr lang="en-GB"/>
           </a:p>
@@ -2991,7 +2991,7 @@
           <a:p>
             <a:fld id="{B471556D-98F7-48AF-ABE6-F1BBFDB1AC6C}" type="datetimeFigureOut">
               <a:rPr lang="en-GB" smtClean="0"/>
-              <a:t>23/04/2025</a:t>
+              <a:t>06/05/2025</a:t>
             </a:fld>
             <a:endParaRPr lang="en-GB"/>
           </a:p>
@@ -3238,7 +3238,7 @@
           <a:p>
             <a:fld id="{B471556D-98F7-48AF-ABE6-F1BBFDB1AC6C}" type="datetimeFigureOut">
               <a:rPr lang="en-GB" smtClean="0"/>
-              <a:t>23/04/2025</a:t>
+              <a:t>06/05/2025</a:t>
             </a:fld>
             <a:endParaRPr lang="en-GB"/>
           </a:p>
@@ -3470,7 +3470,7 @@
           <a:p>
             <a:fld id="{B471556D-98F7-48AF-ABE6-F1BBFDB1AC6C}" type="datetimeFigureOut">
               <a:rPr lang="en-GB" smtClean="0"/>
-              <a:t>23/04/2025</a:t>
+              <a:t>06/05/2025</a:t>
             </a:fld>
             <a:endParaRPr lang="en-GB"/>
           </a:p>
@@ -3844,7 +3844,7 @@
           <a:p>
             <a:fld id="{B471556D-98F7-48AF-ABE6-F1BBFDB1AC6C}" type="datetimeFigureOut">
               <a:rPr lang="en-GB" smtClean="0"/>
-              <a:t>23/04/2025</a:t>
+              <a:t>06/05/2025</a:t>
             </a:fld>
             <a:endParaRPr lang="en-GB"/>
           </a:p>
@@ -3967,7 +3967,7 @@
           <a:p>
             <a:fld id="{B471556D-98F7-48AF-ABE6-F1BBFDB1AC6C}" type="datetimeFigureOut">
               <a:rPr lang="en-GB" smtClean="0"/>
-              <a:t>23/04/2025</a:t>
+              <a:t>06/05/2025</a:t>
             </a:fld>
             <a:endParaRPr lang="en-GB"/>
           </a:p>
@@ -4062,7 +4062,7 @@
           <a:p>
             <a:fld id="{B471556D-98F7-48AF-ABE6-F1BBFDB1AC6C}" type="datetimeFigureOut">
               <a:rPr lang="en-GB" smtClean="0"/>
-              <a:t>23/04/2025</a:t>
+              <a:t>06/05/2025</a:t>
             </a:fld>
             <a:endParaRPr lang="en-GB"/>
           </a:p>
@@ -4317,7 +4317,7 @@
           <a:p>
             <a:fld id="{B471556D-98F7-48AF-ABE6-F1BBFDB1AC6C}" type="datetimeFigureOut">
               <a:rPr lang="en-GB" smtClean="0"/>
-              <a:t>23/04/2025</a:t>
+              <a:t>06/05/2025</a:t>
             </a:fld>
             <a:endParaRPr lang="en-GB"/>
           </a:p>
@@ -4580,7 +4580,7 @@
           <a:p>
             <a:fld id="{B471556D-98F7-48AF-ABE6-F1BBFDB1AC6C}" type="datetimeFigureOut">
               <a:rPr lang="en-GB" smtClean="0"/>
-              <a:t>23/04/2025</a:t>
+              <a:t>06/05/2025</a:t>
             </a:fld>
             <a:endParaRPr lang="en-GB"/>
           </a:p>
@@ -5323,7 +5323,7 @@
           <a:p>
             <a:fld id="{B471556D-98F7-48AF-ABE6-F1BBFDB1AC6C}" type="datetimeFigureOut">
               <a:rPr lang="en-GB" smtClean="0"/>
-              <a:t>23/04/2025</a:t>
+              <a:t>06/05/2025</a:t>
             </a:fld>
             <a:endParaRPr lang="en-GB"/>
           </a:p>
@@ -5859,8 +5859,8 @@
         </p:nvSpPr>
         <p:spPr>
           <a:xfrm>
-            <a:off x="612475" y="1138688"/>
-            <a:ext cx="8661528" cy="1207698"/>
+            <a:off x="747396" y="1126888"/>
+            <a:ext cx="9010234" cy="1207698"/>
           </a:xfrm>
         </p:spPr>
         <p:txBody>
@@ -5868,22 +5868,26 @@
           <a:lstStyle/>
           <a:p>
             <a:r>
-              <a:rPr lang="fr-FR" dirty="0"/>
+              <a:rPr lang="fr-FR" sz="4800" dirty="0"/>
               <a:t>How to </a:t>
             </a:r>
             <a:r>
-              <a:rPr lang="fr-FR" dirty="0" err="1"/>
+              <a:rPr lang="fr-FR" sz="4800" dirty="0" err="1"/>
               <a:t>write</a:t>
             </a:r>
             <a:r>
-              <a:rPr lang="fr-FR" dirty="0"/>
-              <a:t> a first </a:t>
-            </a:r>
-            <a:r>
-              <a:rPr lang="fr-FR" dirty="0" err="1"/>
-              <a:t>draft</a:t>
-            </a:r>
-            <a:endParaRPr lang="en-GB" dirty="0"/>
+              <a:rPr lang="fr-FR" sz="4800" dirty="0"/>
+              <a:t> a </a:t>
+            </a:r>
+            <a:r>
+              <a:rPr lang="fr-FR" sz="4800" dirty="0" err="1"/>
+              <a:t>scientific</a:t>
+            </a:r>
+            <a:r>
+              <a:rPr lang="fr-FR" sz="4800" dirty="0"/>
+              <a:t> article</a:t>
+            </a:r>
+            <a:endParaRPr lang="en-GB" sz="4800" dirty="0"/>
           </a:p>
         </p:txBody>
       </p:sp>
@@ -5911,10 +5915,10 @@
           <a:p>
             <a:pPr algn="ctr"/>
             <a:r>
-              <a:rPr lang="fr-FR" sz="2000" dirty="0"/>
-              <a:t>Dr Aurore Ponchon</a:t>
-            </a:r>
-            <a:endParaRPr lang="en-GB" sz="2000" dirty="0"/>
+              <a:rPr lang="fr-FR" sz="2400" dirty="0"/>
+              <a:t>Aurore Ponchon</a:t>
+            </a:r>
+            <a:endParaRPr lang="en-GB" sz="2400" dirty="0"/>
           </a:p>
         </p:txBody>
       </p:sp>
@@ -7612,7 +7616,7 @@
             </a:r>
             <a:r>
               <a:rPr lang="fr-FR" sz="2800" dirty="0"/>
-              <a:t>. </a:t>
+              <a:t> </a:t>
             </a:r>
           </a:p>
           <a:p>
@@ -7893,15 +7897,33 @@
                                   </p:childTnLst>
                                 </p:cTn>
                               </p:par>
+                            </p:childTnLst>
+                          </p:cTn>
+                        </p:par>
+                      </p:childTnLst>
+                    </p:cTn>
+                  </p:par>
+                  <p:par>
+                    <p:cTn id="7" fill="hold">
+                      <p:stCondLst>
+                        <p:cond delay="indefinite"/>
+                      </p:stCondLst>
+                      <p:childTnLst>
+                        <p:par>
+                          <p:cTn id="8" fill="hold">
+                            <p:stCondLst>
+                              <p:cond delay="0"/>
+                            </p:stCondLst>
+                            <p:childTnLst>
                               <p:par>
-                                <p:cTn id="7" presetID="1" presetClass="entr" presetSubtype="0" fill="hold" grpId="0" nodeType="withEffect">
+                                <p:cTn id="9" presetID="1" presetClass="entr" presetSubtype="0" fill="hold" grpId="0" nodeType="clickEffect">
                                   <p:stCondLst>
                                     <p:cond delay="0"/>
                                   </p:stCondLst>
                                   <p:childTnLst>
                                     <p:set>
                                       <p:cBhvr>
-                                        <p:cTn id="8" dur="1" fill="hold">
+                                        <p:cTn id="10" dur="1" fill="hold">
                                           <p:stCondLst>
                                             <p:cond delay="0"/>
                                           </p:stCondLst>
@@ -7931,26 +7953,26 @@
                     </p:cTn>
                   </p:par>
                   <p:par>
-                    <p:cTn id="9" fill="hold">
+                    <p:cTn id="11" fill="hold">
                       <p:stCondLst>
                         <p:cond delay="indefinite"/>
                       </p:stCondLst>
                       <p:childTnLst>
                         <p:par>
-                          <p:cTn id="10" fill="hold">
+                          <p:cTn id="12" fill="hold">
                             <p:stCondLst>
                               <p:cond delay="0"/>
                             </p:stCondLst>
                             <p:childTnLst>
                               <p:par>
-                                <p:cTn id="11" presetID="1" presetClass="entr" presetSubtype="0" fill="hold" grpId="0" nodeType="clickEffect">
+                                <p:cTn id="13" presetID="1" presetClass="entr" presetSubtype="0" fill="hold" grpId="0" nodeType="clickEffect">
                                   <p:stCondLst>
                                     <p:cond delay="0"/>
                                   </p:stCondLst>
                                   <p:childTnLst>
                                     <p:set>
                                       <p:cBhvr>
-                                        <p:cTn id="12" dur="1" fill="hold">
+                                        <p:cTn id="14" dur="1" fill="hold">
                                           <p:stCondLst>
                                             <p:cond delay="0"/>
                                           </p:stCondLst>
@@ -7980,26 +8002,26 @@
                     </p:cTn>
                   </p:par>
                   <p:par>
-                    <p:cTn id="13" fill="hold">
+                    <p:cTn id="15" fill="hold">
                       <p:stCondLst>
                         <p:cond delay="indefinite"/>
                       </p:stCondLst>
                       <p:childTnLst>
                         <p:par>
-                          <p:cTn id="14" fill="hold">
+                          <p:cTn id="16" fill="hold">
                             <p:stCondLst>
                               <p:cond delay="0"/>
                             </p:stCondLst>
                             <p:childTnLst>
                               <p:par>
-                                <p:cTn id="15" presetID="1" presetClass="entr" presetSubtype="0" fill="hold" grpId="0" nodeType="clickEffect">
+                                <p:cTn id="17" presetID="1" presetClass="entr" presetSubtype="0" fill="hold" grpId="0" nodeType="clickEffect">
                                   <p:stCondLst>
                                     <p:cond delay="0"/>
                                   </p:stCondLst>
                                   <p:childTnLst>
                                     <p:set>
                                       <p:cBhvr>
-                                        <p:cTn id="16" dur="1" fill="hold">
+                                        <p:cTn id="18" dur="1" fill="hold">
                                           <p:stCondLst>
                                             <p:cond delay="0"/>
                                           </p:stCondLst>
@@ -8029,26 +8051,26 @@
                     </p:cTn>
                   </p:par>
                   <p:par>
-                    <p:cTn id="17" fill="hold">
+                    <p:cTn id="19" fill="hold">
                       <p:stCondLst>
                         <p:cond delay="indefinite"/>
                       </p:stCondLst>
                       <p:childTnLst>
                         <p:par>
-                          <p:cTn id="18" fill="hold">
+                          <p:cTn id="20" fill="hold">
                             <p:stCondLst>
                               <p:cond delay="0"/>
                             </p:stCondLst>
                             <p:childTnLst>
                               <p:par>
-                                <p:cTn id="19" presetID="1" presetClass="entr" presetSubtype="0" fill="hold" grpId="0" nodeType="clickEffect">
+                                <p:cTn id="21" presetID="1" presetClass="entr" presetSubtype="0" fill="hold" grpId="0" nodeType="clickEffect">
                                   <p:stCondLst>
                                     <p:cond delay="0"/>
                                   </p:stCondLst>
                                   <p:childTnLst>
                                     <p:set>
                                       <p:cBhvr>
-                                        <p:cTn id="20" dur="1" fill="hold">
+                                        <p:cTn id="22" dur="1" fill="hold">
                                           <p:stCondLst>
                                             <p:cond delay="0"/>
                                           </p:stCondLst>
@@ -11618,8 +11640,8 @@
         </p:nvSpPr>
         <p:spPr>
           <a:xfrm>
-            <a:off x="362310" y="1439948"/>
-            <a:ext cx="9446531" cy="2912149"/>
+            <a:off x="413238" y="632162"/>
+            <a:ext cx="9047285" cy="2912149"/>
           </a:xfrm>
         </p:spPr>
         <p:txBody>
@@ -11627,60 +11649,29 @@
           <a:lstStyle/>
           <a:p>
             <a:r>
-              <a:rPr lang="fr-FR" dirty="0" err="1"/>
-              <a:t>Your</a:t>
-            </a:r>
-            <a:r>
-              <a:rPr lang="fr-FR" dirty="0"/>
-              <a:t> </a:t>
-            </a:r>
-            <a:r>
-              <a:rPr lang="fr-FR" dirty="0" err="1"/>
-              <a:t>manuscript</a:t>
-            </a:r>
-            <a:r>
-              <a:rPr lang="fr-FR" dirty="0"/>
-              <a:t> </a:t>
-            </a:r>
-            <a:r>
-              <a:rPr lang="fr-FR" dirty="0" err="1"/>
-              <a:t>is</a:t>
-            </a:r>
-            <a:r>
-              <a:rPr lang="fr-FR" dirty="0"/>
-              <a:t> </a:t>
-            </a:r>
-            <a:r>
-              <a:rPr lang="fr-FR" dirty="0" err="1"/>
+              <a:rPr lang="fr-FR" sz="4800" dirty="0"/>
+              <a:t>You have </a:t>
+            </a:r>
+            <a:r>
+              <a:rPr lang="fr-FR" sz="4800" dirty="0" err="1"/>
               <a:t>published</a:t>
             </a:r>
             <a:r>
-              <a:rPr lang="fr-FR" dirty="0"/>
-              <a:t>!</a:t>
+              <a:rPr lang="fr-FR" sz="4800" dirty="0"/>
+              <a:t> a </a:t>
+            </a:r>
+            <a:r>
+              <a:rPr lang="fr-FR" sz="4800" dirty="0" err="1"/>
+              <a:t>scientific</a:t>
             </a:r>
             <a:br>
-              <a:rPr lang="fr-FR" dirty="0"/>
+              <a:rPr lang="fr-FR" sz="4800" dirty="0"/>
             </a:br>
             <a:r>
-              <a:rPr lang="fr-FR" dirty="0"/>
-              <a:t>You have </a:t>
-            </a:r>
-            <a:r>
-              <a:rPr lang="fr-FR" dirty="0" err="1"/>
-              <a:t>authored</a:t>
-            </a:r>
-            <a:r>
-              <a:rPr lang="fr-FR" dirty="0"/>
-              <a:t> an article,</a:t>
-            </a:r>
-            <a:br>
-              <a:rPr lang="fr-FR" dirty="0"/>
-            </a:br>
-            <a:r>
-              <a:rPr lang="fr-FR" dirty="0"/>
-              <a:t>congratulations!</a:t>
-            </a:r>
-            <a:endParaRPr lang="en-GB" dirty="0"/>
+              <a:rPr lang="fr-FR" sz="4800" dirty="0"/>
+              <a:t>article, congratulations!</a:t>
+            </a:r>
+            <a:endParaRPr lang="en-GB" sz="4800" dirty="0"/>
           </a:p>
         </p:txBody>
       </p:sp>
@@ -11762,17 +11753,25 @@
         </p:spPr>
         <p:txBody>
           <a:bodyPr>
-            <a:normAutofit/>
+            <a:normAutofit fontScale="92500" lnSpcReduction="20000"/>
           </a:bodyPr>
           <a:lstStyle/>
           <a:p>
             <a:r>
               <a:rPr lang="fr-FR" sz="2800" dirty="0"/>
-              <a:t>Scientific article </a:t>
-            </a:r>
-            <a:r>
-              <a:rPr lang="fr-FR" sz="2800" dirty="0" err="1"/>
-              <a:t>which</a:t>
+              <a:t>Scientific production </a:t>
+            </a:r>
+            <a:r>
+              <a:rPr lang="fr-FR" sz="2800" dirty="0" err="1"/>
+              <a:t>published</a:t>
+            </a:r>
+            <a:r>
+              <a:rPr lang="fr-FR" sz="2800" dirty="0"/>
+              <a:t> in a </a:t>
+            </a:r>
+            <a:r>
+              <a:rPr lang="fr-FR" sz="2800" dirty="0" err="1"/>
+              <a:t>peer-reviewed</a:t>
             </a:r>
             <a:r>
               <a:rPr lang="fr-FR" sz="2800" dirty="0"/>
@@ -11780,28 +11779,43 @@
             </a:r>
             <a:r>
               <a:rPr lang="fr-FR" sz="2800" dirty="0" err="1"/>
-              <a:t>is</a:t>
-            </a:r>
-            <a:r>
-              <a:rPr lang="fr-FR" sz="2800" dirty="0"/>
-              <a:t> not </a:t>
-            </a:r>
-            <a:r>
-              <a:rPr lang="fr-FR" sz="2800" dirty="0" err="1"/>
-              <a:t>published</a:t>
-            </a:r>
-            <a:r>
-              <a:rPr lang="fr-FR" sz="2800" dirty="0"/>
-              <a:t> (</a:t>
-            </a:r>
-            <a:r>
-              <a:rPr lang="fr-FR" sz="2800" dirty="0" err="1"/>
-              <a:t>yet</a:t>
-            </a:r>
-            <a:r>
-              <a:rPr lang="fr-FR" sz="2800" dirty="0"/>
-              <a:t>!)</a:t>
-            </a:r>
+              <a:t>scientific</a:t>
+            </a:r>
+            <a:r>
+              <a:rPr lang="fr-FR" sz="2800" dirty="0"/>
+              <a:t> journal</a:t>
+            </a:r>
+          </a:p>
+          <a:p>
+            <a:r>
+              <a:rPr lang="fr-FR" sz="2800" dirty="0" err="1"/>
+              <a:t>Way</a:t>
+            </a:r>
+            <a:r>
+              <a:rPr lang="fr-FR" sz="2800" dirty="0"/>
+              <a:t> of </a:t>
+            </a:r>
+            <a:r>
+              <a:rPr lang="fr-FR" sz="2800" dirty="0" err="1"/>
+              <a:t>communicating</a:t>
+            </a:r>
+            <a:r>
+              <a:rPr lang="fr-FR" sz="2800" dirty="0"/>
+              <a:t> </a:t>
+            </a:r>
+            <a:r>
+              <a:rPr lang="fr-FR" sz="2800" dirty="0" err="1"/>
+              <a:t>scientific</a:t>
+            </a:r>
+            <a:r>
+              <a:rPr lang="fr-FR" sz="2800" dirty="0"/>
+              <a:t> </a:t>
+            </a:r>
+            <a:r>
+              <a:rPr lang="fr-FR" sz="2800" dirty="0" err="1"/>
+              <a:t>advances</a:t>
+            </a:r>
+            <a:endParaRPr lang="fr-FR" sz="2800" dirty="0"/>
           </a:p>
           <a:p>
             <a:r>
@@ -11888,11 +11902,11 @@
             </a:r>
             <a:r>
               <a:rPr lang="fr-FR" sz="4400" dirty="0" err="1"/>
-              <a:t>manuscript</a:t>
+              <a:t>scientific</a:t>
             </a:r>
             <a:r>
               <a:rPr lang="fr-FR" sz="4400" dirty="0"/>
-              <a:t>?</a:t>
+              <a:t> article?</a:t>
             </a:r>
             <a:endParaRPr lang="en-GB" sz="4400" dirty="0"/>
           </a:p>
@@ -11959,39 +11973,26 @@
                                   </p:childTnLst>
                                 </p:cTn>
                               </p:par>
+                            </p:childTnLst>
+                          </p:cTn>
+                        </p:par>
+                      </p:childTnLst>
+                    </p:cTn>
+                  </p:par>
+                  <p:par>
+                    <p:cTn id="7" fill="hold">
+                      <p:stCondLst>
+                        <p:cond delay="indefinite"/>
+                      </p:stCondLst>
+                      <p:childTnLst>
+                        <p:par>
+                          <p:cTn id="8" fill="hold">
+                            <p:stCondLst>
+                              <p:cond delay="0"/>
+                            </p:stCondLst>
+                            <p:childTnLst>
                               <p:par>
-                                <p:cTn id="7" presetID="1" presetClass="entr" presetSubtype="0" fill="hold" nodeType="withEffect">
-                                  <p:stCondLst>
-                                    <p:cond delay="0"/>
-                                  </p:stCondLst>
-                                  <p:childTnLst>
-                                    <p:set>
-                                      <p:cBhvr>
-                                        <p:cTn id="8" dur="1" fill="hold">
-                                          <p:stCondLst>
-                                            <p:cond delay="0"/>
-                                          </p:stCondLst>
-                                        </p:cTn>
-                                        <p:tgtEl>
-                                          <p:spTgt spid="3">
-                                            <p:txEl>
-                                              <p:pRg st="2" end="2"/>
-                                            </p:txEl>
-                                          </p:spTgt>
-                                        </p:tgtEl>
-                                        <p:attrNameLst>
-                                          <p:attrName>style.visibility</p:attrName>
-                                        </p:attrNameLst>
-                                      </p:cBhvr>
-                                      <p:to>
-                                        <p:strVal val="visible"/>
-                                      </p:to>
-                                    </p:set>
-                                  </p:childTnLst>
-                                </p:cTn>
-                              </p:par>
-                              <p:par>
-                                <p:cTn id="9" presetID="1" presetClass="entr" presetSubtype="0" fill="hold" nodeType="withEffect">
+                                <p:cTn id="9" presetID="1" presetClass="entr" presetSubtype="0" fill="hold" nodeType="clickEffect">
                                   <p:stCondLst>
                                     <p:cond delay="0"/>
                                   </p:stCondLst>
@@ -12006,7 +12007,7 @@
                                         <p:tgtEl>
                                           <p:spTgt spid="3">
                                             <p:txEl>
-                                              <p:pRg st="3" end="3"/>
+                                              <p:pRg st="2" end="2"/>
                                             </p:txEl>
                                           </p:spTgt>
                                         </p:tgtEl>
@@ -12037,7 +12038,7 @@
                                         <p:tgtEl>
                                           <p:spTgt spid="3">
                                             <p:txEl>
-                                              <p:pRg st="4" end="4"/>
+                                              <p:pRg st="3" end="3"/>
                                             </p:txEl>
                                           </p:spTgt>
                                         </p:tgtEl>
@@ -12068,7 +12069,7 @@
                                         <p:tgtEl>
                                           <p:spTgt spid="3">
                                             <p:txEl>
-                                              <p:pRg st="5" end="5"/>
+                                              <p:pRg st="4" end="4"/>
                                             </p:txEl>
                                           </p:spTgt>
                                         </p:tgtEl>
@@ -12099,7 +12100,69 @@
                                         <p:tgtEl>
                                           <p:spTgt spid="3">
                                             <p:txEl>
+                                              <p:pRg st="5" end="5"/>
+                                            </p:txEl>
+                                          </p:spTgt>
+                                        </p:tgtEl>
+                                        <p:attrNameLst>
+                                          <p:attrName>style.visibility</p:attrName>
+                                        </p:attrNameLst>
+                                      </p:cBhvr>
+                                      <p:to>
+                                        <p:strVal val="visible"/>
+                                      </p:to>
+                                    </p:set>
+                                  </p:childTnLst>
+                                </p:cTn>
+                              </p:par>
+                              <p:par>
+                                <p:cTn id="17" presetID="1" presetClass="entr" presetSubtype="0" fill="hold" nodeType="withEffect">
+                                  <p:stCondLst>
+                                    <p:cond delay="0"/>
+                                  </p:stCondLst>
+                                  <p:childTnLst>
+                                    <p:set>
+                                      <p:cBhvr>
+                                        <p:cTn id="18" dur="1" fill="hold">
+                                          <p:stCondLst>
+                                            <p:cond delay="0"/>
+                                          </p:stCondLst>
+                                        </p:cTn>
+                                        <p:tgtEl>
+                                          <p:spTgt spid="3">
+                                            <p:txEl>
                                               <p:pRg st="6" end="6"/>
+                                            </p:txEl>
+                                          </p:spTgt>
+                                        </p:tgtEl>
+                                        <p:attrNameLst>
+                                          <p:attrName>style.visibility</p:attrName>
+                                        </p:attrNameLst>
+                                      </p:cBhvr>
+                                      <p:to>
+                                        <p:strVal val="visible"/>
+                                      </p:to>
+                                    </p:set>
+                                  </p:childTnLst>
+                                </p:cTn>
+                              </p:par>
+                              <p:par>
+                                <p:cTn id="19" presetID="1" presetClass="entr" presetSubtype="0" fill="hold" nodeType="withEffect">
+                                  <p:stCondLst>
+                                    <p:cond delay="0"/>
+                                  </p:stCondLst>
+                                  <p:childTnLst>
+                                    <p:set>
+                                      <p:cBhvr>
+                                        <p:cTn id="20" dur="1" fill="hold">
+                                          <p:stCondLst>
+                                            <p:cond delay="0"/>
+                                          </p:stCondLst>
+                                        </p:cTn>
+                                        <p:tgtEl>
+                                          <p:spTgt spid="3">
+                                            <p:txEl>
+                                              <p:pRg st="7" end="7"/>
                                             </p:txEl>
                                           </p:spTgt>
                                         </p:tgtEl>
@@ -13582,7 +13645,7 @@
         </p:spPr>
         <p:txBody>
           <a:bodyPr>
-            <a:normAutofit fontScale="92500"/>
+            <a:normAutofit fontScale="92500" lnSpcReduction="20000"/>
           </a:bodyPr>
           <a:lstStyle/>
           <a:p>
@@ -13681,6 +13744,24 @@
             <a:r>
               <a:rPr lang="fr-FR" sz="2800" dirty="0"/>
               <a:t>)</a:t>
+            </a:r>
+          </a:p>
+          <a:p>
+            <a:r>
+              <a:rPr lang="fr-FR" sz="2800" dirty="0" err="1"/>
+              <a:t>What</a:t>
+            </a:r>
+            <a:r>
+              <a:rPr lang="fr-FR" sz="2800" dirty="0"/>
+              <a:t> </a:t>
+            </a:r>
+            <a:r>
+              <a:rPr lang="fr-FR" sz="2800" dirty="0" err="1"/>
+              <a:t>is</a:t>
+            </a:r>
+            <a:r>
+              <a:rPr lang="fr-FR" sz="2800" dirty="0"/>
+              <a:t> the main message?</a:t>
             </a:r>
           </a:p>
           <a:p>
@@ -13933,7 +14014,7 @@
                                         <p:tgtEl>
                                           <p:spTgt spid="3">
                                             <p:txEl>
-                                              <p:pRg st="2" end="2"/>
+                                              <p:pRg st="3" end="3"/>
                                             </p:txEl>
                                           </p:spTgt>
                                         </p:tgtEl>
@@ -13982,7 +14063,7 @@
                                         <p:tgtEl>
                                           <p:spTgt spid="3">
                                             <p:txEl>
-                                              <p:pRg st="3" end="3"/>
+                                              <p:pRg st="4" end="4"/>
                                             </p:txEl>
                                           </p:spTgt>
                                         </p:tgtEl>
@@ -14031,7 +14112,7 @@
                                         <p:tgtEl>
                                           <p:spTgt spid="3">
                                             <p:txEl>
-                                              <p:pRg st="5" end="5"/>
+                                              <p:pRg st="6" end="6"/>
                                             </p:txEl>
                                           </p:spTgt>
                                         </p:tgtEl>

--- a/How to write a first draft.pptx
+++ b/How to write a first draft.pptx
@@ -19,11 +19,12 @@
     <p:sldId id="278" r:id="rId13"/>
     <p:sldId id="273" r:id="rId14"/>
     <p:sldId id="261" r:id="rId15"/>
-    <p:sldId id="263" r:id="rId16"/>
-    <p:sldId id="275" r:id="rId17"/>
-    <p:sldId id="269" r:id="rId18"/>
-    <p:sldId id="265" r:id="rId19"/>
-    <p:sldId id="267" r:id="rId20"/>
+    <p:sldId id="279" r:id="rId16"/>
+    <p:sldId id="263" r:id="rId17"/>
+    <p:sldId id="275" r:id="rId18"/>
+    <p:sldId id="269" r:id="rId19"/>
+    <p:sldId id="265" r:id="rId20"/>
+    <p:sldId id="267" r:id="rId21"/>
   </p:sldIdLst>
   <p:sldSz cx="12192000" cy="6858000"/>
   <p:notesSz cx="6858000" cy="9144000"/>
@@ -852,7 +853,7 @@
           <a:p>
             <a:fld id="{B471556D-98F7-48AF-ABE6-F1BBFDB1AC6C}" type="datetimeFigureOut">
               <a:rPr lang="en-GB" smtClean="0"/>
-              <a:t>06/05/2025</a:t>
+              <a:t>07/05/2025</a:t>
             </a:fld>
             <a:endParaRPr lang="en-GB"/>
           </a:p>
@@ -1103,7 +1104,7 @@
           <a:p>
             <a:fld id="{B471556D-98F7-48AF-ABE6-F1BBFDB1AC6C}" type="datetimeFigureOut">
               <a:rPr lang="en-GB" smtClean="0"/>
-              <a:t>06/05/2025</a:t>
+              <a:t>07/05/2025</a:t>
             </a:fld>
             <a:endParaRPr lang="en-GB"/>
           </a:p>
@@ -1417,7 +1418,7 @@
           <a:p>
             <a:fld id="{B471556D-98F7-48AF-ABE6-F1BBFDB1AC6C}" type="datetimeFigureOut">
               <a:rPr lang="en-GB" smtClean="0"/>
-              <a:t>06/05/2025</a:t>
+              <a:t>07/05/2025</a:t>
             </a:fld>
             <a:endParaRPr lang="en-GB"/>
           </a:p>
@@ -1758,7 +1759,7 @@
           <a:p>
             <a:fld id="{B471556D-98F7-48AF-ABE6-F1BBFDB1AC6C}" type="datetimeFigureOut">
               <a:rPr lang="en-GB" smtClean="0"/>
-              <a:t>06/05/2025</a:t>
+              <a:t>07/05/2025</a:t>
             </a:fld>
             <a:endParaRPr lang="en-GB"/>
           </a:p>
@@ -2072,7 +2073,7 @@
           <a:p>
             <a:fld id="{B471556D-98F7-48AF-ABE6-F1BBFDB1AC6C}" type="datetimeFigureOut">
               <a:rPr lang="en-GB" smtClean="0"/>
-              <a:t>06/05/2025</a:t>
+              <a:t>07/05/2025</a:t>
             </a:fld>
             <a:endParaRPr lang="en-GB"/>
           </a:p>
@@ -2465,7 +2466,7 @@
           <a:p>
             <a:fld id="{B471556D-98F7-48AF-ABE6-F1BBFDB1AC6C}" type="datetimeFigureOut">
               <a:rPr lang="en-GB" smtClean="0"/>
-              <a:t>06/05/2025</a:t>
+              <a:t>07/05/2025</a:t>
             </a:fld>
             <a:endParaRPr lang="en-GB"/>
           </a:p>
@@ -2635,7 +2636,7 @@
           <a:p>
             <a:fld id="{B471556D-98F7-48AF-ABE6-F1BBFDB1AC6C}" type="datetimeFigureOut">
               <a:rPr lang="en-GB" smtClean="0"/>
-              <a:t>06/05/2025</a:t>
+              <a:t>07/05/2025</a:t>
             </a:fld>
             <a:endParaRPr lang="en-GB"/>
           </a:p>
@@ -2815,7 +2816,7 @@
           <a:p>
             <a:fld id="{B471556D-98F7-48AF-ABE6-F1BBFDB1AC6C}" type="datetimeFigureOut">
               <a:rPr lang="en-GB" smtClean="0"/>
-              <a:t>06/05/2025</a:t>
+              <a:t>07/05/2025</a:t>
             </a:fld>
             <a:endParaRPr lang="en-GB"/>
           </a:p>
@@ -2991,7 +2992,7 @@
           <a:p>
             <a:fld id="{B471556D-98F7-48AF-ABE6-F1BBFDB1AC6C}" type="datetimeFigureOut">
               <a:rPr lang="en-GB" smtClean="0"/>
-              <a:t>06/05/2025</a:t>
+              <a:t>07/05/2025</a:t>
             </a:fld>
             <a:endParaRPr lang="en-GB"/>
           </a:p>
@@ -3238,7 +3239,7 @@
           <a:p>
             <a:fld id="{B471556D-98F7-48AF-ABE6-F1BBFDB1AC6C}" type="datetimeFigureOut">
               <a:rPr lang="en-GB" smtClean="0"/>
-              <a:t>06/05/2025</a:t>
+              <a:t>07/05/2025</a:t>
             </a:fld>
             <a:endParaRPr lang="en-GB"/>
           </a:p>
@@ -3470,7 +3471,7 @@
           <a:p>
             <a:fld id="{B471556D-98F7-48AF-ABE6-F1BBFDB1AC6C}" type="datetimeFigureOut">
               <a:rPr lang="en-GB" smtClean="0"/>
-              <a:t>06/05/2025</a:t>
+              <a:t>07/05/2025</a:t>
             </a:fld>
             <a:endParaRPr lang="en-GB"/>
           </a:p>
@@ -3844,7 +3845,7 @@
           <a:p>
             <a:fld id="{B471556D-98F7-48AF-ABE6-F1BBFDB1AC6C}" type="datetimeFigureOut">
               <a:rPr lang="en-GB" smtClean="0"/>
-              <a:t>06/05/2025</a:t>
+              <a:t>07/05/2025</a:t>
             </a:fld>
             <a:endParaRPr lang="en-GB"/>
           </a:p>
@@ -3967,7 +3968,7 @@
           <a:p>
             <a:fld id="{B471556D-98F7-48AF-ABE6-F1BBFDB1AC6C}" type="datetimeFigureOut">
               <a:rPr lang="en-GB" smtClean="0"/>
-              <a:t>06/05/2025</a:t>
+              <a:t>07/05/2025</a:t>
             </a:fld>
             <a:endParaRPr lang="en-GB"/>
           </a:p>
@@ -4062,7 +4063,7 @@
           <a:p>
             <a:fld id="{B471556D-98F7-48AF-ABE6-F1BBFDB1AC6C}" type="datetimeFigureOut">
               <a:rPr lang="en-GB" smtClean="0"/>
-              <a:t>06/05/2025</a:t>
+              <a:t>07/05/2025</a:t>
             </a:fld>
             <a:endParaRPr lang="en-GB"/>
           </a:p>
@@ -4317,7 +4318,7 @@
           <a:p>
             <a:fld id="{B471556D-98F7-48AF-ABE6-F1BBFDB1AC6C}" type="datetimeFigureOut">
               <a:rPr lang="en-GB" smtClean="0"/>
-              <a:t>06/05/2025</a:t>
+              <a:t>07/05/2025</a:t>
             </a:fld>
             <a:endParaRPr lang="en-GB"/>
           </a:p>
@@ -4580,7 +4581,7 @@
           <a:p>
             <a:fld id="{B471556D-98F7-48AF-ABE6-F1BBFDB1AC6C}" type="datetimeFigureOut">
               <a:rPr lang="en-GB" smtClean="0"/>
-              <a:t>06/05/2025</a:t>
+              <a:t>07/05/2025</a:t>
             </a:fld>
             <a:endParaRPr lang="en-GB"/>
           </a:p>
@@ -5323,7 +5324,7 @@
           <a:p>
             <a:fld id="{B471556D-98F7-48AF-ABE6-F1BBFDB1AC6C}" type="datetimeFigureOut">
               <a:rPr lang="en-GB" smtClean="0"/>
-              <a:t>06/05/2025</a:t>
+              <a:t>07/05/2025</a:t>
             </a:fld>
             <a:endParaRPr lang="en-GB"/>
           </a:p>
@@ -5988,6 +5989,41 @@
           </a:prstGeom>
         </p:spPr>
       </p:pic>
+      <p:sp>
+        <p:nvSpPr>
+          <p:cNvPr id="6" name="ZoneTexte 5">
+            <a:extLst>
+              <a:ext uri="{FF2B5EF4-FFF2-40B4-BE49-F238E27FC236}">
+                <a16:creationId xmlns:a16="http://schemas.microsoft.com/office/drawing/2014/main" id="{15206298-917B-4F34-9046-9D177CBBC499}"/>
+              </a:ext>
+            </a:extLst>
+          </p:cNvPr>
+          <p:cNvSpPr txBox="1"/>
+          <p:nvPr/>
+        </p:nvSpPr>
+        <p:spPr>
+          <a:xfrm>
+            <a:off x="2706899" y="6370261"/>
+            <a:ext cx="6101860" cy="369332"/>
+          </a:xfrm>
+          <a:prstGeom prst="rect">
+            <a:avLst/>
+          </a:prstGeom>
+          <a:noFill/>
+        </p:spPr>
+        <p:txBody>
+          <a:bodyPr wrap="square">
+            <a:spAutoFit/>
+          </a:bodyPr>
+          <a:lstStyle/>
+          <a:p>
+            <a:r>
+              <a:rPr lang="fr-FR" dirty="0"/>
+              <a:t>https://github.com/auponchon/Writing_a_draft</a:t>
+            </a:r>
+          </a:p>
+        </p:txBody>
+      </p:sp>
     </p:spTree>
     <p:extLst>
       <p:ext uri="{BB962C8B-B14F-4D97-AF65-F5344CB8AC3E}">
@@ -8154,6 +8190,200 @@
             <p:ph type="title"/>
           </p:nvPr>
         </p:nvSpPr>
+        <p:spPr>
+          <a:xfrm>
+            <a:off x="343226" y="193359"/>
+            <a:ext cx="8837602" cy="987227"/>
+          </a:xfrm>
+        </p:spPr>
+        <p:txBody>
+          <a:bodyPr>
+            <a:noAutofit/>
+          </a:bodyPr>
+          <a:lstStyle/>
+          <a:p>
+            <a:r>
+              <a:rPr lang="fr-FR" sz="4400" dirty="0" err="1"/>
+              <a:t>Overcoming</a:t>
+            </a:r>
+            <a:r>
+              <a:rPr lang="fr-FR" sz="4400" dirty="0"/>
+              <a:t> procrastination</a:t>
+            </a:r>
+            <a:endParaRPr lang="en-GB" sz="4400" dirty="0"/>
+          </a:p>
+        </p:txBody>
+      </p:sp>
+      <p:pic>
+        <p:nvPicPr>
+          <p:cNvPr id="7" name="Image 6">
+            <a:extLst>
+              <a:ext uri="{FF2B5EF4-FFF2-40B4-BE49-F238E27FC236}">
+                <a16:creationId xmlns:a16="http://schemas.microsoft.com/office/drawing/2014/main" id="{9075C657-480A-4A97-9DB8-4C976D4AF954}"/>
+              </a:ext>
+            </a:extLst>
+          </p:cNvPr>
+          <p:cNvPicPr>
+            <a:picLocks noChangeAspect="1"/>
+          </p:cNvPicPr>
+          <p:nvPr/>
+        </p:nvPicPr>
+        <p:blipFill rotWithShape="1">
+          <a:blip r:embed="rId2"/>
+          <a:srcRect l="4141" t="2619" r="3360" b="12826"/>
+          <a:stretch/>
+        </p:blipFill>
+        <p:spPr>
+          <a:xfrm>
+            <a:off x="272562" y="1470374"/>
+            <a:ext cx="5257800" cy="2839845"/>
+          </a:xfrm>
+          <a:prstGeom prst="rect">
+            <a:avLst/>
+          </a:prstGeom>
+        </p:spPr>
+      </p:pic>
+      <p:pic>
+        <p:nvPicPr>
+          <p:cNvPr id="11" name="Image 10">
+            <a:extLst>
+              <a:ext uri="{FF2B5EF4-FFF2-40B4-BE49-F238E27FC236}">
+                <a16:creationId xmlns:a16="http://schemas.microsoft.com/office/drawing/2014/main" id="{33A28CCA-AF98-4886-B65B-307DC0547E6A}"/>
+              </a:ext>
+            </a:extLst>
+          </p:cNvPr>
+          <p:cNvPicPr>
+            <a:picLocks noChangeAspect="1"/>
+          </p:cNvPicPr>
+          <p:nvPr/>
+        </p:nvPicPr>
+        <p:blipFill rotWithShape="1">
+          <a:blip r:embed="rId3"/>
+          <a:srcRect l="14272" t="7465"/>
+          <a:stretch/>
+        </p:blipFill>
+        <p:spPr>
+          <a:xfrm>
+            <a:off x="5627078" y="1433464"/>
+            <a:ext cx="4162121" cy="2876755"/>
+          </a:xfrm>
+          <a:prstGeom prst="rect">
+            <a:avLst/>
+          </a:prstGeom>
+        </p:spPr>
+      </p:pic>
+      <p:sp>
+        <p:nvSpPr>
+          <p:cNvPr id="13" name="ZoneTexte 12">
+            <a:extLst>
+              <a:ext uri="{FF2B5EF4-FFF2-40B4-BE49-F238E27FC236}">
+                <a16:creationId xmlns:a16="http://schemas.microsoft.com/office/drawing/2014/main" id="{69D1663A-927D-431A-8573-3DB6D142536D}"/>
+              </a:ext>
+            </a:extLst>
+          </p:cNvPr>
+          <p:cNvSpPr txBox="1"/>
+          <p:nvPr/>
+        </p:nvSpPr>
+        <p:spPr>
+          <a:xfrm>
+            <a:off x="624580" y="4815974"/>
+            <a:ext cx="8739228" cy="830997"/>
+          </a:xfrm>
+          <a:prstGeom prst="rect">
+            <a:avLst/>
+          </a:prstGeom>
+          <a:noFill/>
+        </p:spPr>
+        <p:txBody>
+          <a:bodyPr wrap="square">
+            <a:spAutoFit/>
+          </a:bodyPr>
+          <a:lstStyle/>
+          <a:p>
+            <a:r>
+              <a:rPr lang="en-US" sz="2400" b="1" dirty="0">
+                <a:effectLst/>
+              </a:rPr>
+              <a:t>Inside the Mind of a Master Procrastinator | Tim Urban | TED talk</a:t>
+            </a:r>
+          </a:p>
+        </p:txBody>
+      </p:sp>
+      <p:sp>
+        <p:nvSpPr>
+          <p:cNvPr id="15" name="ZoneTexte 14">
+            <a:extLst>
+              <a:ext uri="{FF2B5EF4-FFF2-40B4-BE49-F238E27FC236}">
+                <a16:creationId xmlns:a16="http://schemas.microsoft.com/office/drawing/2014/main" id="{7941CAFB-E9AC-4D57-AE6D-3437D3993F0A}"/>
+              </a:ext>
+            </a:extLst>
+          </p:cNvPr>
+          <p:cNvSpPr txBox="1"/>
+          <p:nvPr/>
+        </p:nvSpPr>
+        <p:spPr>
+          <a:xfrm>
+            <a:off x="2576148" y="5991930"/>
+            <a:ext cx="6101860" cy="369332"/>
+          </a:xfrm>
+          <a:prstGeom prst="rect">
+            <a:avLst/>
+          </a:prstGeom>
+          <a:noFill/>
+        </p:spPr>
+        <p:txBody>
+          <a:bodyPr wrap="square">
+            <a:spAutoFit/>
+          </a:bodyPr>
+          <a:lstStyle/>
+          <a:p>
+            <a:r>
+              <a:rPr lang="fr-FR" dirty="0"/>
+              <a:t>https://www.youtube.com/watch?v=arj7oStGLkU</a:t>
+            </a:r>
+          </a:p>
+        </p:txBody>
+      </p:sp>
+    </p:spTree>
+    <p:extLst>
+      <p:ext uri="{BB962C8B-B14F-4D97-AF65-F5344CB8AC3E}">
+        <p14:creationId xmlns:p14="http://schemas.microsoft.com/office/powerpoint/2010/main" val="1961397895"/>
+      </p:ext>
+    </p:extLst>
+  </p:cSld>
+  <p:clrMapOvr>
+    <a:masterClrMapping/>
+  </p:clrMapOvr>
+</p:sld>
+</file>
+
+<file path=ppt/slides/slide16.xml><?xml version="1.0" encoding="utf-8"?>
+<p:sld xmlns:a="http://schemas.openxmlformats.org/drawingml/2006/main" xmlns:r="http://schemas.openxmlformats.org/officeDocument/2006/relationships" xmlns:p="http://schemas.openxmlformats.org/presentationml/2006/main">
+  <p:cSld>
+    <p:spTree>
+      <p:nvGrpSpPr>
+        <p:cNvPr id="1" name=""/>
+        <p:cNvGrpSpPr/>
+        <p:nvPr/>
+      </p:nvGrpSpPr>
+      <p:grpSpPr>
+        <a:xfrm>
+          <a:off x="0" y="0"/>
+          <a:ext cx="0" cy="0"/>
+          <a:chOff x="0" y="0"/>
+          <a:chExt cx="0" cy="0"/>
+        </a:xfrm>
+      </p:grpSpPr>
+      <p:sp>
+        <p:nvSpPr>
+          <p:cNvPr id="2" name="Title 1"/>
+          <p:cNvSpPr>
+            <a:spLocks noGrp="1"/>
+          </p:cNvSpPr>
+          <p:nvPr>
+            <p:ph type="title"/>
+          </p:nvPr>
+        </p:nvSpPr>
         <p:spPr/>
         <p:txBody>
           <a:bodyPr>
@@ -8712,7 +8942,7 @@
 </p:sld>
 </file>
 
-<file path=ppt/slides/slide16.xml><?xml version="1.0" encoding="utf-8"?>
+<file path=ppt/slides/slide17.xml><?xml version="1.0" encoding="utf-8"?>
 <p:sld xmlns:a="http://schemas.openxmlformats.org/drawingml/2006/main" xmlns:r="http://schemas.openxmlformats.org/officeDocument/2006/relationships" xmlns:p="http://schemas.openxmlformats.org/presentationml/2006/main">
   <p:cSld>
     <p:spTree>
@@ -9212,7 +9442,7 @@
 </p:sld>
 </file>
 
-<file path=ppt/slides/slide17.xml><?xml version="1.0" encoding="utf-8"?>
+<file path=ppt/slides/slide18.xml><?xml version="1.0" encoding="utf-8"?>
 <p:sld xmlns:a="http://schemas.openxmlformats.org/drawingml/2006/main" xmlns:r="http://schemas.openxmlformats.org/officeDocument/2006/relationships" xmlns:p="http://schemas.openxmlformats.org/presentationml/2006/main">
   <p:cSld>
     <p:spTree>
@@ -9827,7 +10057,7 @@
 </p:sld>
 </file>
 
-<file path=ppt/slides/slide18.xml><?xml version="1.0" encoding="utf-8"?>
+<file path=ppt/slides/slide19.xml><?xml version="1.0" encoding="utf-8"?>
 <p:sld xmlns:a="http://schemas.openxmlformats.org/drawingml/2006/main" xmlns:r="http://schemas.openxmlformats.org/officeDocument/2006/relationships" xmlns:p="http://schemas.openxmlformats.org/presentationml/2006/main">
   <p:cSld>
     <p:spTree>
@@ -11611,113 +11841,6 @@
 </p:sld>
 </file>
 
-<file path=ppt/slides/slide19.xml><?xml version="1.0" encoding="utf-8"?>
-<p:sld xmlns:a="http://schemas.openxmlformats.org/drawingml/2006/main" xmlns:r="http://schemas.openxmlformats.org/officeDocument/2006/relationships" xmlns:p="http://schemas.openxmlformats.org/presentationml/2006/main">
-  <p:cSld>
-    <p:spTree>
-      <p:nvGrpSpPr>
-        <p:cNvPr id="1" name=""/>
-        <p:cNvGrpSpPr/>
-        <p:nvPr/>
-      </p:nvGrpSpPr>
-      <p:grpSpPr>
-        <a:xfrm>
-          <a:off x="0" y="0"/>
-          <a:ext cx="0" cy="0"/>
-          <a:chOff x="0" y="0"/>
-          <a:chExt cx="0" cy="0"/>
-        </a:xfrm>
-      </p:grpSpPr>
-      <p:sp>
-        <p:nvSpPr>
-          <p:cNvPr id="2" name="Title 1"/>
-          <p:cNvSpPr>
-            <a:spLocks noGrp="1"/>
-          </p:cNvSpPr>
-          <p:nvPr>
-            <p:ph type="ctrTitle"/>
-          </p:nvPr>
-        </p:nvSpPr>
-        <p:spPr>
-          <a:xfrm>
-            <a:off x="413238" y="632162"/>
-            <a:ext cx="9047285" cy="2912149"/>
-          </a:xfrm>
-        </p:spPr>
-        <p:txBody>
-          <a:bodyPr/>
-          <a:lstStyle/>
-          <a:p>
-            <a:r>
-              <a:rPr lang="fr-FR" sz="4800" dirty="0"/>
-              <a:t>You have </a:t>
-            </a:r>
-            <a:r>
-              <a:rPr lang="fr-FR" sz="4800" dirty="0" err="1"/>
-              <a:t>published</a:t>
-            </a:r>
-            <a:r>
-              <a:rPr lang="fr-FR" sz="4800" dirty="0"/>
-              <a:t> a </a:t>
-            </a:r>
-            <a:r>
-              <a:rPr lang="fr-FR" sz="4800" dirty="0" err="1"/>
-              <a:t>scientific</a:t>
-            </a:r>
-            <a:br>
-              <a:rPr lang="fr-FR" sz="4800" dirty="0"/>
-            </a:br>
-            <a:r>
-              <a:rPr lang="fr-FR" sz="4800" dirty="0"/>
-              <a:t>article, congratulations!</a:t>
-            </a:r>
-            <a:endParaRPr lang="en-GB" sz="4800" dirty="0"/>
-          </a:p>
-        </p:txBody>
-      </p:sp>
-      <p:pic>
-        <p:nvPicPr>
-          <p:cNvPr id="3" name="Picture 2"/>
-          <p:cNvPicPr>
-            <a:picLocks noChangeAspect="1"/>
-          </p:cNvPicPr>
-          <p:nvPr/>
-        </p:nvPicPr>
-        <p:blipFill>
-          <a:blip r:embed="rId2">
-            <a:extLst>
-              <a:ext uri="{28A0092B-C50C-407E-A947-70E740481C1C}">
-                <a14:useLocalDpi xmlns:a14="http://schemas.microsoft.com/office/drawing/2010/main" val="0"/>
-              </a:ext>
-            </a:extLst>
-          </a:blip>
-          <a:stretch>
-            <a:fillRect/>
-          </a:stretch>
-        </p:blipFill>
-        <p:spPr>
-          <a:xfrm>
-            <a:off x="1186368" y="3996040"/>
-            <a:ext cx="2656057" cy="2656057"/>
-          </a:xfrm>
-          <a:prstGeom prst="rect">
-            <a:avLst/>
-          </a:prstGeom>
-        </p:spPr>
-      </p:pic>
-    </p:spTree>
-    <p:extLst>
-      <p:ext uri="{BB962C8B-B14F-4D97-AF65-F5344CB8AC3E}">
-        <p14:creationId xmlns:p14="http://schemas.microsoft.com/office/powerpoint/2010/main" val="2210996007"/>
-      </p:ext>
-    </p:extLst>
-  </p:cSld>
-  <p:clrMapOvr>
-    <a:masterClrMapping/>
-  </p:clrMapOvr>
-</p:sld>
-</file>
-
 <file path=ppt/slides/slide2.xml><?xml version="1.0" encoding="utf-8"?>
 <p:sld xmlns:a="http://schemas.openxmlformats.org/drawingml/2006/main" xmlns:r="http://schemas.openxmlformats.org/officeDocument/2006/relationships" xmlns:p="http://schemas.openxmlformats.org/presentationml/2006/main">
   <p:cSld>
@@ -12205,6 +12328,148 @@
       </p:par>
     </p:tnLst>
   </p:timing>
+</p:sld>
+</file>
+
+<file path=ppt/slides/slide20.xml><?xml version="1.0" encoding="utf-8"?>
+<p:sld xmlns:a="http://schemas.openxmlformats.org/drawingml/2006/main" xmlns:r="http://schemas.openxmlformats.org/officeDocument/2006/relationships" xmlns:p="http://schemas.openxmlformats.org/presentationml/2006/main">
+  <p:cSld>
+    <p:spTree>
+      <p:nvGrpSpPr>
+        <p:cNvPr id="1" name=""/>
+        <p:cNvGrpSpPr/>
+        <p:nvPr/>
+      </p:nvGrpSpPr>
+      <p:grpSpPr>
+        <a:xfrm>
+          <a:off x="0" y="0"/>
+          <a:ext cx="0" cy="0"/>
+          <a:chOff x="0" y="0"/>
+          <a:chExt cx="0" cy="0"/>
+        </a:xfrm>
+      </p:grpSpPr>
+      <p:sp>
+        <p:nvSpPr>
+          <p:cNvPr id="2" name="Title 1"/>
+          <p:cNvSpPr>
+            <a:spLocks noGrp="1"/>
+          </p:cNvSpPr>
+          <p:nvPr>
+            <p:ph type="ctrTitle"/>
+          </p:nvPr>
+        </p:nvSpPr>
+        <p:spPr>
+          <a:xfrm>
+            <a:off x="413238" y="632162"/>
+            <a:ext cx="9047285" cy="2912149"/>
+          </a:xfrm>
+        </p:spPr>
+        <p:txBody>
+          <a:bodyPr/>
+          <a:lstStyle/>
+          <a:p>
+            <a:r>
+              <a:rPr lang="fr-FR" sz="4800" dirty="0"/>
+              <a:t>You have </a:t>
+            </a:r>
+            <a:r>
+              <a:rPr lang="fr-FR" sz="4800" dirty="0" err="1"/>
+              <a:t>published</a:t>
+            </a:r>
+            <a:r>
+              <a:rPr lang="fr-FR" sz="4800" dirty="0"/>
+              <a:t> a </a:t>
+            </a:r>
+            <a:r>
+              <a:rPr lang="fr-FR" sz="4800" dirty="0" err="1"/>
+              <a:t>scientific</a:t>
+            </a:r>
+            <a:br>
+              <a:rPr lang="fr-FR" sz="4800" dirty="0"/>
+            </a:br>
+            <a:r>
+              <a:rPr lang="fr-FR" sz="4800" dirty="0"/>
+              <a:t>article, congratulations!</a:t>
+            </a:r>
+            <a:endParaRPr lang="en-GB" sz="4800" dirty="0"/>
+          </a:p>
+        </p:txBody>
+      </p:sp>
+      <p:pic>
+        <p:nvPicPr>
+          <p:cNvPr id="3" name="Picture 2"/>
+          <p:cNvPicPr>
+            <a:picLocks noChangeAspect="1"/>
+          </p:cNvPicPr>
+          <p:nvPr/>
+        </p:nvPicPr>
+        <p:blipFill>
+          <a:blip r:embed="rId2">
+            <a:extLst>
+              <a:ext uri="{28A0092B-C50C-407E-A947-70E740481C1C}">
+                <a14:useLocalDpi xmlns:a14="http://schemas.microsoft.com/office/drawing/2010/main" val="0"/>
+              </a:ext>
+            </a:extLst>
+          </a:blip>
+          <a:stretch>
+            <a:fillRect/>
+          </a:stretch>
+        </p:blipFill>
+        <p:spPr>
+          <a:xfrm>
+            <a:off x="1186368" y="3996040"/>
+            <a:ext cx="2656057" cy="2656057"/>
+          </a:xfrm>
+          <a:prstGeom prst="rect">
+            <a:avLst/>
+          </a:prstGeom>
+        </p:spPr>
+      </p:pic>
+      <p:sp>
+        <p:nvSpPr>
+          <p:cNvPr id="5" name="ZoneTexte 4">
+            <a:extLst>
+              <a:ext uri="{FF2B5EF4-FFF2-40B4-BE49-F238E27FC236}">
+                <a16:creationId xmlns:a16="http://schemas.microsoft.com/office/drawing/2014/main" id="{648D83D9-4B20-47EF-B981-D66E83B47A42}"/>
+              </a:ext>
+            </a:extLst>
+          </p:cNvPr>
+          <p:cNvSpPr txBox="1"/>
+          <p:nvPr/>
+        </p:nvSpPr>
+        <p:spPr>
+          <a:xfrm>
+            <a:off x="3965331" y="6361207"/>
+            <a:ext cx="6101860" cy="369332"/>
+          </a:xfrm>
+          <a:prstGeom prst="rect">
+            <a:avLst/>
+          </a:prstGeom>
+          <a:noFill/>
+        </p:spPr>
+        <p:txBody>
+          <a:bodyPr wrap="square">
+            <a:spAutoFit/>
+          </a:bodyPr>
+          <a:lstStyle/>
+          <a:p>
+            <a:r>
+              <a:rPr lang="fr-FR" dirty="0"/>
+              <a:t>https://github.com/auponchon/Writing_a_draft</a:t>
+            </a:r>
+          </a:p>
+        </p:txBody>
+      </p:sp>
+    </p:spTree>
+    <p:extLst>
+      <p:ext uri="{BB962C8B-B14F-4D97-AF65-F5344CB8AC3E}">
+        <p14:creationId xmlns:p14="http://schemas.microsoft.com/office/powerpoint/2010/main" val="2210996007"/>
+      </p:ext>
+    </p:extLst>
+  </p:cSld>
+  <p:clrMapOvr>
+    <a:masterClrMapping/>
+  </p:clrMapOvr>
 </p:sld>
 </file>
 
@@ -14014,7 +14279,7 @@
                                         <p:tgtEl>
                                           <p:spTgt spid="3">
                                             <p:txEl>
-                                              <p:pRg st="3" end="3"/>
+                                              <p:pRg st="1" end="1"/>
                                             </p:txEl>
                                           </p:spTgt>
                                         </p:tgtEl>
@@ -14063,7 +14328,7 @@
                                         <p:tgtEl>
                                           <p:spTgt spid="3">
                                             <p:txEl>
-                                              <p:pRg st="4" end="4"/>
+                                              <p:pRg st="3" end="3"/>
                                             </p:txEl>
                                           </p:spTgt>
                                         </p:tgtEl>
@@ -14105,6 +14370,55 @@
                                     <p:set>
                                       <p:cBhvr>
                                         <p:cTn id="14" dur="1" fill="hold">
+                                          <p:stCondLst>
+                                            <p:cond delay="0"/>
+                                          </p:stCondLst>
+                                        </p:cTn>
+                                        <p:tgtEl>
+                                          <p:spTgt spid="3">
+                                            <p:txEl>
+                                              <p:pRg st="4" end="4"/>
+                                            </p:txEl>
+                                          </p:spTgt>
+                                        </p:tgtEl>
+                                        <p:attrNameLst>
+                                          <p:attrName>style.visibility</p:attrName>
+                                        </p:attrNameLst>
+                                      </p:cBhvr>
+                                      <p:to>
+                                        <p:strVal val="visible"/>
+                                      </p:to>
+                                    </p:set>
+                                  </p:childTnLst>
+                                </p:cTn>
+                              </p:par>
+                            </p:childTnLst>
+                          </p:cTn>
+                        </p:par>
+                      </p:childTnLst>
+                    </p:cTn>
+                  </p:par>
+                  <p:par>
+                    <p:cTn id="15" fill="hold">
+                      <p:stCondLst>
+                        <p:cond delay="indefinite"/>
+                      </p:stCondLst>
+                      <p:childTnLst>
+                        <p:par>
+                          <p:cTn id="16" fill="hold">
+                            <p:stCondLst>
+                              <p:cond delay="0"/>
+                            </p:stCondLst>
+                            <p:childTnLst>
+                              <p:par>
+                                <p:cTn id="17" presetID="1" presetClass="entr" presetSubtype="0" fill="hold" nodeType="clickEffect">
+                                  <p:stCondLst>
+                                    <p:cond delay="0"/>
+                                  </p:stCondLst>
+                                  <p:childTnLst>
+                                    <p:set>
+                                      <p:cBhvr>
+                                        <p:cTn id="18" dur="1" fill="hold">
                                           <p:stCondLst>
                                             <p:cond delay="0"/>
                                           </p:stCondLst>
